--- a/Präsentationen/PT1.pptx
+++ b/Präsentationen/PT1.pptx
@@ -6,7 +6,7 @@
   </p:sldMasterIdLst>
   <p:sldIdLst>
     <p:sldId id="282" r:id="rId2"/>
-    <p:sldId id="257" r:id="rId3"/>
+    <p:sldId id="283" r:id="rId3"/>
     <p:sldId id="258" r:id="rId4"/>
     <p:sldId id="259" r:id="rId5"/>
     <p:sldId id="260" r:id="rId6"/>
@@ -19,18 +19,14 @@
     <p:sldId id="267" r:id="rId13"/>
     <p:sldId id="268" r:id="rId14"/>
     <p:sldId id="269" r:id="rId15"/>
-    <p:sldId id="270" r:id="rId16"/>
-    <p:sldId id="271" r:id="rId17"/>
-    <p:sldId id="272" r:id="rId18"/>
-    <p:sldId id="273" r:id="rId19"/>
-    <p:sldId id="274" r:id="rId20"/>
-    <p:sldId id="275" r:id="rId21"/>
-    <p:sldId id="276" r:id="rId22"/>
-    <p:sldId id="277" r:id="rId23"/>
-    <p:sldId id="278" r:id="rId24"/>
-    <p:sldId id="279" r:id="rId25"/>
-    <p:sldId id="280" r:id="rId26"/>
-    <p:sldId id="281" r:id="rId27"/>
+    <p:sldId id="272" r:id="rId16"/>
+    <p:sldId id="275" r:id="rId17"/>
+    <p:sldId id="276" r:id="rId18"/>
+    <p:sldId id="277" r:id="rId19"/>
+    <p:sldId id="278" r:id="rId20"/>
+    <p:sldId id="279" r:id="rId21"/>
+    <p:sldId id="280" r:id="rId22"/>
+    <p:sldId id="281" r:id="rId23"/>
   </p:sldIdLst>
   <p:sldSz cx="9144000" cy="6858000" type="screen4x3"/>
   <p:notesSz cx="6858000" cy="9144000"/>
@@ -129,6 +125,22 @@
       </a:defRPr>
     </a:lvl9pPr>
   </p:defaultTextStyle>
+  <p:extLst>
+    <p:ext uri="{EFAFB233-063F-42B5-8137-9DF3F51BA10A}">
+      <p15:sldGuideLst xmlns:p15="http://schemas.microsoft.com/office/powerpoint/2012/main">
+        <p15:guide id="1" orient="horz" pos="2160">
+          <p15:clr>
+            <a:srgbClr val="A4A3A4"/>
+          </p15:clr>
+        </p15:guide>
+        <p15:guide id="2" pos="2880">
+          <p15:clr>
+            <a:srgbClr val="A4A3A4"/>
+          </p15:clr>
+        </p15:guide>
+      </p15:sldGuideLst>
+    </p:ext>
+  </p:extLst>
 </p:presentation>
 </file>
 
@@ -4161,9 +4173,49 @@
               <a:t> </a:t>
             </a:r>
             <a:r>
-              <a:rPr lang="en-US" dirty="0" err="1"/>
+              <a:rPr lang="en-US" dirty="0" err="1" smtClean="0"/>
               <a:t>Zugangskontrollsicherung</a:t>
             </a:r>
+            <a:endParaRPr lang="en-US" dirty="0" smtClean="0"/>
+          </a:p>
+          <a:p>
+            <a:pPr lvl="3" hangingPunct="0"/>
+            <a:r>
+              <a:rPr lang="en-US" dirty="0" err="1" smtClean="0"/>
+              <a:t>Hier</a:t>
+            </a:r>
+            <a:r>
+              <a:rPr lang="en-US" dirty="0" smtClean="0"/>
+              <a:t> </a:t>
+            </a:r>
+            <a:r>
+              <a:rPr lang="en-US" dirty="0" err="1" smtClean="0"/>
+              <a:t>ist</a:t>
+            </a:r>
+            <a:r>
+              <a:rPr lang="en-US" dirty="0" smtClean="0"/>
+              <a:t> </a:t>
+            </a:r>
+            <a:r>
+              <a:rPr lang="en-US" dirty="0" err="1" smtClean="0"/>
+              <a:t>nicht</a:t>
+            </a:r>
+            <a:r>
+              <a:rPr lang="en-US" dirty="0" smtClean="0"/>
+              <a:t> </a:t>
+            </a:r>
+            <a:r>
+              <a:rPr lang="en-US" dirty="0" err="1" smtClean="0"/>
+              <a:t>Verschlüsselung</a:t>
+            </a:r>
+            <a:r>
+              <a:rPr lang="en-US" dirty="0" smtClean="0"/>
+              <a:t> </a:t>
+            </a:r>
+            <a:r>
+              <a:rPr lang="en-US" dirty="0" err="1" smtClean="0"/>
+              <a:t>gemeint</a:t>
+            </a:r>
             <a:endParaRPr lang="en-US" dirty="0"/>
           </a:p>
           <a:p>
@@ -4220,8 +4272,20 @@
               <a:t> </a:t>
             </a:r>
             <a:r>
-              <a:rPr lang="en-US" dirty="0" err="1"/>
+              <a:rPr lang="en-US" dirty="0" err="1" smtClean="0"/>
               <a:t>nicht</a:t>
+            </a:r>
+            <a:endParaRPr lang="en-US" dirty="0" smtClean="0"/>
+          </a:p>
+          <a:p>
+            <a:pPr lvl="2" hangingPunct="0"/>
+            <a:r>
+              <a:rPr lang="en-US" dirty="0" err="1" smtClean="0"/>
+              <a:t>Beispiel</a:t>
+            </a:r>
+            <a:r>
+              <a:rPr lang="en-US" dirty="0" smtClean="0"/>
+              <a:t>: SQL-Injection</a:t>
             </a:r>
             <a:endParaRPr lang="en-US" dirty="0"/>
           </a:p>
@@ -4909,9 +4973,83 @@
               <a:t> </a:t>
             </a:r>
             <a:r>
-              <a:rPr lang="en-US" dirty="0" err="1"/>
+              <a:rPr lang="en-US" dirty="0" err="1" smtClean="0"/>
               <a:t>Strafbar</a:t>
             </a:r>
+            <a:endParaRPr lang="en-US" dirty="0" smtClean="0"/>
+          </a:p>
+          <a:p>
+            <a:pPr lvl="2" hangingPunct="0"/>
+            <a:endParaRPr lang="en-US" dirty="0"/>
+          </a:p>
+          <a:p>
+            <a:pPr lvl="1" hangingPunct="0"/>
+            <a:r>
+              <a:rPr lang="de-DE" altLang="zh-CN" dirty="0"/>
+              <a:t>§202d </a:t>
+            </a:r>
+            <a:r>
+              <a:rPr lang="de-DE" altLang="zh-CN" dirty="0" err="1"/>
+              <a:t>Datenhelerei</a:t>
+            </a:r>
+            <a:endParaRPr lang="de-DE" altLang="zh-CN" dirty="0"/>
+          </a:p>
+          <a:p>
+            <a:pPr lvl="2" hangingPunct="0"/>
+            <a:r>
+              <a:rPr lang="en-US" dirty="0"/>
+              <a:t>Der </a:t>
+            </a:r>
+            <a:r>
+              <a:rPr lang="en-US" dirty="0" err="1"/>
+              <a:t>Verkauf</a:t>
+            </a:r>
+            <a:r>
+              <a:rPr lang="en-US" dirty="0"/>
+              <a:t> von </a:t>
+            </a:r>
+            <a:r>
+              <a:rPr lang="en-US" dirty="0" err="1"/>
+              <a:t>rechtswidrig</a:t>
+            </a:r>
+            <a:r>
+              <a:rPr lang="en-US" dirty="0"/>
+              <a:t> </a:t>
+            </a:r>
+            <a:r>
+              <a:rPr lang="en-US" dirty="0" err="1"/>
+              <a:t>erlangten</a:t>
+            </a:r>
+            <a:r>
+              <a:rPr lang="en-US" dirty="0"/>
+              <a:t> </a:t>
+            </a:r>
+            <a:r>
+              <a:rPr lang="en-US" dirty="0" err="1"/>
+              <a:t>Daten</a:t>
+            </a:r>
+            <a:r>
+              <a:rPr lang="en-US" dirty="0"/>
+              <a:t> </a:t>
+            </a:r>
+            <a:r>
+              <a:rPr lang="en-US" dirty="0" err="1"/>
+              <a:t>ist</a:t>
+            </a:r>
+            <a:r>
+              <a:rPr lang="en-US" dirty="0"/>
+              <a:t> </a:t>
+            </a:r>
+            <a:r>
+              <a:rPr lang="en-US" dirty="0" err="1"/>
+              <a:t>strafbar</a:t>
+            </a:r>
+            <a:endParaRPr lang="en-US" dirty="0"/>
+          </a:p>
+          <a:p>
+            <a:pPr marL="365760" lvl="1" indent="0" hangingPunct="0">
+              <a:buNone/>
+            </a:pPr>
             <a:endParaRPr lang="en-US" dirty="0"/>
           </a:p>
         </p:txBody>
@@ -5024,64 +5162,179 @@
             <a:pPr lvl="1" hangingPunct="0"/>
             <a:r>
               <a:rPr lang="de-DE" altLang="zh-CN" dirty="0"/>
-              <a:t>§202d </a:t>
-            </a:r>
-            <a:r>
-              <a:rPr lang="de-DE" altLang="zh-CN" dirty="0" err="1"/>
-              <a:t>Datenhelerei</a:t>
-            </a:r>
-            <a:endParaRPr lang="de-DE" altLang="zh-CN" dirty="0"/>
+              <a:t>§303a Datenveränderung</a:t>
+            </a:r>
           </a:p>
           <a:p>
             <a:pPr lvl="2" hangingPunct="0"/>
             <a:r>
-              <a:rPr lang="en-US" dirty="0"/>
-              <a:t>Der </a:t>
-            </a:r>
-            <a:r>
-              <a:rPr lang="en-US" dirty="0" err="1"/>
-              <a:t>Verkauf</a:t>
-            </a:r>
-            <a:r>
-              <a:rPr lang="en-US" dirty="0"/>
-              <a:t> von </a:t>
-            </a:r>
-            <a:r>
-              <a:rPr lang="en-US" dirty="0" err="1"/>
-              <a:t>rechtswidrig</a:t>
-            </a:r>
-            <a:r>
-              <a:rPr lang="en-US" dirty="0"/>
-              <a:t> </a:t>
-            </a:r>
-            <a:r>
-              <a:rPr lang="en-US" dirty="0" err="1"/>
-              <a:t>erlangten</a:t>
-            </a:r>
-            <a:r>
-              <a:rPr lang="en-US" dirty="0"/>
-              <a:t> </a:t>
-            </a:r>
-            <a:r>
-              <a:rPr lang="en-US" dirty="0" err="1"/>
+              <a:rPr lang="en-US" dirty="0" err="1"/>
+              <a:t>Eine</a:t>
+            </a:r>
+            <a:r>
+              <a:rPr lang="en-US" dirty="0"/>
+              <a:t> </a:t>
+            </a:r>
+            <a:r>
+              <a:rPr lang="en-US" dirty="0" err="1" smtClean="0"/>
+              <a:t>Abänderung</a:t>
+            </a:r>
+            <a:r>
+              <a:rPr lang="en-US" dirty="0" smtClean="0"/>
+              <a:t>, </a:t>
+            </a:r>
+            <a:r>
+              <a:rPr lang="en-US" dirty="0" err="1" smtClean="0"/>
+              <a:t>Unterdrückung</a:t>
+            </a:r>
+            <a:r>
+              <a:rPr lang="en-US" dirty="0" smtClean="0"/>
+              <a:t>, </a:t>
+            </a:r>
+            <a:r>
+              <a:rPr lang="en-US" dirty="0" err="1" smtClean="0"/>
+              <a:t>Unbrauchbarmachung</a:t>
+            </a:r>
+            <a:r>
+              <a:rPr lang="en-US" dirty="0" smtClean="0"/>
+              <a:t> und </a:t>
+            </a:r>
+            <a:r>
+              <a:rPr lang="en-US" dirty="0" err="1" smtClean="0"/>
+              <a:t>Löschung</a:t>
+            </a:r>
+            <a:r>
+              <a:rPr lang="en-US" dirty="0" smtClean="0"/>
+              <a:t> </a:t>
+            </a:r>
+            <a:r>
+              <a:rPr lang="en-US" dirty="0"/>
+              <a:t>von </a:t>
+            </a:r>
+            <a:r>
+              <a:rPr lang="en-US" dirty="0" err="1" smtClean="0"/>
               <a:t>Daten</a:t>
             </a:r>
             <a:r>
-              <a:rPr lang="en-US" dirty="0"/>
-              <a:t> </a:t>
-            </a:r>
-            <a:r>
-              <a:rPr lang="en-US" dirty="0" err="1"/>
+              <a:rPr lang="en-US" dirty="0" smtClean="0"/>
+              <a:t> </a:t>
+            </a:r>
+            <a:r>
+              <a:rPr lang="en-US" dirty="0" err="1" smtClean="0"/>
               <a:t>ist</a:t>
             </a:r>
             <a:r>
-              <a:rPr lang="en-US" dirty="0"/>
-              <a:t> </a:t>
-            </a:r>
-            <a:r>
-              <a:rPr lang="en-US" dirty="0" err="1"/>
+              <a:rPr lang="en-US" dirty="0" smtClean="0"/>
+              <a:t> </a:t>
+            </a:r>
+            <a:r>
+              <a:rPr lang="en-US" dirty="0" err="1" smtClean="0"/>
               <a:t>strafbar</a:t>
             </a:r>
+            <a:endParaRPr lang="en-US" dirty="0" smtClean="0"/>
+          </a:p>
+          <a:p>
+            <a:pPr lvl="2" hangingPunct="0"/>
+            <a:r>
+              <a:rPr lang="en-US" dirty="0" err="1" smtClean="0"/>
+              <a:t>Nicht</a:t>
+            </a:r>
+            <a:r>
+              <a:rPr lang="en-US" dirty="0" smtClean="0"/>
+              <a:t> </a:t>
+            </a:r>
+            <a:r>
+              <a:rPr lang="en-US" dirty="0" err="1" smtClean="0"/>
+              <a:t>als</a:t>
+            </a:r>
+            <a:r>
+              <a:rPr lang="en-US" dirty="0" smtClean="0"/>
+              <a:t> </a:t>
+            </a:r>
+            <a:r>
+              <a:rPr lang="en-US" dirty="0" err="1" smtClean="0"/>
+              <a:t>Eigentümer</a:t>
+            </a:r>
+            <a:endParaRPr lang="en-US" dirty="0" smtClean="0"/>
+          </a:p>
+          <a:p>
+            <a:pPr lvl="2" hangingPunct="0"/>
+            <a:endParaRPr lang="en-US" dirty="0"/>
+          </a:p>
+          <a:p>
+            <a:pPr lvl="1" hangingPunct="0"/>
+            <a:r>
+              <a:rPr lang="de-DE" altLang="zh-CN" dirty="0"/>
+              <a:t>§303b Computersabotage</a:t>
+            </a:r>
+          </a:p>
+          <a:p>
+            <a:pPr lvl="2" hangingPunct="0"/>
+            <a:r>
+              <a:rPr lang="en-US" dirty="0" err="1"/>
+              <a:t>Absichtliches</a:t>
+            </a:r>
+            <a:r>
+              <a:rPr lang="en-US" dirty="0"/>
+              <a:t> </a:t>
+            </a:r>
+            <a:r>
+              <a:rPr lang="en-US" dirty="0" err="1"/>
+              <a:t>Stören</a:t>
+            </a:r>
+            <a:r>
+              <a:rPr lang="en-US" dirty="0"/>
+              <a:t> </a:t>
+            </a:r>
+            <a:r>
+              <a:rPr lang="en-US" dirty="0" err="1"/>
+              <a:t>einer</a:t>
+            </a:r>
+            <a:r>
+              <a:rPr lang="en-US" dirty="0"/>
+              <a:t> </a:t>
+            </a:r>
+            <a:r>
+              <a:rPr lang="en-US" dirty="0" err="1"/>
+              <a:t>Datenverarbeitungs</a:t>
+            </a:r>
+            <a:r>
+              <a:rPr lang="en-US" dirty="0"/>
+              <a:t>-</a:t>
+            </a:r>
+            <a:br>
+              <a:rPr lang="en-US" dirty="0"/>
+            </a:br>
+            <a:r>
+              <a:rPr lang="en-US" dirty="0"/>
+              <a:t>anlage (DVA)</a:t>
+            </a:r>
+          </a:p>
+          <a:p>
+            <a:pPr lvl="2" hangingPunct="0"/>
+            <a:r>
+              <a:rPr lang="en-US" dirty="0"/>
+              <a:t>DVAs </a:t>
+            </a:r>
+            <a:r>
+              <a:rPr lang="en-US" dirty="0" err="1"/>
+              <a:t>reichen</a:t>
+            </a:r>
+            <a:r>
+              <a:rPr lang="en-US" dirty="0"/>
+              <a:t> von Server </a:t>
+            </a:r>
+            <a:r>
+              <a:rPr lang="en-US" dirty="0" err="1"/>
+              <a:t>bis</a:t>
+            </a:r>
+            <a:r>
+              <a:rPr lang="en-US" dirty="0"/>
+              <a:t> Router</a:t>
+            </a:r>
+          </a:p>
+          <a:p>
+            <a:pPr lvl="1" hangingPunct="0"/>
             <a:endParaRPr lang="en-US" dirty="0"/>
           </a:p>
         </p:txBody>
@@ -5089,7 +5342,7 @@
     </p:spTree>
     <p:extLst>
       <p:ext uri="{BB962C8B-B14F-4D97-AF65-F5344CB8AC3E}">
-        <p14:creationId xmlns:p14="http://schemas.microsoft.com/office/powerpoint/2010/main" val="889126746"/>
+        <p14:creationId xmlns:p14="http://schemas.microsoft.com/office/powerpoint/2010/main" val="1267261016"/>
       </p:ext>
     </p:extLst>
   </p:cSld>
@@ -5128,166 +5381,228 @@
         </p:nvSpPr>
         <p:spPr/>
         <p:txBody>
+          <a:bodyPr>
+            <a:normAutofit fontScale="90000"/>
+          </a:bodyPr>
+          <a:lstStyle/>
+          <a:p>
+            <a:r>
+              <a:rPr lang="en-US" dirty="0" err="1"/>
+              <a:t>Besondere</a:t>
+            </a:r>
+            <a:r>
+              <a:rPr lang="en-US" dirty="0"/>
+              <a:t> </a:t>
+            </a:r>
+            <a:r>
+              <a:rPr lang="en-US" dirty="0" err="1"/>
+              <a:t>Bedingungen</a:t>
+            </a:r>
+            <a:r>
+              <a:rPr lang="en-US" dirty="0"/>
+              <a:t> </a:t>
+            </a:r>
+            <a:r>
+              <a:rPr lang="en-US" dirty="0" err="1"/>
+              <a:t>für</a:t>
+            </a:r>
+            <a:r>
+              <a:rPr lang="en-US" dirty="0"/>
+              <a:t> die </a:t>
+            </a:r>
+            <a:r>
+              <a:rPr lang="en-US" dirty="0" err="1"/>
+              <a:t>Universität</a:t>
+            </a:r>
+            <a:r>
+              <a:rPr lang="en-US" dirty="0"/>
+              <a:t> Trier</a:t>
+            </a:r>
+            <a:endParaRPr lang="de-DE" dirty="0"/>
+          </a:p>
+        </p:txBody>
+      </p:sp>
+      <p:sp>
+        <p:nvSpPr>
+          <p:cNvPr id="3" name="Inhaltsplatzhalter 2"/>
+          <p:cNvSpPr>
+            <a:spLocks noGrp="1"/>
+          </p:cNvSpPr>
+          <p:nvPr>
+            <p:ph sz="quarter" idx="1"/>
+          </p:nvPr>
+        </p:nvSpPr>
+        <p:spPr/>
+        <p:txBody>
           <a:bodyPr/>
           <a:lstStyle/>
           <a:p>
-            <a:r>
-              <a:rPr lang="de-DE" dirty="0" smtClean="0"/>
-              <a:t>Strafrechtliche Vorschriften</a:t>
-            </a:r>
-            <a:endParaRPr lang="de-DE" dirty="0"/>
-          </a:p>
-        </p:txBody>
-      </p:sp>
-      <p:sp>
-        <p:nvSpPr>
-          <p:cNvPr id="3" name="Inhaltsplatzhalter 2"/>
-          <p:cNvSpPr>
-            <a:spLocks noGrp="1"/>
-          </p:cNvSpPr>
-          <p:nvPr>
-            <p:ph sz="quarter" idx="1"/>
-          </p:nvPr>
-        </p:nvSpPr>
-        <p:spPr/>
-        <p:txBody>
-          <a:bodyPr/>
-          <a:lstStyle/>
-          <a:p>
-            <a:pPr lvl="0">
-              <a:buNone/>
-            </a:pPr>
-            <a:r>
-              <a:rPr lang="en-US" dirty="0" err="1"/>
-              <a:t>Geregelt</a:t>
-            </a:r>
-            <a:r>
-              <a:rPr lang="en-US" dirty="0"/>
-              <a:t> </a:t>
-            </a:r>
-            <a:r>
-              <a:rPr lang="en-US" dirty="0" err="1"/>
-              <a:t>im</a:t>
-            </a:r>
-            <a:r>
-              <a:rPr lang="en-US" dirty="0"/>
-              <a:t> </a:t>
-            </a:r>
-            <a:r>
-              <a:rPr lang="en-US" dirty="0" err="1"/>
-              <a:t>Strafgesetzbuch</a:t>
-            </a:r>
-            <a:r>
-              <a:rPr lang="en-US" dirty="0"/>
-              <a:t> (</a:t>
-            </a:r>
-            <a:r>
-              <a:rPr lang="en-US" dirty="0" err="1"/>
-              <a:t>StGB</a:t>
-            </a:r>
-            <a:r>
-              <a:rPr lang="en-US" dirty="0"/>
-              <a:t>)</a:t>
+            <a:pPr lvl="0"/>
+            <a:r>
+              <a:rPr lang="en-US" dirty="0" err="1"/>
+              <a:t>Bisherige</a:t>
+            </a:r>
+            <a:r>
+              <a:rPr lang="en-US" dirty="0"/>
+              <a:t> </a:t>
+            </a:r>
+            <a:r>
+              <a:rPr lang="en-US" dirty="0" err="1"/>
+              <a:t>Gesetze</a:t>
+            </a:r>
+            <a:r>
+              <a:rPr lang="en-US" dirty="0"/>
+              <a:t> und </a:t>
+            </a:r>
+            <a:r>
+              <a:rPr lang="en-US" dirty="0" err="1"/>
+              <a:t>Verordnungen</a:t>
+            </a:r>
+            <a:endParaRPr lang="en-US" dirty="0"/>
+          </a:p>
+          <a:p>
+            <a:pPr lvl="0"/>
+            <a:r>
+              <a:rPr lang="en-US" dirty="0" err="1"/>
+              <a:t>Gelten</a:t>
+            </a:r>
+            <a:r>
+              <a:rPr lang="en-US" dirty="0"/>
+              <a:t> </a:t>
+            </a:r>
+            <a:r>
+              <a:rPr lang="en-US" dirty="0" err="1"/>
+              <a:t>ist</a:t>
+            </a:r>
+            <a:r>
+              <a:rPr lang="en-US" dirty="0"/>
+              <a:t> das </a:t>
+            </a:r>
+            <a:r>
+              <a:rPr lang="en-US" dirty="0" err="1"/>
+              <a:t>Hochschulgesetz</a:t>
+            </a:r>
+            <a:r>
+              <a:rPr lang="en-US" dirty="0"/>
+              <a:t> (HG)</a:t>
             </a:r>
           </a:p>
           <a:p>
             <a:pPr lvl="1" hangingPunct="0"/>
             <a:r>
               <a:rPr lang="de-DE" altLang="zh-CN" dirty="0"/>
-              <a:t>§303a Datenveränderung</a:t>
-            </a:r>
-          </a:p>
-          <a:p>
-            <a:pPr lvl="2" hangingPunct="0"/>
-            <a:r>
-              <a:rPr lang="en-US" dirty="0" err="1"/>
-              <a:t>Eine</a:t>
-            </a:r>
-            <a:r>
-              <a:rPr lang="en-US" dirty="0"/>
-              <a:t> </a:t>
-            </a:r>
-            <a:r>
-              <a:rPr lang="en-US" dirty="0" err="1"/>
-              <a:t>Abänderung</a:t>
-            </a:r>
-            <a:r>
-              <a:rPr lang="en-US" dirty="0"/>
-              <a:t> von </a:t>
-            </a:r>
-            <a:r>
-              <a:rPr lang="en-US" dirty="0" err="1"/>
-              <a:t>Daten</a:t>
-            </a:r>
-            <a:r>
-              <a:rPr lang="en-US" dirty="0"/>
-              <a:t>, die </a:t>
-            </a:r>
-            <a:r>
-              <a:rPr lang="en-US" dirty="0" err="1"/>
-              <a:t>nach</a:t>
-            </a:r>
-            <a:r>
-              <a:rPr lang="en-US" dirty="0"/>
-              <a:t> §202a </a:t>
+              <a:t>§3 Freiheit von Kunst und Wissenschaft, Forschung, Lehre und Studium</a:t>
+            </a:r>
+          </a:p>
+          <a:p>
+            <a:pPr lvl="1" hangingPunct="0"/>
+            <a:r>
+              <a:rPr lang="en-US" dirty="0" err="1" smtClean="0"/>
+              <a:t>Bisher</a:t>
             </a:r>
             <a:r>
               <a:rPr lang="en-US" dirty="0" smtClean="0"/>
-              <a:t/>
-            </a:r>
-            <a:br>
+              <a:t> </a:t>
+            </a:r>
+            <a:r>
+              <a:rPr lang="en-US" dirty="0" err="1"/>
+              <a:t>genannte</a:t>
+            </a:r>
+            <a:r>
+              <a:rPr lang="en-US" dirty="0"/>
+              <a:t> </a:t>
+            </a:r>
+            <a:r>
+              <a:rPr lang="en-US" dirty="0" err="1"/>
+              <a:t>Gesetze</a:t>
+            </a:r>
+            <a:r>
+              <a:rPr lang="en-US" dirty="0"/>
+              <a:t> </a:t>
+            </a:r>
+            <a:r>
+              <a:rPr lang="en-US" dirty="0" err="1"/>
+              <a:t>bilden</a:t>
+            </a:r>
+            <a:r>
+              <a:rPr lang="en-US" dirty="0"/>
+              <a:t> den </a:t>
+            </a:r>
+            <a:r>
+              <a:rPr lang="en-US" dirty="0" err="1" smtClean="0"/>
+              <a:t>Rahmen</a:t>
+            </a:r>
+            <a:endParaRPr lang="en-US" dirty="0" smtClean="0"/>
+          </a:p>
+          <a:p>
+            <a:pPr lvl="1" hangingPunct="0"/>
+            <a:r>
+              <a:rPr lang="en-US" dirty="0" err="1" smtClean="0"/>
+              <a:t>Beschlüsse</a:t>
+            </a:r>
+            <a:r>
               <a:rPr lang="en-US" dirty="0" smtClean="0"/>
-            </a:br>
+              <a:t> </a:t>
+            </a:r>
             <a:r>
               <a:rPr lang="en-US" dirty="0" err="1" smtClean="0"/>
-              <a:t>rechtswidrig</a:t>
+              <a:t>sind</a:t>
             </a:r>
             <a:r>
               <a:rPr lang="en-US" dirty="0" smtClean="0"/>
               <a:t> </a:t>
             </a:r>
             <a:r>
-              <a:rPr lang="en-US" dirty="0" err="1"/>
-              <a:t>ist</a:t>
-            </a:r>
-            <a:r>
-              <a:rPr lang="en-US" dirty="0"/>
-              <a:t>, </a:t>
-            </a:r>
-            <a:r>
-              <a:rPr lang="en-US" dirty="0" err="1"/>
-              <a:t>sind</a:t>
-            </a:r>
-            <a:r>
-              <a:rPr lang="en-US" dirty="0"/>
-              <a:t> </a:t>
-            </a:r>
-            <a:r>
-              <a:rPr lang="en-US" dirty="0" err="1"/>
-              <a:t>strafbar</a:t>
-            </a:r>
-            <a:endParaRPr lang="en-US" dirty="0"/>
-          </a:p>
-          <a:p>
-            <a:pPr lvl="2" hangingPunct="0"/>
-            <a:r>
-              <a:rPr lang="en-US" dirty="0"/>
-              <a:t>E-Mails</a:t>
-            </a:r>
-          </a:p>
-          <a:p>
-            <a:pPr lvl="2" hangingPunct="0"/>
-            <a:r>
-              <a:rPr lang="en-US" dirty="0" err="1"/>
-              <a:t>Verschlüsselte</a:t>
-            </a:r>
-            <a:r>
-              <a:rPr lang="en-US" dirty="0"/>
-              <a:t> </a:t>
-            </a:r>
-            <a:r>
-              <a:rPr lang="en-US" dirty="0" err="1"/>
-              <a:t>Daten</a:t>
+              <a:rPr lang="en-US" dirty="0" err="1" smtClean="0"/>
+              <a:t>zulässig</a:t>
+            </a:r>
+            <a:r>
+              <a:rPr lang="en-US" dirty="0" smtClean="0"/>
+              <a:t> </a:t>
+            </a:r>
+            <a:r>
+              <a:rPr lang="en-US" dirty="0" err="1" smtClean="0"/>
+              <a:t>wenn</a:t>
+            </a:r>
+            <a:r>
+              <a:rPr lang="en-US" dirty="0" smtClean="0"/>
+              <a:t> </a:t>
+            </a:r>
+            <a:r>
+              <a:rPr lang="en-US" dirty="0" err="1" smtClean="0"/>
+              <a:t>Forschung</a:t>
+            </a:r>
+            <a:r>
+              <a:rPr lang="en-US" dirty="0" smtClean="0"/>
+              <a:t> und </a:t>
+            </a:r>
+            <a:r>
+              <a:rPr lang="en-US" dirty="0" err="1" smtClean="0"/>
+              <a:t>Lehre</a:t>
+            </a:r>
+            <a:r>
+              <a:rPr lang="en-US" dirty="0" smtClean="0"/>
+              <a:t> </a:t>
+            </a:r>
+            <a:r>
+              <a:rPr lang="en-US" dirty="0" err="1" smtClean="0"/>
+              <a:t>nicht</a:t>
+            </a:r>
+            <a:r>
+              <a:rPr lang="en-US" dirty="0" smtClean="0"/>
+              <a:t> </a:t>
+            </a:r>
+            <a:r>
+              <a:rPr lang="en-US" dirty="0" err="1" smtClean="0"/>
+              <a:t>behindert</a:t>
+            </a:r>
+            <a:r>
+              <a:rPr lang="en-US" dirty="0" smtClean="0"/>
+              <a:t> </a:t>
+            </a:r>
+            <a:r>
+              <a:rPr lang="en-US" dirty="0" err="1" smtClean="0"/>
+              <a:t>werden</a:t>
             </a:r>
             <a:endParaRPr lang="en-US" dirty="0"/>
           </a:p>
@@ -5296,7 +5611,7 @@
     </p:spTree>
     <p:extLst>
       <p:ext uri="{BB962C8B-B14F-4D97-AF65-F5344CB8AC3E}">
-        <p14:creationId xmlns:p14="http://schemas.microsoft.com/office/powerpoint/2010/main" val="1569718681"/>
+        <p14:creationId xmlns:p14="http://schemas.microsoft.com/office/powerpoint/2010/main" val="168387517"/>
       </p:ext>
     </p:extLst>
   </p:cSld>
@@ -5340,7 +5655,7 @@
           <a:p>
             <a:r>
               <a:rPr lang="de-DE" dirty="0" smtClean="0"/>
-              <a:t>Strafrechtliche Vorschriften</a:t>
+              <a:t>Bedingungen der Universität Trier</a:t>
             </a:r>
             <a:endParaRPr lang="de-DE" dirty="0"/>
           </a:p>
@@ -5361,149 +5676,76 @@
           <a:bodyPr/>
           <a:lstStyle/>
           <a:p>
-            <a:pPr lvl="0">
-              <a:buNone/>
-            </a:pPr>
-            <a:r>
-              <a:rPr lang="en-US" dirty="0" err="1"/>
-              <a:t>Geregelt</a:t>
-            </a:r>
-            <a:r>
-              <a:rPr lang="en-US" dirty="0"/>
-              <a:t> </a:t>
-            </a:r>
-            <a:r>
-              <a:rPr lang="en-US" dirty="0" err="1"/>
-              <a:t>im</a:t>
-            </a:r>
-            <a:r>
-              <a:rPr lang="en-US" dirty="0"/>
-              <a:t> </a:t>
-            </a:r>
-            <a:r>
-              <a:rPr lang="en-US" dirty="0" err="1"/>
-              <a:t>Strafgesetzbuch</a:t>
-            </a:r>
-            <a:r>
-              <a:rPr lang="en-US" dirty="0"/>
-              <a:t> (</a:t>
-            </a:r>
-            <a:r>
-              <a:rPr lang="en-US" dirty="0" err="1"/>
-              <a:t>StGB</a:t>
-            </a:r>
-            <a:r>
-              <a:rPr lang="en-US" dirty="0"/>
-              <a:t>)</a:t>
-            </a:r>
-          </a:p>
-          <a:p>
-            <a:pPr lvl="1" hangingPunct="0"/>
-            <a:r>
-              <a:rPr lang="de-DE" altLang="zh-CN" dirty="0"/>
-              <a:t>§303a Datenveränderung</a:t>
-            </a:r>
-          </a:p>
-          <a:p>
-            <a:pPr lvl="2" hangingPunct="0"/>
-            <a:r>
-              <a:rPr lang="en-US" dirty="0" err="1"/>
-              <a:t>Eine</a:t>
-            </a:r>
-            <a:r>
-              <a:rPr lang="en-US" dirty="0"/>
-              <a:t> </a:t>
-            </a:r>
-            <a:r>
-              <a:rPr lang="en-US" dirty="0" err="1"/>
-              <a:t>Abänderung</a:t>
-            </a:r>
-            <a:r>
-              <a:rPr lang="en-US" dirty="0"/>
-              <a:t> von </a:t>
-            </a:r>
-            <a:r>
-              <a:rPr lang="en-US" dirty="0" err="1"/>
-              <a:t>Daten</a:t>
-            </a:r>
-            <a:r>
-              <a:rPr lang="en-US" dirty="0"/>
-              <a:t>, die </a:t>
-            </a:r>
-            <a:r>
-              <a:rPr lang="en-US" dirty="0" err="1"/>
-              <a:t>nach</a:t>
-            </a:r>
-            <a:r>
-              <a:rPr lang="en-US" dirty="0"/>
-              <a:t> §202a </a:t>
-            </a:r>
-            <a:r>
-              <a:rPr lang="en-US" dirty="0" smtClean="0"/>
-              <a:t/>
-            </a:r>
-            <a:br>
-              <a:rPr lang="en-US" dirty="0" smtClean="0"/>
-            </a:br>
-            <a:r>
-              <a:rPr lang="en-US" dirty="0" err="1" smtClean="0"/>
-              <a:t>rechtswidrig</a:t>
-            </a:r>
-            <a:r>
-              <a:rPr lang="en-US" dirty="0" smtClean="0"/>
-              <a:t> </a:t>
-            </a:r>
-            <a:r>
-              <a:rPr lang="en-US" dirty="0" err="1"/>
-              <a:t>ist</a:t>
-            </a:r>
-            <a:r>
-              <a:rPr lang="en-US" dirty="0"/>
-              <a:t>, </a:t>
-            </a:r>
-            <a:r>
-              <a:rPr lang="en-US" dirty="0" err="1"/>
-              <a:t>sind</a:t>
-            </a:r>
-            <a:r>
-              <a:rPr lang="en-US" dirty="0"/>
-              <a:t> </a:t>
-            </a:r>
-            <a:r>
-              <a:rPr lang="en-US" dirty="0" err="1"/>
-              <a:t>strafbar</a:t>
+            <a:pPr lvl="0"/>
+            <a:r>
+              <a:rPr lang="en-US" dirty="0" err="1"/>
+              <a:t>Teilgrundordnung</a:t>
+            </a:r>
+            <a:r>
+              <a:rPr lang="en-US" dirty="0"/>
+              <a:t> </a:t>
+            </a:r>
+            <a:r>
+              <a:rPr lang="en-US" dirty="0" err="1"/>
+              <a:t>vom</a:t>
+            </a:r>
+            <a:r>
+              <a:rPr lang="en-US" dirty="0"/>
+              <a:t> ZIMK</a:t>
+            </a:r>
+          </a:p>
+          <a:p>
+            <a:pPr lvl="0"/>
+            <a:r>
+              <a:rPr lang="en-US" dirty="0" err="1"/>
+              <a:t>Benutzerordnung</a:t>
+            </a:r>
+            <a:r>
+              <a:rPr lang="en-US" dirty="0"/>
+              <a:t> der CIP-Pools</a:t>
+            </a:r>
+          </a:p>
+          <a:p>
+            <a:pPr lvl="0"/>
+            <a:r>
+              <a:rPr lang="en-US" dirty="0" err="1"/>
+              <a:t>Dienstanweisungen</a:t>
+            </a:r>
+            <a:r>
+              <a:rPr lang="en-US" dirty="0"/>
+              <a:t> </a:t>
+            </a:r>
+            <a:r>
+              <a:rPr lang="en-US" dirty="0" err="1"/>
+              <a:t>über</a:t>
+            </a:r>
+            <a:r>
+              <a:rPr lang="en-US" dirty="0"/>
+              <a:t> </a:t>
+            </a:r>
+            <a:r>
+              <a:rPr lang="en-US" dirty="0" err="1"/>
+              <a:t>Datenschutz</a:t>
+            </a:r>
+            <a:r>
+              <a:rPr lang="en-US" dirty="0"/>
+              <a:t> und die </a:t>
+            </a:r>
+            <a:r>
+              <a:rPr lang="en-US" dirty="0" err="1"/>
+              <a:t>Datensicherung</a:t>
             </a:r>
             <a:endParaRPr lang="en-US" dirty="0"/>
           </a:p>
           <a:p>
-            <a:pPr lvl="2" hangingPunct="0"/>
-            <a:r>
-              <a:rPr lang="en-US" dirty="0"/>
-              <a:t>E-Mails</a:t>
-            </a:r>
-          </a:p>
-          <a:p>
-            <a:pPr lvl="2" hangingPunct="0"/>
-            <a:r>
-              <a:rPr lang="en-US" dirty="0" err="1"/>
-              <a:t>Verschlüsselte</a:t>
-            </a:r>
-            <a:r>
-              <a:rPr lang="en-US" dirty="0"/>
-              <a:t> </a:t>
-            </a:r>
-            <a:r>
-              <a:rPr lang="en-US" dirty="0" err="1"/>
-              <a:t>Daten</a:t>
-            </a:r>
-            <a:endParaRPr lang="en-US" dirty="0"/>
+            <a:endParaRPr lang="de-DE" dirty="0"/>
           </a:p>
         </p:txBody>
       </p:sp>
     </p:spTree>
     <p:extLst>
       <p:ext uri="{BB962C8B-B14F-4D97-AF65-F5344CB8AC3E}">
-        <p14:creationId xmlns:p14="http://schemas.microsoft.com/office/powerpoint/2010/main" val="1267261016"/>
+        <p14:creationId xmlns:p14="http://schemas.microsoft.com/office/powerpoint/2010/main" val="266801801"/>
       </p:ext>
     </p:extLst>
   </p:cSld>
@@ -5542,146 +5784,160 @@
         </p:nvSpPr>
         <p:spPr/>
         <p:txBody>
+          <a:bodyPr>
+            <a:normAutofit/>
+          </a:bodyPr>
+          <a:lstStyle/>
+          <a:p>
+            <a:r>
+              <a:rPr lang="de-DE" dirty="0" smtClean="0"/>
+              <a:t>Aufgabe 2</a:t>
+            </a:r>
+            <a:endParaRPr lang="de-DE" dirty="0"/>
+          </a:p>
+        </p:txBody>
+      </p:sp>
+      <p:sp>
+        <p:nvSpPr>
+          <p:cNvPr id="3" name="Inhaltsplatzhalter 2"/>
+          <p:cNvSpPr>
+            <a:spLocks noGrp="1"/>
+          </p:cNvSpPr>
+          <p:nvPr>
+            <p:ph sz="quarter" idx="1"/>
+          </p:nvPr>
+        </p:nvSpPr>
+        <p:spPr/>
+        <p:txBody>
           <a:bodyPr/>
           <a:lstStyle/>
           <a:p>
-            <a:r>
-              <a:rPr lang="de-DE" dirty="0" smtClean="0"/>
-              <a:t>Strafrechtliche Vorschriften</a:t>
-            </a:r>
+            <a:pPr lvl="0"/>
+            <a:r>
+              <a:rPr lang="en-US" dirty="0" err="1"/>
+              <a:t>Wie</a:t>
+            </a:r>
+            <a:r>
+              <a:rPr lang="en-US" dirty="0"/>
+              <a:t> </a:t>
+            </a:r>
+            <a:r>
+              <a:rPr lang="en-US" dirty="0" err="1"/>
+              <a:t>sind</a:t>
+            </a:r>
+            <a:r>
+              <a:rPr lang="en-US" dirty="0"/>
+              <a:t> </a:t>
+            </a:r>
+            <a:r>
+              <a:rPr lang="en-US" dirty="0" err="1"/>
+              <a:t>Funknetzwerke</a:t>
+            </a:r>
+            <a:r>
+              <a:rPr lang="en-US" dirty="0"/>
+              <a:t> </a:t>
+            </a:r>
+            <a:r>
+              <a:rPr lang="en-US" dirty="0" err="1"/>
+              <a:t>gegen</a:t>
+            </a:r>
+            <a:r>
+              <a:rPr lang="en-US" dirty="0"/>
+              <a:t> die </a:t>
+            </a:r>
+            <a:r>
+              <a:rPr lang="en-US" dirty="0" err="1"/>
+              <a:t>Nutzung</a:t>
+            </a:r>
+            <a:r>
+              <a:rPr lang="en-US" dirty="0"/>
+              <a:t> von </a:t>
+            </a:r>
+            <a:r>
+              <a:rPr lang="en-US" dirty="0" err="1"/>
+              <a:t>Dritten</a:t>
+            </a:r>
+            <a:r>
+              <a:rPr lang="en-US" dirty="0"/>
+              <a:t> </a:t>
+            </a:r>
+            <a:r>
+              <a:rPr lang="en-US" dirty="0" err="1"/>
+              <a:t>rechtlich</a:t>
+            </a:r>
+            <a:r>
+              <a:rPr lang="en-US" dirty="0"/>
+              <a:t> </a:t>
+            </a:r>
+            <a:r>
+              <a:rPr lang="en-US" dirty="0" err="1"/>
+              <a:t>Geschützt</a:t>
+            </a:r>
+            <a:r>
+              <a:rPr lang="en-US" dirty="0"/>
+              <a:t>?</a:t>
+            </a:r>
+          </a:p>
+          <a:p>
+            <a:pPr lvl="0"/>
+            <a:r>
+              <a:rPr lang="en-US" dirty="0" err="1"/>
+              <a:t>Inwiefern</a:t>
+            </a:r>
+            <a:r>
+              <a:rPr lang="en-US" dirty="0"/>
+              <a:t> </a:t>
+            </a:r>
+            <a:r>
+              <a:rPr lang="en-US" dirty="0" err="1"/>
+              <a:t>ist</a:t>
+            </a:r>
+            <a:r>
+              <a:rPr lang="en-US" dirty="0"/>
+              <a:t> das </a:t>
+            </a:r>
+            <a:r>
+              <a:rPr lang="en-US" dirty="0" err="1"/>
+              <a:t>Abhören</a:t>
+            </a:r>
+            <a:r>
+              <a:rPr lang="en-US" dirty="0"/>
+              <a:t> von </a:t>
+            </a:r>
+            <a:r>
+              <a:rPr lang="en-US" dirty="0" err="1"/>
+              <a:t>verschlüsselten</a:t>
+            </a:r>
+            <a:r>
+              <a:rPr lang="en-US" dirty="0"/>
+              <a:t> </a:t>
+            </a:r>
+            <a:r>
+              <a:rPr lang="en-US" dirty="0" err="1"/>
+              <a:t>Funkdaten</a:t>
+            </a:r>
+            <a:r>
+              <a:rPr lang="en-US" dirty="0"/>
+              <a:t> </a:t>
+            </a:r>
+            <a:r>
+              <a:rPr lang="en-US" dirty="0" err="1"/>
+              <a:t>rechtlich</a:t>
+            </a:r>
+            <a:r>
+              <a:rPr lang="en-US" dirty="0"/>
+              <a:t> verboten?</a:t>
+            </a:r>
+          </a:p>
+          <a:p>
             <a:endParaRPr lang="de-DE" dirty="0"/>
-          </a:p>
-        </p:txBody>
-      </p:sp>
-      <p:sp>
-        <p:nvSpPr>
-          <p:cNvPr id="3" name="Inhaltsplatzhalter 2"/>
-          <p:cNvSpPr>
-            <a:spLocks noGrp="1"/>
-          </p:cNvSpPr>
-          <p:nvPr>
-            <p:ph sz="quarter" idx="1"/>
-          </p:nvPr>
-        </p:nvSpPr>
-        <p:spPr/>
-        <p:txBody>
-          <a:bodyPr/>
-          <a:lstStyle/>
-          <a:p>
-            <a:pPr lvl="0">
-              <a:buNone/>
-            </a:pPr>
-            <a:r>
-              <a:rPr lang="en-US" dirty="0" err="1"/>
-              <a:t>Geregelt</a:t>
-            </a:r>
-            <a:r>
-              <a:rPr lang="en-US" dirty="0"/>
-              <a:t> </a:t>
-            </a:r>
-            <a:r>
-              <a:rPr lang="en-US" dirty="0" err="1"/>
-              <a:t>im</a:t>
-            </a:r>
-            <a:r>
-              <a:rPr lang="en-US" dirty="0"/>
-              <a:t> </a:t>
-            </a:r>
-            <a:r>
-              <a:rPr lang="en-US" dirty="0" err="1"/>
-              <a:t>Strafgesetzbuch</a:t>
-            </a:r>
-            <a:r>
-              <a:rPr lang="en-US" dirty="0"/>
-              <a:t> (</a:t>
-            </a:r>
-            <a:r>
-              <a:rPr lang="en-US" dirty="0" err="1"/>
-              <a:t>StGB</a:t>
-            </a:r>
-            <a:r>
-              <a:rPr lang="en-US" dirty="0"/>
-              <a:t>)</a:t>
-            </a:r>
-          </a:p>
-          <a:p>
-            <a:pPr lvl="1" hangingPunct="0"/>
-            <a:r>
-              <a:rPr lang="de-DE" altLang="zh-CN" dirty="0"/>
-              <a:t>§303b Computersabotage</a:t>
-            </a:r>
-          </a:p>
-          <a:p>
-            <a:pPr lvl="2" hangingPunct="0"/>
-            <a:r>
-              <a:rPr lang="en-US" dirty="0" err="1"/>
-              <a:t>Absichtliches</a:t>
-            </a:r>
-            <a:r>
-              <a:rPr lang="en-US" dirty="0"/>
-              <a:t> </a:t>
-            </a:r>
-            <a:r>
-              <a:rPr lang="en-US" dirty="0" err="1"/>
-              <a:t>Stören</a:t>
-            </a:r>
-            <a:r>
-              <a:rPr lang="en-US" dirty="0"/>
-              <a:t> </a:t>
-            </a:r>
-            <a:r>
-              <a:rPr lang="en-US" dirty="0" err="1"/>
-              <a:t>einer</a:t>
-            </a:r>
-            <a:r>
-              <a:rPr lang="en-US" dirty="0"/>
-              <a:t> </a:t>
-            </a:r>
-            <a:r>
-              <a:rPr lang="en-US" dirty="0" err="1"/>
-              <a:t>Datenverarbeitungs</a:t>
-            </a:r>
-            <a:r>
-              <a:rPr lang="en-US" dirty="0"/>
-              <a:t>-</a:t>
-            </a:r>
-            <a:br>
-              <a:rPr lang="en-US" dirty="0"/>
-            </a:br>
-            <a:r>
-              <a:rPr lang="en-US" dirty="0"/>
-              <a:t>anlage (DVA)</a:t>
-            </a:r>
-          </a:p>
-          <a:p>
-            <a:pPr lvl="2" hangingPunct="0"/>
-            <a:r>
-              <a:rPr lang="en-US" dirty="0"/>
-              <a:t>DVAs </a:t>
-            </a:r>
-            <a:r>
-              <a:rPr lang="en-US" dirty="0" err="1"/>
-              <a:t>reichen</a:t>
-            </a:r>
-            <a:r>
-              <a:rPr lang="en-US" dirty="0"/>
-              <a:t> von Server </a:t>
-            </a:r>
-            <a:r>
-              <a:rPr lang="en-US" dirty="0" err="1"/>
-              <a:t>bis</a:t>
-            </a:r>
-            <a:r>
-              <a:rPr lang="en-US" dirty="0"/>
-              <a:t> Router</a:t>
-            </a:r>
           </a:p>
         </p:txBody>
       </p:sp>
     </p:spTree>
     <p:extLst>
       <p:ext uri="{BB962C8B-B14F-4D97-AF65-F5344CB8AC3E}">
-        <p14:creationId xmlns:p14="http://schemas.microsoft.com/office/powerpoint/2010/main" val="1756405541"/>
+        <p14:creationId xmlns:p14="http://schemas.microsoft.com/office/powerpoint/2010/main" val="4051464565"/>
       </p:ext>
     </p:extLst>
   </p:cSld>
@@ -5720,146 +5976,88 @@
         </p:nvSpPr>
         <p:spPr/>
         <p:txBody>
+          <a:bodyPr>
+            <a:normAutofit fontScale="90000"/>
+          </a:bodyPr>
+          <a:lstStyle/>
+          <a:p>
+            <a:r>
+              <a:rPr lang="en-US" dirty="0" err="1"/>
+              <a:t>Rechtlicher</a:t>
+            </a:r>
+            <a:r>
+              <a:rPr lang="en-US" dirty="0"/>
+              <a:t> Schutz von </a:t>
+            </a:r>
+            <a:r>
+              <a:rPr lang="en-US" dirty="0" err="1"/>
+              <a:t>Funknetzwerken</a:t>
+            </a:r>
+            <a:endParaRPr lang="de-DE" dirty="0"/>
+          </a:p>
+        </p:txBody>
+      </p:sp>
+      <p:sp>
+        <p:nvSpPr>
+          <p:cNvPr id="3" name="Inhaltsplatzhalter 2"/>
+          <p:cNvSpPr>
+            <a:spLocks noGrp="1"/>
+          </p:cNvSpPr>
+          <p:nvPr>
+            <p:ph sz="quarter" idx="1"/>
+          </p:nvPr>
+        </p:nvSpPr>
+        <p:spPr/>
+        <p:txBody>
           <a:bodyPr/>
           <a:lstStyle/>
           <a:p>
-            <a:r>
-              <a:rPr lang="de-DE" dirty="0" smtClean="0"/>
-              <a:t>Strafrechtliche Vorschriften</a:t>
-            </a:r>
+            <a:pPr lvl="0"/>
+            <a:r>
+              <a:rPr lang="en-US" dirty="0"/>
+              <a:t>Die §§202-202d und §§303a-303c</a:t>
+            </a:r>
+          </a:p>
+          <a:p>
+            <a:pPr lvl="0"/>
+            <a:r>
+              <a:rPr lang="en-US" dirty="0" err="1"/>
+              <a:t>Telekommunikationsgesetz</a:t>
+            </a:r>
+            <a:r>
+              <a:rPr lang="en-US" dirty="0"/>
+              <a:t> (TKG)</a:t>
+            </a:r>
+          </a:p>
+          <a:p>
+            <a:pPr lvl="1" hangingPunct="0"/>
+            <a:r>
+              <a:rPr lang="en-US" dirty="0" err="1"/>
+              <a:t>Verschlüsselt</a:t>
+            </a:r>
+            <a:r>
+              <a:rPr lang="en-US" dirty="0"/>
+              <a:t> und </a:t>
+            </a:r>
+            <a:r>
+              <a:rPr lang="en-US" dirty="0" err="1"/>
+              <a:t>unverschlüsselt</a:t>
+            </a:r>
+            <a:endParaRPr lang="en-US" dirty="0"/>
+          </a:p>
+          <a:p>
+            <a:pPr lvl="0"/>
+            <a:endParaRPr lang="en-US" dirty="0"/>
+          </a:p>
+          <a:p>
             <a:endParaRPr lang="de-DE" dirty="0"/>
-          </a:p>
-        </p:txBody>
-      </p:sp>
-      <p:sp>
-        <p:nvSpPr>
-          <p:cNvPr id="3" name="Inhaltsplatzhalter 2"/>
-          <p:cNvSpPr>
-            <a:spLocks noGrp="1"/>
-          </p:cNvSpPr>
-          <p:nvPr>
-            <p:ph sz="quarter" idx="1"/>
-          </p:nvPr>
-        </p:nvSpPr>
-        <p:spPr/>
-        <p:txBody>
-          <a:bodyPr/>
-          <a:lstStyle/>
-          <a:p>
-            <a:pPr lvl="0">
-              <a:buNone/>
-            </a:pPr>
-            <a:r>
-              <a:rPr lang="en-US" dirty="0" err="1"/>
-              <a:t>Geregelt</a:t>
-            </a:r>
-            <a:r>
-              <a:rPr lang="en-US" dirty="0"/>
-              <a:t> </a:t>
-            </a:r>
-            <a:r>
-              <a:rPr lang="en-US" dirty="0" err="1"/>
-              <a:t>im</a:t>
-            </a:r>
-            <a:r>
-              <a:rPr lang="en-US" dirty="0"/>
-              <a:t> </a:t>
-            </a:r>
-            <a:r>
-              <a:rPr lang="en-US" dirty="0" err="1"/>
-              <a:t>Strafgesetzbuch</a:t>
-            </a:r>
-            <a:r>
-              <a:rPr lang="en-US" dirty="0"/>
-              <a:t> (</a:t>
-            </a:r>
-            <a:r>
-              <a:rPr lang="en-US" dirty="0" err="1"/>
-              <a:t>StGB</a:t>
-            </a:r>
-            <a:r>
-              <a:rPr lang="en-US" dirty="0"/>
-              <a:t>)</a:t>
-            </a:r>
-          </a:p>
-          <a:p>
-            <a:pPr lvl="1" hangingPunct="0"/>
-            <a:r>
-              <a:rPr lang="de-DE" altLang="zh-CN" dirty="0"/>
-              <a:t>§303b Computersabotage</a:t>
-            </a:r>
-          </a:p>
-          <a:p>
-            <a:pPr lvl="2" hangingPunct="0"/>
-            <a:r>
-              <a:rPr lang="en-US" dirty="0" err="1"/>
-              <a:t>Absichtliches</a:t>
-            </a:r>
-            <a:r>
-              <a:rPr lang="en-US" dirty="0"/>
-              <a:t> </a:t>
-            </a:r>
-            <a:r>
-              <a:rPr lang="en-US" dirty="0" err="1"/>
-              <a:t>Stören</a:t>
-            </a:r>
-            <a:r>
-              <a:rPr lang="en-US" dirty="0"/>
-              <a:t> </a:t>
-            </a:r>
-            <a:r>
-              <a:rPr lang="en-US" dirty="0" err="1"/>
-              <a:t>einer</a:t>
-            </a:r>
-            <a:r>
-              <a:rPr lang="en-US" dirty="0"/>
-              <a:t> </a:t>
-            </a:r>
-            <a:r>
-              <a:rPr lang="en-US" dirty="0" err="1"/>
-              <a:t>Datenverarbeitungs</a:t>
-            </a:r>
-            <a:r>
-              <a:rPr lang="en-US" dirty="0"/>
-              <a:t>-</a:t>
-            </a:r>
-            <a:br>
-              <a:rPr lang="en-US" dirty="0"/>
-            </a:br>
-            <a:r>
-              <a:rPr lang="en-US" dirty="0"/>
-              <a:t>anlage (DVA)</a:t>
-            </a:r>
-          </a:p>
-          <a:p>
-            <a:pPr lvl="2" hangingPunct="0"/>
-            <a:r>
-              <a:rPr lang="en-US" dirty="0"/>
-              <a:t>DVAs </a:t>
-            </a:r>
-            <a:r>
-              <a:rPr lang="en-US" dirty="0" err="1"/>
-              <a:t>reichen</a:t>
-            </a:r>
-            <a:r>
-              <a:rPr lang="en-US" dirty="0"/>
-              <a:t> von Server </a:t>
-            </a:r>
-            <a:r>
-              <a:rPr lang="en-US" dirty="0" err="1"/>
-              <a:t>bis</a:t>
-            </a:r>
-            <a:r>
-              <a:rPr lang="en-US" dirty="0"/>
-              <a:t> Router</a:t>
-            </a:r>
           </a:p>
         </p:txBody>
       </p:sp>
     </p:spTree>
     <p:extLst>
       <p:ext uri="{BB962C8B-B14F-4D97-AF65-F5344CB8AC3E}">
-        <p14:creationId xmlns:p14="http://schemas.microsoft.com/office/powerpoint/2010/main" val="2843007793"/>
+        <p14:creationId xmlns:p14="http://schemas.microsoft.com/office/powerpoint/2010/main" val="3741757683"/>
       </p:ext>
     </p:extLst>
   </p:cSld>
@@ -6131,7 +6329,7 @@
     </p:spTree>
     <p:extLst>
       <p:ext uri="{BB962C8B-B14F-4D97-AF65-F5344CB8AC3E}">
-        <p14:creationId xmlns:p14="http://schemas.microsoft.com/office/powerpoint/2010/main" val="1596817366"/>
+        <p14:creationId xmlns:p14="http://schemas.microsoft.com/office/powerpoint/2010/main" val="2836559773"/>
       </p:ext>
     </p:extLst>
   </p:cSld>
@@ -6177,35 +6375,15 @@
           <a:p>
             <a:r>
               <a:rPr lang="en-US" dirty="0" err="1"/>
-              <a:t>Besondere</a:t>
-            </a:r>
-            <a:r>
-              <a:rPr lang="en-US" dirty="0"/>
-              <a:t> </a:t>
-            </a:r>
-            <a:r>
-              <a:rPr lang="en-US" dirty="0" err="1"/>
-              <a:t>Bedingungen</a:t>
-            </a:r>
-            <a:r>
-              <a:rPr lang="en-US" dirty="0"/>
-              <a:t> </a:t>
-            </a:r>
-            <a:r>
-              <a:rPr lang="en-US" dirty="0" err="1"/>
-              <a:t>für</a:t>
-            </a:r>
-            <a:r>
-              <a:rPr lang="en-US" dirty="0"/>
-              <a:t> die </a:t>
-            </a:r>
-            <a:r>
-              <a:rPr lang="en-US" dirty="0" err="1"/>
-              <a:t>Universität</a:t>
-            </a:r>
-            <a:r>
-              <a:rPr lang="en-US" dirty="0"/>
-              <a:t> Trier</a:t>
+              <a:t>Rechtlicher</a:t>
+            </a:r>
+            <a:r>
+              <a:rPr lang="en-US" dirty="0"/>
+              <a:t> Schutz von </a:t>
+            </a:r>
+            <a:r>
+              <a:rPr lang="en-US" dirty="0" err="1"/>
+              <a:t>Funknetzwerken</a:t>
             </a:r>
             <a:endParaRPr lang="de-DE" dirty="0"/>
           </a:p>
@@ -6223,160 +6401,84 @@
         </p:nvSpPr>
         <p:spPr/>
         <p:txBody>
-          <a:bodyPr/>
-          <a:lstStyle/>
-          <a:p>
-            <a:pPr lvl="0"/>
-            <a:r>
-              <a:rPr lang="en-US" dirty="0" err="1"/>
-              <a:t>Bisherige</a:t>
-            </a:r>
-            <a:r>
-              <a:rPr lang="en-US" dirty="0"/>
-              <a:t> </a:t>
-            </a:r>
-            <a:r>
-              <a:rPr lang="en-US" dirty="0" err="1"/>
-              <a:t>Gesetze</a:t>
+          <a:bodyPr>
+            <a:normAutofit/>
+          </a:bodyPr>
+          <a:lstStyle/>
+          <a:p>
+            <a:pPr lvl="0">
+              <a:buNone/>
+            </a:pPr>
+            <a:r>
+              <a:rPr lang="en-US" dirty="0" err="1"/>
+              <a:t>Verschlüsselt</a:t>
+            </a:r>
+            <a:endParaRPr lang="en-US" dirty="0"/>
+          </a:p>
+          <a:p>
+            <a:pPr lvl="1" hangingPunct="0"/>
+            <a:r>
+              <a:rPr lang="en-US" dirty="0" err="1"/>
+              <a:t>Eindringen</a:t>
+            </a:r>
+            <a:r>
+              <a:rPr lang="en-US" dirty="0"/>
+              <a:t> in </a:t>
+            </a:r>
+            <a:r>
+              <a:rPr lang="en-US" dirty="0" err="1"/>
+              <a:t>ein</a:t>
+            </a:r>
+            <a:r>
+              <a:rPr lang="en-US" dirty="0"/>
+              <a:t> </a:t>
+            </a:r>
+            <a:r>
+              <a:rPr lang="en-US" dirty="0" err="1"/>
+              <a:t>gesichtertes</a:t>
+            </a:r>
+            <a:r>
+              <a:rPr lang="en-US" dirty="0"/>
+              <a:t> </a:t>
+            </a:r>
+            <a:r>
+              <a:rPr lang="en-US" dirty="0" err="1"/>
+              <a:t>Netzwerk</a:t>
+            </a:r>
+            <a:endParaRPr lang="en-US" dirty="0"/>
+          </a:p>
+          <a:p>
+            <a:pPr lvl="1" hangingPunct="0"/>
+            <a:r>
+              <a:rPr lang="de-DE" altLang="zh-CN" dirty="0"/>
+              <a:t>§202a Ausspähen von Daten</a:t>
+            </a:r>
+          </a:p>
+          <a:p>
+            <a:pPr lvl="1" hangingPunct="0"/>
+            <a:r>
+              <a:rPr lang="en-US" dirty="0" err="1"/>
+              <a:t>Unbefugt</a:t>
             </a:r>
             <a:r>
               <a:rPr lang="en-US" dirty="0"/>
               <a:t> und </a:t>
             </a:r>
             <a:r>
-              <a:rPr lang="en-US" dirty="0" err="1"/>
-              <a:t>Verordnungen</a:t>
+              <a:rPr lang="en-US" dirty="0" err="1" smtClean="0"/>
+              <a:t>Zugangssicherung</a:t>
             </a:r>
             <a:endParaRPr lang="en-US" dirty="0"/>
           </a:p>
           <a:p>
-            <a:pPr lvl="0"/>
-            <a:r>
-              <a:rPr lang="en-US" dirty="0" err="1"/>
-              <a:t>Gelten</a:t>
-            </a:r>
-            <a:r>
-              <a:rPr lang="en-US" dirty="0"/>
-              <a:t> </a:t>
-            </a:r>
-            <a:r>
-              <a:rPr lang="en-US" dirty="0" err="1"/>
-              <a:t>ist</a:t>
-            </a:r>
-            <a:r>
-              <a:rPr lang="en-US" dirty="0"/>
-              <a:t> das </a:t>
-            </a:r>
-            <a:r>
-              <a:rPr lang="en-US" dirty="0" err="1"/>
-              <a:t>Hochschulgesetz</a:t>
-            </a:r>
-            <a:r>
-              <a:rPr lang="en-US" dirty="0"/>
-              <a:t> (HG)</a:t>
-            </a:r>
-          </a:p>
-          <a:p>
-            <a:pPr lvl="1" hangingPunct="0"/>
-            <a:r>
-              <a:rPr lang="de-DE" altLang="zh-CN" dirty="0"/>
-              <a:t>§3 Freiheit von Kunst und Wissenschaft, Forschung, Lehre und Studium</a:t>
-            </a:r>
-          </a:p>
-          <a:p>
-            <a:pPr lvl="1" hangingPunct="0"/>
-            <a:r>
-              <a:rPr lang="en-US" dirty="0" err="1"/>
-              <a:t>Hochschulen</a:t>
-            </a:r>
-            <a:r>
-              <a:rPr lang="en-US" dirty="0"/>
-              <a:t> </a:t>
-            </a:r>
-            <a:r>
-              <a:rPr lang="en-US" dirty="0" err="1"/>
-              <a:t>sind</a:t>
-            </a:r>
-            <a:r>
-              <a:rPr lang="en-US" dirty="0"/>
-              <a:t> </a:t>
-            </a:r>
-            <a:r>
-              <a:rPr lang="en-US" dirty="0" err="1"/>
-              <a:t>verpflichtet</a:t>
-            </a:r>
-            <a:r>
-              <a:rPr lang="en-US" dirty="0"/>
-              <a:t> </a:t>
-            </a:r>
-            <a:r>
-              <a:rPr lang="en-US" dirty="0" err="1"/>
-              <a:t>ihrem</a:t>
-            </a:r>
-            <a:r>
-              <a:rPr lang="en-US" dirty="0"/>
-              <a:t> </a:t>
-            </a:r>
-            <a:r>
-              <a:rPr lang="en-US" dirty="0" err="1"/>
-              <a:t>Lehrauftrag</a:t>
-            </a:r>
-            <a:r>
-              <a:rPr lang="en-US" dirty="0"/>
-              <a:t> </a:t>
-            </a:r>
-            <a:r>
-              <a:rPr lang="en-US" dirty="0" err="1"/>
-              <a:t>nachzukommen</a:t>
-            </a:r>
-            <a:endParaRPr lang="en-US" dirty="0"/>
-          </a:p>
-          <a:p>
-            <a:pPr lvl="1" hangingPunct="0"/>
-            <a:r>
-              <a:rPr lang="en-US" dirty="0" err="1"/>
-              <a:t>Bisher</a:t>
-            </a:r>
-            <a:r>
-              <a:rPr lang="en-US" dirty="0"/>
-              <a:t> </a:t>
-            </a:r>
-            <a:r>
-              <a:rPr lang="en-US" dirty="0" err="1"/>
-              <a:t>genannte</a:t>
-            </a:r>
-            <a:r>
-              <a:rPr lang="en-US" dirty="0"/>
-              <a:t> </a:t>
-            </a:r>
-            <a:r>
-              <a:rPr lang="en-US" dirty="0" err="1"/>
-              <a:t>Gesetze</a:t>
-            </a:r>
-            <a:r>
-              <a:rPr lang="en-US" dirty="0"/>
-              <a:t> </a:t>
-            </a:r>
-            <a:r>
-              <a:rPr lang="en-US" dirty="0" err="1"/>
-              <a:t>bilden</a:t>
-            </a:r>
-            <a:r>
-              <a:rPr lang="en-US" dirty="0"/>
-              <a:t> den </a:t>
-            </a:r>
-            <a:r>
-              <a:rPr lang="en-US" dirty="0" err="1"/>
-              <a:t>Rahmen</a:t>
-            </a:r>
-            <a:endParaRPr lang="en-US" dirty="0"/>
+            <a:endParaRPr lang="de-DE" dirty="0"/>
           </a:p>
         </p:txBody>
       </p:sp>
     </p:spTree>
     <p:extLst>
       <p:ext uri="{BB962C8B-B14F-4D97-AF65-F5344CB8AC3E}">
-        <p14:creationId xmlns:p14="http://schemas.microsoft.com/office/powerpoint/2010/main" val="168387517"/>
+        <p14:creationId xmlns:p14="http://schemas.microsoft.com/office/powerpoint/2010/main" val="3009141938"/>
       </p:ext>
     </p:extLst>
   </p:cSld>
@@ -6415,12 +6517,22 @@
         </p:nvSpPr>
         <p:spPr/>
         <p:txBody>
-          <a:bodyPr/>
-          <a:lstStyle/>
-          <a:p>
-            <a:r>
-              <a:rPr lang="de-DE" dirty="0" smtClean="0"/>
-              <a:t>Bedingungen der Universität Trier</a:t>
+          <a:bodyPr>
+            <a:normAutofit fontScale="90000"/>
+          </a:bodyPr>
+          <a:lstStyle/>
+          <a:p>
+            <a:r>
+              <a:rPr lang="en-US" dirty="0" err="1"/>
+              <a:t>Rechtlicher</a:t>
+            </a:r>
+            <a:r>
+              <a:rPr lang="en-US" dirty="0"/>
+              <a:t> Schutz von </a:t>
+            </a:r>
+            <a:r>
+              <a:rPr lang="en-US" dirty="0" err="1"/>
+              <a:t>Funknetzwerken</a:t>
             </a:r>
             <a:endParaRPr lang="de-DE" dirty="0"/>
           </a:p>
@@ -6438,79 +6550,124 @@
         </p:nvSpPr>
         <p:spPr/>
         <p:txBody>
-          <a:bodyPr/>
-          <a:lstStyle/>
-          <a:p>
-            <a:pPr lvl="0"/>
-            <a:r>
-              <a:rPr lang="en-US" dirty="0" err="1"/>
-              <a:t>Teilgrundordnung</a:t>
-            </a:r>
-            <a:r>
-              <a:rPr lang="en-US" dirty="0"/>
-              <a:t> </a:t>
-            </a:r>
-            <a:r>
-              <a:rPr lang="en-US" dirty="0" err="1"/>
-              <a:t>vom</a:t>
-            </a:r>
-            <a:r>
-              <a:rPr lang="en-US" dirty="0"/>
-              <a:t> ZIMK</a:t>
-            </a:r>
-          </a:p>
-          <a:p>
-            <a:pPr lvl="0"/>
-            <a:r>
-              <a:rPr lang="en-US" dirty="0" err="1"/>
-              <a:t>Benutzerordnung</a:t>
-            </a:r>
-            <a:r>
-              <a:rPr lang="en-US" dirty="0"/>
-              <a:t> der CIP-Pools</a:t>
-            </a:r>
-          </a:p>
-          <a:p>
-            <a:pPr lvl="0"/>
-            <a:r>
-              <a:rPr lang="en-US" dirty="0" err="1"/>
-              <a:t>Dienstanweisungen</a:t>
-            </a:r>
-            <a:r>
-              <a:rPr lang="en-US" dirty="0"/>
-              <a:t> </a:t>
-            </a:r>
-            <a:r>
-              <a:rPr lang="en-US" dirty="0" err="1"/>
-              <a:t>über</a:t>
-            </a:r>
-            <a:r>
-              <a:rPr lang="en-US" dirty="0"/>
-              <a:t> </a:t>
-            </a:r>
-            <a:r>
-              <a:rPr lang="en-US" dirty="0" err="1"/>
-              <a:t>Datenschutz</a:t>
-            </a:r>
-            <a:r>
-              <a:rPr lang="en-US" dirty="0"/>
-              <a:t> und die </a:t>
+          <a:bodyPr>
+            <a:normAutofit/>
+          </a:bodyPr>
+          <a:lstStyle/>
+          <a:p>
+            <a:pPr lvl="0">
+              <a:buNone/>
+            </a:pPr>
+            <a:r>
+              <a:rPr lang="en-US" dirty="0" err="1"/>
+              <a:t>Unverschlüsselt</a:t>
+            </a:r>
+            <a:endParaRPr lang="en-US" dirty="0"/>
+          </a:p>
+          <a:p>
+            <a:pPr lvl="1" hangingPunct="0"/>
+            <a:r>
+              <a:rPr lang="en-US" dirty="0" err="1"/>
+              <a:t>Keine</a:t>
+            </a:r>
+            <a:r>
+              <a:rPr lang="en-US" dirty="0"/>
+              <a:t> </a:t>
             </a:r>
             <a:r>
               <a:rPr lang="en-US" dirty="0" err="1"/>
               <a:t>Datensicherung</a:t>
             </a:r>
+            <a:r>
+              <a:rPr lang="en-US" dirty="0"/>
+              <a:t> </a:t>
+            </a:r>
+            <a:r>
+              <a:rPr lang="en-US" dirty="0" err="1"/>
+              <a:t>bzw</a:t>
+            </a:r>
+            <a:r>
+              <a:rPr lang="en-US" dirty="0"/>
+              <a:t>. </a:t>
+            </a:r>
+            <a:r>
+              <a:rPr lang="en-US" dirty="0" err="1"/>
+              <a:t>Zugriffssicherung</a:t>
+            </a:r>
             <a:endParaRPr lang="en-US" dirty="0"/>
           </a:p>
           <a:p>
-            <a:endParaRPr lang="de-DE" dirty="0"/>
+            <a:pPr lvl="1" hangingPunct="0"/>
+            <a:r>
+              <a:rPr lang="de-DE" altLang="zh-CN" dirty="0"/>
+              <a:t>§202a gilt somit nicht</a:t>
+            </a:r>
+          </a:p>
+          <a:p>
+            <a:pPr lvl="1" hangingPunct="0"/>
+            <a:r>
+              <a:rPr lang="en-US" dirty="0" err="1"/>
+              <a:t>Computerbetrug</a:t>
+            </a:r>
+            <a:r>
+              <a:rPr lang="en-US" dirty="0"/>
+              <a:t> und </a:t>
+            </a:r>
+            <a:r>
+              <a:rPr lang="en-US" dirty="0" err="1"/>
+              <a:t>Schadensersatz</a:t>
+            </a:r>
+            <a:r>
+              <a:rPr lang="en-US" dirty="0"/>
+              <a:t> </a:t>
+            </a:r>
+            <a:r>
+              <a:rPr lang="en-US" dirty="0" err="1"/>
+              <a:t>kann</a:t>
+            </a:r>
+            <a:r>
+              <a:rPr lang="en-US" dirty="0"/>
+              <a:t/>
+            </a:r>
+            <a:br>
+              <a:rPr lang="en-US" dirty="0"/>
+            </a:br>
+            <a:r>
+              <a:rPr lang="en-US" dirty="0" err="1"/>
+              <a:t>nicht</a:t>
+            </a:r>
+            <a:r>
+              <a:rPr lang="en-US" dirty="0"/>
+              <a:t> </a:t>
+            </a:r>
+            <a:r>
+              <a:rPr lang="en-US" dirty="0" err="1"/>
+              <a:t>geltend</a:t>
+            </a:r>
+            <a:r>
+              <a:rPr lang="en-US" dirty="0"/>
+              <a:t> </a:t>
+            </a:r>
+            <a:r>
+              <a:rPr lang="en-US" dirty="0" err="1"/>
+              <a:t>gemacht</a:t>
+            </a:r>
+            <a:r>
+              <a:rPr lang="en-US" dirty="0"/>
+              <a:t> </a:t>
+            </a:r>
+            <a:r>
+              <a:rPr lang="en-US" dirty="0" err="1"/>
+              <a:t>werden</a:t>
+            </a:r>
+            <a:endParaRPr lang="en-US" dirty="0"/>
           </a:p>
         </p:txBody>
       </p:sp>
     </p:spTree>
     <p:extLst>
       <p:ext uri="{BB962C8B-B14F-4D97-AF65-F5344CB8AC3E}">
-        <p14:creationId xmlns:p14="http://schemas.microsoft.com/office/powerpoint/2010/main" val="266801801"/>
+        <p14:creationId xmlns:p14="http://schemas.microsoft.com/office/powerpoint/2010/main" val="3889901223"/>
       </p:ext>
     </p:extLst>
   </p:cSld>
@@ -6549,14 +6706,28 @@
         </p:nvSpPr>
         <p:spPr/>
         <p:txBody>
-          <a:bodyPr>
-            <a:normAutofit/>
-          </a:bodyPr>
-          <a:lstStyle/>
-          <a:p>
-            <a:r>
-              <a:rPr lang="de-DE" dirty="0" smtClean="0"/>
-              <a:t>Aufgabe 2</a:t>
+          <a:bodyPr/>
+          <a:lstStyle/>
+          <a:p>
+            <a:r>
+              <a:rPr lang="en-US" dirty="0" err="1"/>
+              <a:t>Abhören</a:t>
+            </a:r>
+            <a:r>
+              <a:rPr lang="en-US" dirty="0"/>
+              <a:t> </a:t>
+            </a:r>
+            <a:r>
+              <a:rPr lang="en-US" dirty="0" err="1"/>
+              <a:t>verschlüsselter</a:t>
+            </a:r>
+            <a:r>
+              <a:rPr lang="en-US" dirty="0"/>
+              <a:t> </a:t>
+            </a:r>
+            <a:r>
+              <a:rPr lang="en-US" dirty="0" err="1"/>
+              <a:t>Daten</a:t>
             </a:r>
             <a:endParaRPr lang="de-DE" dirty="0"/>
           </a:p>
@@ -6577,823 +6748,171 @@
           <a:bodyPr/>
           <a:lstStyle/>
           <a:p>
-            <a:pPr lvl="0"/>
-            <a:r>
-              <a:rPr lang="en-US" dirty="0" err="1"/>
-              <a:t>Wie</a:t>
-            </a:r>
-            <a:r>
-              <a:rPr lang="en-US" dirty="0"/>
-              <a:t> </a:t>
-            </a:r>
-            <a:r>
-              <a:rPr lang="en-US" dirty="0" err="1"/>
-              <a:t>sind</a:t>
-            </a:r>
-            <a:r>
-              <a:rPr lang="en-US" dirty="0"/>
-              <a:t> </a:t>
-            </a:r>
-            <a:r>
-              <a:rPr lang="en-US" dirty="0" err="1"/>
-              <a:t>Funknetzwerke</a:t>
-            </a:r>
-            <a:r>
-              <a:rPr lang="en-US" dirty="0"/>
-              <a:t> </a:t>
-            </a:r>
-            <a:r>
-              <a:rPr lang="en-US" dirty="0" err="1"/>
-              <a:t>gegen</a:t>
-            </a:r>
-            <a:r>
-              <a:rPr lang="en-US" dirty="0"/>
-              <a:t> die </a:t>
-            </a:r>
-            <a:r>
-              <a:rPr lang="en-US" dirty="0" err="1"/>
-              <a:t>Nutzung</a:t>
-            </a:r>
-            <a:r>
-              <a:rPr lang="en-US" dirty="0"/>
+            <a:r>
+              <a:rPr lang="en-US" dirty="0" err="1" smtClean="0"/>
+              <a:t>Es</a:t>
+            </a:r>
+            <a:r>
+              <a:rPr lang="en-US" dirty="0" smtClean="0"/>
+              <a:t> </a:t>
+            </a:r>
+            <a:r>
+              <a:rPr lang="en-US" dirty="0" err="1" smtClean="0"/>
+              <a:t>greift</a:t>
+            </a:r>
+            <a:r>
+              <a:rPr lang="en-US" dirty="0" smtClean="0"/>
+              <a:t> §202b </a:t>
+            </a:r>
+            <a:r>
+              <a:rPr lang="en-US" dirty="0" err="1" smtClean="0"/>
+              <a:t>Abfangen</a:t>
+            </a:r>
+            <a:r>
+              <a:rPr lang="en-US" dirty="0" smtClean="0"/>
               <a:t> von </a:t>
             </a:r>
             <a:r>
-              <a:rPr lang="en-US" dirty="0" err="1"/>
-              <a:t>Dritten</a:t>
-            </a:r>
-            <a:r>
-              <a:rPr lang="en-US" dirty="0"/>
-              <a:t> </a:t>
-            </a:r>
-            <a:r>
-              <a:rPr lang="en-US" dirty="0" err="1"/>
-              <a:t>rechtlich</a:t>
-            </a:r>
-            <a:r>
-              <a:rPr lang="en-US" dirty="0"/>
-              <a:t> </a:t>
-            </a:r>
-            <a:r>
-              <a:rPr lang="en-US" dirty="0" err="1"/>
-              <a:t>Geschützt</a:t>
-            </a:r>
-            <a:r>
-              <a:rPr lang="en-US" dirty="0"/>
-              <a:t>?</a:t>
-            </a:r>
-          </a:p>
-          <a:p>
-            <a:pPr lvl="0"/>
-            <a:r>
-              <a:rPr lang="en-US" dirty="0" err="1"/>
-              <a:t>Inwiefern</a:t>
-            </a:r>
-            <a:r>
-              <a:rPr lang="en-US" dirty="0"/>
-              <a:t> </a:t>
-            </a:r>
-            <a:r>
-              <a:rPr lang="en-US" dirty="0" err="1"/>
+              <a:rPr lang="en-US" dirty="0" err="1" smtClean="0"/>
+              <a:t>Daten</a:t>
+            </a:r>
+            <a:endParaRPr lang="en-US" dirty="0" smtClean="0"/>
+          </a:p>
+          <a:p>
+            <a:pPr lvl="1"/>
+            <a:r>
+              <a:rPr lang="en-US" dirty="0" err="1" smtClean="0"/>
+              <a:t>Unbefugt</a:t>
+            </a:r>
+            <a:r>
+              <a:rPr lang="en-US" dirty="0" smtClean="0"/>
+              <a:t> und </a:t>
+            </a:r>
+            <a:r>
+              <a:rPr lang="en-US" dirty="0" err="1" smtClean="0"/>
+              <a:t>nichtöffentliche</a:t>
+            </a:r>
+            <a:r>
+              <a:rPr lang="en-US" dirty="0" smtClean="0"/>
+              <a:t> </a:t>
+            </a:r>
+            <a:r>
+              <a:rPr lang="en-US" dirty="0" err="1" smtClean="0"/>
+              <a:t>Datenübertragung</a:t>
+            </a:r>
+            <a:endParaRPr lang="en-US" dirty="0" smtClean="0"/>
+          </a:p>
+          <a:p>
+            <a:pPr lvl="1"/>
+            <a:r>
+              <a:rPr lang="en-US" dirty="0" smtClean="0"/>
+              <a:t>§202a </a:t>
+            </a:r>
+            <a:r>
+              <a:rPr lang="en-US" dirty="0" err="1" smtClean="0"/>
               <a:t>ist</a:t>
             </a:r>
             <a:r>
-              <a:rPr lang="en-US" dirty="0"/>
-              <a:t> das </a:t>
-            </a:r>
-            <a:r>
-              <a:rPr lang="en-US" dirty="0" err="1"/>
-              <a:t>Abhören</a:t>
-            </a:r>
-            <a:r>
-              <a:rPr lang="en-US" dirty="0"/>
-              <a:t> von </a:t>
-            </a:r>
-            <a:r>
-              <a:rPr lang="en-US" dirty="0" err="1"/>
-              <a:t>verschlüsselten</a:t>
-            </a:r>
-            <a:r>
-              <a:rPr lang="en-US" dirty="0"/>
-              <a:t> </a:t>
-            </a:r>
-            <a:r>
-              <a:rPr lang="en-US" dirty="0" err="1"/>
-              <a:t>Funkdaten</a:t>
-            </a:r>
-            <a:r>
-              <a:rPr lang="en-US" dirty="0"/>
-              <a:t> </a:t>
-            </a:r>
-            <a:r>
-              <a:rPr lang="en-US" dirty="0" err="1"/>
-              <a:t>rechtlich</a:t>
-            </a:r>
-            <a:r>
-              <a:rPr lang="en-US" dirty="0"/>
-              <a:t> verboten?</a:t>
-            </a:r>
-          </a:p>
-          <a:p>
-            <a:endParaRPr lang="de-DE" dirty="0"/>
-          </a:p>
-        </p:txBody>
-      </p:sp>
-    </p:spTree>
-    <p:extLst>
-      <p:ext uri="{BB962C8B-B14F-4D97-AF65-F5344CB8AC3E}">
-        <p14:creationId xmlns:p14="http://schemas.microsoft.com/office/powerpoint/2010/main" val="4051464565"/>
-      </p:ext>
-    </p:extLst>
-  </p:cSld>
-  <p:clrMapOvr>
-    <a:masterClrMapping/>
-  </p:clrMapOvr>
-</p:sld>
-</file>
-
-<file path=ppt/slides/slide23.xml><?xml version="1.0" encoding="utf-8"?>
-<p:sld xmlns:a="http://schemas.openxmlformats.org/drawingml/2006/main" xmlns:r="http://schemas.openxmlformats.org/officeDocument/2006/relationships" xmlns:p="http://schemas.openxmlformats.org/presentationml/2006/main">
-  <p:cSld>
-    <p:spTree>
-      <p:nvGrpSpPr>
-        <p:cNvPr id="1" name=""/>
-        <p:cNvGrpSpPr/>
-        <p:nvPr/>
-      </p:nvGrpSpPr>
-      <p:grpSpPr>
-        <a:xfrm>
-          <a:off x="0" y="0"/>
-          <a:ext cx="0" cy="0"/>
-          <a:chOff x="0" y="0"/>
-          <a:chExt cx="0" cy="0"/>
-        </a:xfrm>
-      </p:grpSpPr>
-      <p:sp>
-        <p:nvSpPr>
-          <p:cNvPr id="2" name="Titel 1"/>
-          <p:cNvSpPr>
-            <a:spLocks noGrp="1"/>
-          </p:cNvSpPr>
-          <p:nvPr>
-            <p:ph type="title"/>
-          </p:nvPr>
-        </p:nvSpPr>
-        <p:spPr/>
-        <p:txBody>
-          <a:bodyPr>
-            <a:normAutofit fontScale="90000"/>
-          </a:bodyPr>
-          <a:lstStyle/>
-          <a:p>
-            <a:r>
-              <a:rPr lang="en-US" dirty="0" err="1"/>
-              <a:t>Rechtlicher</a:t>
-            </a:r>
-            <a:r>
-              <a:rPr lang="en-US" dirty="0"/>
-              <a:t> Schutz von </a:t>
-            </a:r>
-            <a:r>
-              <a:rPr lang="en-US" dirty="0" err="1"/>
-              <a:t>Funknetzwerken</a:t>
-            </a:r>
-            <a:endParaRPr lang="de-DE" dirty="0"/>
-          </a:p>
-        </p:txBody>
-      </p:sp>
-      <p:sp>
-        <p:nvSpPr>
-          <p:cNvPr id="3" name="Inhaltsplatzhalter 2"/>
-          <p:cNvSpPr>
-            <a:spLocks noGrp="1"/>
-          </p:cNvSpPr>
-          <p:nvPr>
-            <p:ph sz="quarter" idx="1"/>
-          </p:nvPr>
-        </p:nvSpPr>
-        <p:spPr/>
-        <p:txBody>
-          <a:bodyPr/>
-          <a:lstStyle/>
-          <a:p>
-            <a:pPr lvl="0"/>
-            <a:r>
-              <a:rPr lang="en-US" dirty="0"/>
-              <a:t>Die §§202-202d und §§303a-303c</a:t>
-            </a:r>
-          </a:p>
-          <a:p>
-            <a:pPr lvl="0"/>
-            <a:r>
-              <a:rPr lang="en-US" dirty="0" err="1"/>
-              <a:t>Telekommunikationsgesetz</a:t>
-            </a:r>
-            <a:r>
-              <a:rPr lang="en-US" dirty="0"/>
-              <a:t> (TKG)</a:t>
-            </a:r>
-          </a:p>
-          <a:p>
-            <a:pPr lvl="1" hangingPunct="0"/>
-            <a:r>
-              <a:rPr lang="en-US" dirty="0" err="1"/>
-              <a:t>Verschlüsselt</a:t>
-            </a:r>
-            <a:r>
-              <a:rPr lang="en-US" dirty="0"/>
-              <a:t> und </a:t>
-            </a:r>
-            <a:r>
-              <a:rPr lang="en-US" dirty="0" err="1"/>
-              <a:t>unverschlüsselt</a:t>
-            </a:r>
-            <a:endParaRPr lang="en-US" dirty="0"/>
-          </a:p>
-          <a:p>
-            <a:pPr lvl="0"/>
-            <a:endParaRPr lang="en-US" dirty="0"/>
-          </a:p>
-          <a:p>
-            <a:endParaRPr lang="de-DE" dirty="0"/>
-          </a:p>
-        </p:txBody>
-      </p:sp>
-    </p:spTree>
-    <p:extLst>
-      <p:ext uri="{BB962C8B-B14F-4D97-AF65-F5344CB8AC3E}">
-        <p14:creationId xmlns:p14="http://schemas.microsoft.com/office/powerpoint/2010/main" val="3741757683"/>
-      </p:ext>
-    </p:extLst>
-  </p:cSld>
-  <p:clrMapOvr>
-    <a:masterClrMapping/>
-  </p:clrMapOvr>
-</p:sld>
-</file>
-
-<file path=ppt/slides/slide24.xml><?xml version="1.0" encoding="utf-8"?>
-<p:sld xmlns:a="http://schemas.openxmlformats.org/drawingml/2006/main" xmlns:r="http://schemas.openxmlformats.org/officeDocument/2006/relationships" xmlns:p="http://schemas.openxmlformats.org/presentationml/2006/main">
-  <p:cSld>
-    <p:spTree>
-      <p:nvGrpSpPr>
-        <p:cNvPr id="1" name=""/>
-        <p:cNvGrpSpPr/>
-        <p:nvPr/>
-      </p:nvGrpSpPr>
-      <p:grpSpPr>
-        <a:xfrm>
-          <a:off x="0" y="0"/>
-          <a:ext cx="0" cy="0"/>
-          <a:chOff x="0" y="0"/>
-          <a:chExt cx="0" cy="0"/>
-        </a:xfrm>
-      </p:grpSpPr>
-      <p:sp>
-        <p:nvSpPr>
-          <p:cNvPr id="2" name="Titel 1"/>
-          <p:cNvSpPr>
-            <a:spLocks noGrp="1"/>
-          </p:cNvSpPr>
-          <p:nvPr>
-            <p:ph type="title"/>
-          </p:nvPr>
-        </p:nvSpPr>
-        <p:spPr/>
-        <p:txBody>
-          <a:bodyPr>
-            <a:normAutofit fontScale="90000"/>
-          </a:bodyPr>
-          <a:lstStyle/>
-          <a:p>
-            <a:r>
-              <a:rPr lang="en-US" dirty="0" err="1"/>
-              <a:t>Rechtlicher</a:t>
-            </a:r>
-            <a:r>
-              <a:rPr lang="en-US" dirty="0"/>
-              <a:t> Schutz von </a:t>
-            </a:r>
-            <a:r>
-              <a:rPr lang="en-US" dirty="0" err="1"/>
-              <a:t>Funknetzwerken</a:t>
-            </a:r>
-            <a:endParaRPr lang="de-DE" dirty="0"/>
-          </a:p>
-        </p:txBody>
-      </p:sp>
-      <p:sp>
-        <p:nvSpPr>
-          <p:cNvPr id="3" name="Inhaltsplatzhalter 2"/>
-          <p:cNvSpPr>
-            <a:spLocks noGrp="1"/>
-          </p:cNvSpPr>
-          <p:nvPr>
-            <p:ph sz="quarter" idx="1"/>
-          </p:nvPr>
-        </p:nvSpPr>
-        <p:spPr/>
-        <p:txBody>
-          <a:bodyPr>
-            <a:normAutofit/>
-          </a:bodyPr>
-          <a:lstStyle/>
-          <a:p>
-            <a:pPr lvl="0">
-              <a:buNone/>
-            </a:pPr>
-            <a:r>
-              <a:rPr lang="en-US" dirty="0" err="1"/>
-              <a:t>Verschlüsselt</a:t>
-            </a:r>
-            <a:endParaRPr lang="en-US" dirty="0"/>
-          </a:p>
-          <a:p>
-            <a:pPr lvl="1" hangingPunct="0"/>
-            <a:r>
-              <a:rPr lang="en-US" dirty="0" err="1"/>
-              <a:t>Eindringen</a:t>
-            </a:r>
-            <a:r>
-              <a:rPr lang="en-US" dirty="0"/>
-              <a:t> in </a:t>
-            </a:r>
-            <a:r>
-              <a:rPr lang="en-US" dirty="0" err="1"/>
-              <a:t>ein</a:t>
-            </a:r>
-            <a:r>
-              <a:rPr lang="en-US" dirty="0"/>
-              <a:t> </a:t>
-            </a:r>
-            <a:r>
-              <a:rPr lang="en-US" dirty="0" err="1"/>
-              <a:t>gesichtertes</a:t>
-            </a:r>
-            <a:r>
-              <a:rPr lang="en-US" dirty="0"/>
-              <a:t> </a:t>
-            </a:r>
-            <a:r>
-              <a:rPr lang="en-US" dirty="0" err="1"/>
-              <a:t>Netzwerk</a:t>
-            </a:r>
-            <a:endParaRPr lang="en-US" dirty="0"/>
-          </a:p>
-          <a:p>
-            <a:pPr lvl="1" hangingPunct="0"/>
-            <a:r>
-              <a:rPr lang="de-DE" altLang="zh-CN" dirty="0"/>
-              <a:t>§202a Ausspähen von Daten</a:t>
-            </a:r>
-          </a:p>
-          <a:p>
-            <a:pPr lvl="1" hangingPunct="0"/>
-            <a:r>
-              <a:rPr lang="en-US" dirty="0" err="1"/>
-              <a:t>Unbefugt</a:t>
-            </a:r>
-            <a:r>
-              <a:rPr lang="en-US" dirty="0"/>
-              <a:t> und </a:t>
+              <a:rPr lang="en-US" dirty="0" smtClean="0"/>
+              <a:t> die Definition </a:t>
             </a:r>
             <a:r>
               <a:rPr lang="en-US" dirty="0" err="1" smtClean="0"/>
-              <a:t>Zugangssicherung</a:t>
-            </a:r>
-            <a:endParaRPr lang="en-US" dirty="0"/>
-          </a:p>
-          <a:p>
-            <a:endParaRPr lang="de-DE" dirty="0"/>
-          </a:p>
-        </p:txBody>
-      </p:sp>
-    </p:spTree>
-    <p:extLst>
-      <p:ext uri="{BB962C8B-B14F-4D97-AF65-F5344CB8AC3E}">
-        <p14:creationId xmlns:p14="http://schemas.microsoft.com/office/powerpoint/2010/main" val="3009141938"/>
-      </p:ext>
-    </p:extLst>
-  </p:cSld>
-  <p:clrMapOvr>
-    <a:masterClrMapping/>
-  </p:clrMapOvr>
-</p:sld>
-</file>
-
-<file path=ppt/slides/slide25.xml><?xml version="1.0" encoding="utf-8"?>
-<p:sld xmlns:a="http://schemas.openxmlformats.org/drawingml/2006/main" xmlns:r="http://schemas.openxmlformats.org/officeDocument/2006/relationships" xmlns:p="http://schemas.openxmlformats.org/presentationml/2006/main">
-  <p:cSld>
-    <p:spTree>
-      <p:nvGrpSpPr>
-        <p:cNvPr id="1" name=""/>
-        <p:cNvGrpSpPr/>
-        <p:nvPr/>
-      </p:nvGrpSpPr>
-      <p:grpSpPr>
-        <a:xfrm>
-          <a:off x="0" y="0"/>
-          <a:ext cx="0" cy="0"/>
-          <a:chOff x="0" y="0"/>
-          <a:chExt cx="0" cy="0"/>
-        </a:xfrm>
-      </p:grpSpPr>
-      <p:sp>
-        <p:nvSpPr>
-          <p:cNvPr id="2" name="Titel 1"/>
-          <p:cNvSpPr>
-            <a:spLocks noGrp="1"/>
-          </p:cNvSpPr>
-          <p:nvPr>
-            <p:ph type="title"/>
-          </p:nvPr>
-        </p:nvSpPr>
-        <p:spPr/>
-        <p:txBody>
-          <a:bodyPr>
-            <a:normAutofit fontScale="90000"/>
-          </a:bodyPr>
-          <a:lstStyle/>
-          <a:p>
-            <a:r>
-              <a:rPr lang="en-US" dirty="0" err="1"/>
-              <a:t>Rechtlicher</a:t>
-            </a:r>
-            <a:r>
-              <a:rPr lang="en-US" dirty="0"/>
-              <a:t> Schutz von </a:t>
-            </a:r>
-            <a:r>
-              <a:rPr lang="en-US" dirty="0" err="1"/>
-              <a:t>Funknetzwerken</a:t>
-            </a:r>
-            <a:endParaRPr lang="de-DE" dirty="0"/>
-          </a:p>
-        </p:txBody>
-      </p:sp>
-      <p:sp>
-        <p:nvSpPr>
-          <p:cNvPr id="3" name="Inhaltsplatzhalter 2"/>
-          <p:cNvSpPr>
-            <a:spLocks noGrp="1"/>
-          </p:cNvSpPr>
-          <p:nvPr>
-            <p:ph sz="quarter" idx="1"/>
-          </p:nvPr>
-        </p:nvSpPr>
-        <p:spPr/>
-        <p:txBody>
-          <a:bodyPr>
-            <a:normAutofit/>
-          </a:bodyPr>
-          <a:lstStyle/>
-          <a:p>
-            <a:pPr lvl="0">
-              <a:buNone/>
-            </a:pPr>
-            <a:r>
-              <a:rPr lang="en-US" dirty="0" err="1"/>
-              <a:t>Unverschlüsselt</a:t>
-            </a:r>
-            <a:endParaRPr lang="en-US" dirty="0"/>
-          </a:p>
-          <a:p>
-            <a:pPr lvl="1" hangingPunct="0"/>
-            <a:r>
-              <a:rPr lang="en-US" dirty="0" err="1"/>
-              <a:t>Keine</a:t>
-            </a:r>
-            <a:r>
-              <a:rPr lang="en-US" dirty="0"/>
-              <a:t> </a:t>
-            </a:r>
-            <a:r>
-              <a:rPr lang="en-US" dirty="0" err="1"/>
-              <a:t>Datensicherung</a:t>
-            </a:r>
-            <a:r>
-              <a:rPr lang="en-US" dirty="0"/>
-              <a:t> </a:t>
-            </a:r>
-            <a:r>
-              <a:rPr lang="en-US" dirty="0" err="1"/>
-              <a:t>bzw</a:t>
-            </a:r>
-            <a:r>
-              <a:rPr lang="en-US" dirty="0"/>
-              <a:t>. </a:t>
-            </a:r>
-            <a:r>
-              <a:rPr lang="en-US" dirty="0" err="1"/>
-              <a:t>Zugriffssicherung</a:t>
-            </a:r>
-            <a:endParaRPr lang="en-US" dirty="0"/>
-          </a:p>
-          <a:p>
-            <a:pPr lvl="1" hangingPunct="0"/>
-            <a:r>
-              <a:rPr lang="de-DE" altLang="zh-CN" dirty="0"/>
-              <a:t>§202a gilt somit nicht</a:t>
-            </a:r>
-          </a:p>
-          <a:p>
-            <a:pPr lvl="1" hangingPunct="0"/>
-            <a:r>
-              <a:rPr lang="en-US" dirty="0" err="1"/>
-              <a:t>Computerbetrug</a:t>
-            </a:r>
-            <a:r>
-              <a:rPr lang="en-US" dirty="0"/>
-              <a:t> und </a:t>
-            </a:r>
-            <a:r>
-              <a:rPr lang="en-US" dirty="0" err="1"/>
-              <a:t>Schadensersatz</a:t>
-            </a:r>
-            <a:r>
-              <a:rPr lang="en-US" dirty="0"/>
-              <a:t> </a:t>
-            </a:r>
-            <a:r>
-              <a:rPr lang="en-US" dirty="0" err="1"/>
-              <a:t>kann</a:t>
-            </a:r>
-            <a:r>
-              <a:rPr lang="en-US" dirty="0"/>
-              <a:t/>
-            </a:r>
-            <a:br>
-              <a:rPr lang="en-US" dirty="0"/>
-            </a:br>
-            <a:r>
-              <a:rPr lang="en-US" dirty="0" err="1"/>
-              <a:t>nicht</a:t>
-            </a:r>
-            <a:r>
-              <a:rPr lang="en-US" dirty="0"/>
-              <a:t> </a:t>
-            </a:r>
-            <a:r>
-              <a:rPr lang="en-US" dirty="0" err="1"/>
-              <a:t>geltend</a:t>
-            </a:r>
-            <a:r>
-              <a:rPr lang="en-US" dirty="0"/>
-              <a:t> </a:t>
-            </a:r>
-            <a:r>
-              <a:rPr lang="en-US" dirty="0" err="1"/>
-              <a:t>gemacht</a:t>
-            </a:r>
-            <a:r>
-              <a:rPr lang="en-US" dirty="0"/>
-              <a:t> </a:t>
-            </a:r>
-            <a:r>
-              <a:rPr lang="en-US" dirty="0" err="1"/>
-              <a:t>werden</a:t>
-            </a:r>
-            <a:endParaRPr lang="en-US" dirty="0"/>
-          </a:p>
-        </p:txBody>
-      </p:sp>
-    </p:spTree>
-    <p:extLst>
-      <p:ext uri="{BB962C8B-B14F-4D97-AF65-F5344CB8AC3E}">
-        <p14:creationId xmlns:p14="http://schemas.microsoft.com/office/powerpoint/2010/main" val="3889901223"/>
-      </p:ext>
-    </p:extLst>
-  </p:cSld>
-  <p:clrMapOvr>
-    <a:masterClrMapping/>
-  </p:clrMapOvr>
-</p:sld>
-</file>
-
-<file path=ppt/slides/slide26.xml><?xml version="1.0" encoding="utf-8"?>
-<p:sld xmlns:a="http://schemas.openxmlformats.org/drawingml/2006/main" xmlns:r="http://schemas.openxmlformats.org/officeDocument/2006/relationships" xmlns:p="http://schemas.openxmlformats.org/presentationml/2006/main">
-  <p:cSld>
-    <p:spTree>
-      <p:nvGrpSpPr>
-        <p:cNvPr id="1" name=""/>
-        <p:cNvGrpSpPr/>
-        <p:nvPr/>
-      </p:nvGrpSpPr>
-      <p:grpSpPr>
-        <a:xfrm>
-          <a:off x="0" y="0"/>
-          <a:ext cx="0" cy="0"/>
-          <a:chOff x="0" y="0"/>
-          <a:chExt cx="0" cy="0"/>
-        </a:xfrm>
-      </p:grpSpPr>
-      <p:sp>
-        <p:nvSpPr>
-          <p:cNvPr id="2" name="Titel 1"/>
-          <p:cNvSpPr>
-            <a:spLocks noGrp="1"/>
-          </p:cNvSpPr>
-          <p:nvPr>
-            <p:ph type="title"/>
-          </p:nvPr>
-        </p:nvSpPr>
-        <p:spPr/>
-        <p:txBody>
-          <a:bodyPr/>
-          <a:lstStyle/>
-          <a:p>
-            <a:r>
-              <a:rPr lang="en-US" dirty="0" err="1"/>
-              <a:t>Abhören</a:t>
-            </a:r>
-            <a:r>
-              <a:rPr lang="en-US" dirty="0"/>
-              <a:t> </a:t>
-            </a:r>
-            <a:r>
-              <a:rPr lang="en-US" dirty="0" err="1"/>
-              <a:t>verschlüsselter</a:t>
-            </a:r>
-            <a:r>
-              <a:rPr lang="en-US" dirty="0"/>
-              <a:t> </a:t>
-            </a:r>
-            <a:r>
-              <a:rPr lang="en-US" dirty="0" err="1"/>
+              <a:t>für</a:t>
+            </a:r>
+            <a:r>
+              <a:rPr lang="en-US" dirty="0" smtClean="0"/>
+              <a:t> </a:t>
+            </a:r>
+            <a:r>
+              <a:rPr lang="en-US" dirty="0" err="1" smtClean="0"/>
               <a:t>Daten</a:t>
             </a:r>
-            <a:endParaRPr lang="de-DE" dirty="0"/>
-          </a:p>
-        </p:txBody>
-      </p:sp>
-      <p:sp>
-        <p:nvSpPr>
-          <p:cNvPr id="3" name="Inhaltsplatzhalter 2"/>
-          <p:cNvSpPr>
-            <a:spLocks noGrp="1"/>
-          </p:cNvSpPr>
-          <p:nvPr>
-            <p:ph sz="quarter" idx="1"/>
-          </p:nvPr>
-        </p:nvSpPr>
-        <p:spPr/>
-        <p:txBody>
-          <a:bodyPr/>
-          <a:lstStyle/>
-          <a:p>
-            <a:pPr lvl="0">
-              <a:buNone/>
-            </a:pPr>
-            <a:r>
-              <a:rPr lang="en-US" dirty="0" err="1"/>
-              <a:t>Telekommunikationsgesetz</a:t>
-            </a:r>
-            <a:r>
-              <a:rPr lang="en-US" dirty="0"/>
-              <a:t> (TKG)</a:t>
-            </a:r>
-          </a:p>
-          <a:p>
-            <a:pPr lvl="1" hangingPunct="0"/>
-            <a:r>
-              <a:rPr lang="en-US" dirty="0"/>
-              <a:t>89 TKG </a:t>
-            </a:r>
-            <a:r>
-              <a:rPr lang="en-US" dirty="0" err="1"/>
-              <a:t>Abhören</a:t>
-            </a:r>
-            <a:r>
-              <a:rPr lang="en-US" dirty="0"/>
-              <a:t> von </a:t>
-            </a:r>
-            <a:r>
-              <a:rPr lang="en-US" dirty="0" err="1"/>
-              <a:t>Nachrichten</a:t>
-            </a:r>
-            <a:r>
-              <a:rPr lang="en-US" dirty="0"/>
-              <a:t> </a:t>
-            </a:r>
-            <a:r>
-              <a:rPr lang="en-US" dirty="0" err="1"/>
-              <a:t>einer</a:t>
-            </a:r>
-            <a:r>
-              <a:rPr lang="en-US" dirty="0"/>
-              <a:t> </a:t>
-            </a:r>
-            <a:r>
-              <a:rPr lang="en-US" dirty="0" err="1"/>
-              <a:t>Funkanlage</a:t>
-            </a:r>
-            <a:endParaRPr lang="en-US" dirty="0"/>
-          </a:p>
-          <a:p>
-            <a:pPr lvl="1" hangingPunct="0"/>
-            <a:r>
-              <a:rPr lang="en-US" dirty="0" err="1"/>
-              <a:t>Nachrichten</a:t>
-            </a:r>
-            <a:r>
-              <a:rPr lang="en-US" dirty="0"/>
-              <a:t> </a:t>
-            </a:r>
-            <a:r>
-              <a:rPr lang="en-US" dirty="0" err="1"/>
-              <a:t>sind</a:t>
-            </a:r>
-            <a:r>
-              <a:rPr lang="en-US" dirty="0"/>
-              <a:t> </a:t>
-            </a:r>
-            <a:r>
-              <a:rPr lang="en-US" dirty="0" err="1"/>
-              <a:t>jegliche</a:t>
-            </a:r>
-            <a:r>
-              <a:rPr lang="en-US" dirty="0"/>
-              <a:t> Form von </a:t>
-            </a:r>
-            <a:r>
-              <a:rPr lang="en-US" dirty="0" err="1"/>
-              <a:t>Daten</a:t>
-            </a:r>
-            <a:endParaRPr lang="en-US" dirty="0"/>
-          </a:p>
-          <a:p>
-            <a:pPr lvl="1" hangingPunct="0"/>
-            <a:r>
-              <a:rPr lang="en-US" dirty="0" err="1"/>
-              <a:t>Nur</a:t>
-            </a:r>
-            <a:r>
-              <a:rPr lang="en-US" dirty="0"/>
-              <a:t> </a:t>
-            </a:r>
-            <a:r>
-              <a:rPr lang="en-US" dirty="0" err="1"/>
-              <a:t>vorsätzlichen</a:t>
-            </a:r>
-            <a:r>
-              <a:rPr lang="en-US" dirty="0"/>
-              <a:t> </a:t>
-            </a:r>
-            <a:r>
-              <a:rPr lang="en-US" dirty="0" err="1"/>
-              <a:t>Abhören</a:t>
-            </a:r>
-            <a:endParaRPr lang="en-US" dirty="0"/>
-          </a:p>
-          <a:p>
-            <a:pPr lvl="0">
+            <a:endParaRPr lang="en-US" dirty="0" smtClean="0"/>
+          </a:p>
+          <a:p>
+            <a:pPr marL="365760" lvl="1" indent="0">
               <a:buNone/>
             </a:pPr>
             <a:endParaRPr lang="en-US" dirty="0"/>
           </a:p>
           <a:p>
-            <a:pPr lvl="0">
-              <a:buNone/>
-            </a:pPr>
-            <a:r>
-              <a:rPr lang="de-DE" altLang="zh-CN" dirty="0"/>
-              <a:t>§202a StGB</a:t>
+            <a:r>
+              <a:rPr lang="en-US" dirty="0" err="1" smtClean="0"/>
+              <a:t>Telekommunikationsgesetz</a:t>
+            </a:r>
+            <a:r>
+              <a:rPr lang="en-US" dirty="0" smtClean="0"/>
+              <a:t> </a:t>
+            </a:r>
+            <a:r>
+              <a:rPr lang="en-US" dirty="0"/>
+              <a:t>(TKG)</a:t>
             </a:r>
           </a:p>
           <a:p>
             <a:pPr lvl="1" hangingPunct="0"/>
             <a:r>
-              <a:rPr lang="en-US" dirty="0" err="1"/>
-              <a:t>Wie</a:t>
-            </a:r>
-            <a:r>
-              <a:rPr lang="en-US" dirty="0"/>
-              <a:t> </a:t>
-            </a:r>
-            <a:r>
-              <a:rPr lang="en-US" dirty="0" err="1"/>
-              <a:t>zuvor</a:t>
-            </a:r>
-            <a:r>
-              <a:rPr lang="en-US" dirty="0"/>
-              <a:t> </a:t>
-            </a:r>
-            <a:r>
-              <a:rPr lang="en-US" dirty="0" err="1"/>
-              <a:t>gelten</a:t>
-            </a:r>
-            <a:r>
-              <a:rPr lang="en-US" dirty="0"/>
-              <a:t> die </a:t>
-            </a:r>
-            <a:r>
-              <a:rPr lang="en-US" dirty="0" err="1"/>
-              <a:t>Bestimmungen</a:t>
+              <a:rPr lang="en-US" dirty="0" smtClean="0"/>
+              <a:t>§89 </a:t>
+            </a:r>
+            <a:r>
+              <a:rPr lang="en-US" dirty="0"/>
+              <a:t>TKG </a:t>
+            </a:r>
+            <a:r>
+              <a:rPr lang="en-US" dirty="0" err="1"/>
+              <a:t>Abhören</a:t>
+            </a:r>
+            <a:r>
+              <a:rPr lang="en-US" dirty="0"/>
+              <a:t> von </a:t>
+            </a:r>
+            <a:r>
+              <a:rPr lang="en-US" dirty="0" err="1"/>
+              <a:t>Nachrichten</a:t>
+            </a:r>
+            <a:r>
+              <a:rPr lang="en-US" dirty="0"/>
+              <a:t> </a:t>
+            </a:r>
+            <a:r>
+              <a:rPr lang="en-US" dirty="0" err="1"/>
+              <a:t>einer</a:t>
+            </a:r>
+            <a:r>
+              <a:rPr lang="en-US" dirty="0"/>
+              <a:t> </a:t>
+            </a:r>
+            <a:r>
+              <a:rPr lang="en-US" dirty="0" err="1" smtClean="0"/>
+              <a:t>Funkanlage</a:t>
+            </a:r>
+            <a:endParaRPr lang="en-US" dirty="0" smtClean="0"/>
+          </a:p>
+          <a:p>
+            <a:pPr lvl="1" hangingPunct="0"/>
+            <a:r>
+              <a:rPr lang="en-US" dirty="0" err="1" smtClean="0"/>
+              <a:t>Nur</a:t>
+            </a:r>
+            <a:r>
+              <a:rPr lang="en-US" dirty="0" smtClean="0"/>
+              <a:t> </a:t>
+            </a:r>
+            <a:r>
+              <a:rPr lang="en-US" dirty="0" err="1" smtClean="0"/>
+              <a:t>vorsätzliches</a:t>
+            </a:r>
+            <a:r>
+              <a:rPr lang="en-US" dirty="0" smtClean="0"/>
+              <a:t> </a:t>
+            </a:r>
+            <a:r>
+              <a:rPr lang="en-US" dirty="0" err="1" smtClean="0"/>
+              <a:t>Abhören</a:t>
             </a:r>
             <a:endParaRPr lang="en-US" dirty="0"/>
-          </a:p>
-          <a:p>
-            <a:endParaRPr lang="de-DE" dirty="0"/>
           </a:p>
         </p:txBody>
       </p:sp>

--- a/Präsentationen/PT1.pptx
+++ b/Präsentationen/PT1.pptx
@@ -3782,8 +3782,16 @@
               <a:rPr lang="de-DE" dirty="0" smtClean="0"/>
             </a:br>
             <a:r>
+              <a:rPr lang="de-DE" smtClean="0"/>
+              <a:t>Part </a:t>
+            </a:r>
+            <a:r>
+              <a:rPr lang="de-DE" smtClean="0"/>
+              <a:t>I: </a:t>
+            </a:r>
+            <a:r>
               <a:rPr lang="de-DE" dirty="0" smtClean="0"/>
-              <a:t>Part III: Rechtliche Grundlagen</a:t>
+              <a:t>Rechtliche Grundlagen</a:t>
             </a:r>
             <a:endParaRPr lang="de-DE" dirty="0"/>
           </a:p>

--- a/Präsentationen/PT1.pptx
+++ b/Präsentationen/PT1.pptx
@@ -4,6 +4,9 @@
   <p:sldMasterIdLst>
     <p:sldMasterId id="2147483660" r:id="rId1"/>
   </p:sldMasterIdLst>
+  <p:notesMasterIdLst>
+    <p:notesMasterId r:id="rId26"/>
+  </p:notesMasterIdLst>
   <p:sldIdLst>
     <p:sldId id="282" r:id="rId2"/>
     <p:sldId id="283" r:id="rId3"/>
@@ -19,14 +22,16 @@
     <p:sldId id="267" r:id="rId13"/>
     <p:sldId id="268" r:id="rId14"/>
     <p:sldId id="269" r:id="rId15"/>
-    <p:sldId id="272" r:id="rId16"/>
-    <p:sldId id="275" r:id="rId17"/>
-    <p:sldId id="276" r:id="rId18"/>
-    <p:sldId id="277" r:id="rId19"/>
-    <p:sldId id="278" r:id="rId20"/>
-    <p:sldId id="279" r:id="rId21"/>
-    <p:sldId id="280" r:id="rId22"/>
-    <p:sldId id="281" r:id="rId23"/>
+    <p:sldId id="284" r:id="rId16"/>
+    <p:sldId id="272" r:id="rId17"/>
+    <p:sldId id="285" r:id="rId18"/>
+    <p:sldId id="275" r:id="rId19"/>
+    <p:sldId id="276" r:id="rId20"/>
+    <p:sldId id="277" r:id="rId21"/>
+    <p:sldId id="278" r:id="rId22"/>
+    <p:sldId id="279" r:id="rId23"/>
+    <p:sldId id="280" r:id="rId24"/>
+    <p:sldId id="281" r:id="rId25"/>
   </p:sldIdLst>
   <p:sldSz cx="9144000" cy="6858000" type="screen4x3"/>
   <p:notesSz cx="6858000" cy="9144000"/>
@@ -127,7 +132,7 @@
   </p:defaultTextStyle>
   <p:extLst>
     <p:ext uri="{EFAFB233-063F-42B5-8137-9DF3F51BA10A}">
-      <p15:sldGuideLst xmlns:p15="http://schemas.microsoft.com/office/powerpoint/2012/main">
+      <p15:sldGuideLst xmlns:p15="http://schemas.microsoft.com/office/powerpoint/2012/main" xmlns="">
         <p15:guide id="1" orient="horz" pos="2160">
           <p15:clr>
             <a:srgbClr val="A4A3A4"/>
@@ -142,6 +147,480 @@
     </p:ext>
   </p:extLst>
 </p:presentation>
+</file>
+
+<file path=ppt/notesMasters/notesMaster1.xml><?xml version="1.0" encoding="utf-8"?>
+<p:notesMaster xmlns:a="http://schemas.openxmlformats.org/drawingml/2006/main" xmlns:r="http://schemas.openxmlformats.org/officeDocument/2006/relationships" xmlns:p="http://schemas.openxmlformats.org/presentationml/2006/main">
+  <p:cSld>
+    <p:bg>
+      <p:bgRef idx="1001">
+        <a:schemeClr val="bg1"/>
+      </p:bgRef>
+    </p:bg>
+    <p:spTree>
+      <p:nvGrpSpPr>
+        <p:cNvPr id="1" name=""/>
+        <p:cNvGrpSpPr/>
+        <p:nvPr/>
+      </p:nvGrpSpPr>
+      <p:grpSpPr>
+        <a:xfrm>
+          <a:off x="0" y="0"/>
+          <a:ext cx="0" cy="0"/>
+          <a:chOff x="0" y="0"/>
+          <a:chExt cx="0" cy="0"/>
+        </a:xfrm>
+      </p:grpSpPr>
+      <p:sp>
+        <p:nvSpPr>
+          <p:cNvPr id="2" name="Kopfzeilenplatzhalter 1"/>
+          <p:cNvSpPr>
+            <a:spLocks noGrp="1"/>
+          </p:cNvSpPr>
+          <p:nvPr>
+            <p:ph type="hdr" sz="quarter"/>
+          </p:nvPr>
+        </p:nvSpPr>
+        <p:spPr>
+          <a:xfrm>
+            <a:off x="0" y="0"/>
+            <a:ext cx="2971800" cy="457200"/>
+          </a:xfrm>
+          <a:prstGeom prst="rect">
+            <a:avLst/>
+          </a:prstGeom>
+        </p:spPr>
+        <p:txBody>
+          <a:bodyPr vert="horz" lIns="91440" tIns="45720" rIns="91440" bIns="45720" rtlCol="0"/>
+          <a:lstStyle>
+            <a:lvl1pPr algn="l">
+              <a:defRPr sz="1200"/>
+            </a:lvl1pPr>
+          </a:lstStyle>
+          <a:p>
+            <a:endParaRPr lang="de-DE"/>
+          </a:p>
+        </p:txBody>
+      </p:sp>
+      <p:sp>
+        <p:nvSpPr>
+          <p:cNvPr id="3" name="Datumsplatzhalter 2"/>
+          <p:cNvSpPr>
+            <a:spLocks noGrp="1"/>
+          </p:cNvSpPr>
+          <p:nvPr>
+            <p:ph type="dt" idx="1"/>
+          </p:nvPr>
+        </p:nvSpPr>
+        <p:spPr>
+          <a:xfrm>
+            <a:off x="3884613" y="0"/>
+            <a:ext cx="2971800" cy="457200"/>
+          </a:xfrm>
+          <a:prstGeom prst="rect">
+            <a:avLst/>
+          </a:prstGeom>
+        </p:spPr>
+        <p:txBody>
+          <a:bodyPr vert="horz" lIns="91440" tIns="45720" rIns="91440" bIns="45720" rtlCol="0"/>
+          <a:lstStyle>
+            <a:lvl1pPr algn="r">
+              <a:defRPr sz="1200"/>
+            </a:lvl1pPr>
+          </a:lstStyle>
+          <a:p>
+            <a:fld id="{C3619C7A-8E0E-42A3-A8CB-137A286B1A2E}" type="datetimeFigureOut">
+              <a:rPr lang="de-DE" smtClean="0"/>
+              <a:t>27.01.2017</a:t>
+            </a:fld>
+            <a:endParaRPr lang="de-DE"/>
+          </a:p>
+        </p:txBody>
+      </p:sp>
+      <p:sp>
+        <p:nvSpPr>
+          <p:cNvPr id="4" name="Folienbildplatzhalter 3"/>
+          <p:cNvSpPr>
+            <a:spLocks noGrp="1" noRot="1" noChangeAspect="1"/>
+          </p:cNvSpPr>
+          <p:nvPr>
+            <p:ph type="sldImg" idx="2"/>
+          </p:nvPr>
+        </p:nvSpPr>
+        <p:spPr>
+          <a:xfrm>
+            <a:off x="1143000" y="685800"/>
+            <a:ext cx="4572000" cy="3429000"/>
+          </a:xfrm>
+          <a:prstGeom prst="rect">
+            <a:avLst/>
+          </a:prstGeom>
+          <a:noFill/>
+          <a:ln w="12700">
+            <a:solidFill>
+              <a:prstClr val="black"/>
+            </a:solidFill>
+          </a:ln>
+        </p:spPr>
+        <p:txBody>
+          <a:bodyPr vert="horz" lIns="91440" tIns="45720" rIns="91440" bIns="45720" rtlCol="0" anchor="ctr"/>
+          <a:lstStyle/>
+          <a:p>
+            <a:endParaRPr lang="de-DE"/>
+          </a:p>
+        </p:txBody>
+      </p:sp>
+      <p:sp>
+        <p:nvSpPr>
+          <p:cNvPr id="5" name="Notizenplatzhalter 4"/>
+          <p:cNvSpPr>
+            <a:spLocks noGrp="1"/>
+          </p:cNvSpPr>
+          <p:nvPr>
+            <p:ph type="body" sz="quarter" idx="3"/>
+          </p:nvPr>
+        </p:nvSpPr>
+        <p:spPr>
+          <a:xfrm>
+            <a:off x="685800" y="4343400"/>
+            <a:ext cx="5486400" cy="4114800"/>
+          </a:xfrm>
+          <a:prstGeom prst="rect">
+            <a:avLst/>
+          </a:prstGeom>
+        </p:spPr>
+        <p:txBody>
+          <a:bodyPr vert="horz" lIns="91440" tIns="45720" rIns="91440" bIns="45720" rtlCol="0"/>
+          <a:lstStyle/>
+          <a:p>
+            <a:pPr lvl="0"/>
+            <a:r>
+              <a:rPr lang="de-DE" smtClean="0"/>
+              <a:t>Textmasterformat bearbeiten</a:t>
+            </a:r>
+          </a:p>
+          <a:p>
+            <a:pPr lvl="1"/>
+            <a:r>
+              <a:rPr lang="de-DE" smtClean="0"/>
+              <a:t>Zweite Ebene</a:t>
+            </a:r>
+          </a:p>
+          <a:p>
+            <a:pPr lvl="2"/>
+            <a:r>
+              <a:rPr lang="de-DE" smtClean="0"/>
+              <a:t>Dritte Ebene</a:t>
+            </a:r>
+          </a:p>
+          <a:p>
+            <a:pPr lvl="3"/>
+            <a:r>
+              <a:rPr lang="de-DE" smtClean="0"/>
+              <a:t>Vierte Ebene</a:t>
+            </a:r>
+          </a:p>
+          <a:p>
+            <a:pPr lvl="4"/>
+            <a:r>
+              <a:rPr lang="de-DE" smtClean="0"/>
+              <a:t>Fünfte Ebene</a:t>
+            </a:r>
+            <a:endParaRPr lang="de-DE"/>
+          </a:p>
+        </p:txBody>
+      </p:sp>
+      <p:sp>
+        <p:nvSpPr>
+          <p:cNvPr id="6" name="Fußzeilenplatzhalter 5"/>
+          <p:cNvSpPr>
+            <a:spLocks noGrp="1"/>
+          </p:cNvSpPr>
+          <p:nvPr>
+            <p:ph type="ftr" sz="quarter" idx="4"/>
+          </p:nvPr>
+        </p:nvSpPr>
+        <p:spPr>
+          <a:xfrm>
+            <a:off x="0" y="8685213"/>
+            <a:ext cx="2971800" cy="457200"/>
+          </a:xfrm>
+          <a:prstGeom prst="rect">
+            <a:avLst/>
+          </a:prstGeom>
+        </p:spPr>
+        <p:txBody>
+          <a:bodyPr vert="horz" lIns="91440" tIns="45720" rIns="91440" bIns="45720" rtlCol="0" anchor="b"/>
+          <a:lstStyle>
+            <a:lvl1pPr algn="l">
+              <a:defRPr sz="1200"/>
+            </a:lvl1pPr>
+          </a:lstStyle>
+          <a:p>
+            <a:endParaRPr lang="de-DE"/>
+          </a:p>
+        </p:txBody>
+      </p:sp>
+      <p:sp>
+        <p:nvSpPr>
+          <p:cNvPr id="7" name="Foliennummernplatzhalter 6"/>
+          <p:cNvSpPr>
+            <a:spLocks noGrp="1"/>
+          </p:cNvSpPr>
+          <p:nvPr>
+            <p:ph type="sldNum" sz="quarter" idx="5"/>
+          </p:nvPr>
+        </p:nvSpPr>
+        <p:spPr>
+          <a:xfrm>
+            <a:off x="3884613" y="8685213"/>
+            <a:ext cx="2971800" cy="457200"/>
+          </a:xfrm>
+          <a:prstGeom prst="rect">
+            <a:avLst/>
+          </a:prstGeom>
+        </p:spPr>
+        <p:txBody>
+          <a:bodyPr vert="horz" lIns="91440" tIns="45720" rIns="91440" bIns="45720" rtlCol="0" anchor="b"/>
+          <a:lstStyle>
+            <a:lvl1pPr algn="r">
+              <a:defRPr sz="1200"/>
+            </a:lvl1pPr>
+          </a:lstStyle>
+          <a:p>
+            <a:fld id="{B1F34494-F0DF-4E68-B7BF-0E463064838E}" type="slidenum">
+              <a:rPr lang="de-DE" smtClean="0"/>
+              <a:t>‹Nr.›</a:t>
+            </a:fld>
+            <a:endParaRPr lang="de-DE"/>
+          </a:p>
+        </p:txBody>
+      </p:sp>
+    </p:spTree>
+    <p:extLst>
+      <p:ext uri="{BB962C8B-B14F-4D97-AF65-F5344CB8AC3E}">
+        <p14:creationId xmlns:p14="http://schemas.microsoft.com/office/powerpoint/2010/main" val="1044728550"/>
+      </p:ext>
+    </p:extLst>
+  </p:cSld>
+  <p:clrMap bg1="lt1" tx1="dk1" bg2="lt2" tx2="dk2" accent1="accent1" accent2="accent2" accent3="accent3" accent4="accent4" accent5="accent5" accent6="accent6" hlink="hlink" folHlink="folHlink"/>
+  <p:notesStyle>
+    <a:lvl1pPr marL="0" algn="l" defTabSz="914400" rtl="0" eaLnBrk="1" latinLnBrk="0" hangingPunct="1">
+      <a:defRPr sz="1200" kern="1200">
+        <a:solidFill>
+          <a:schemeClr val="tx1"/>
+        </a:solidFill>
+        <a:latin typeface="+mn-lt"/>
+        <a:ea typeface="+mn-ea"/>
+        <a:cs typeface="+mn-cs"/>
+      </a:defRPr>
+    </a:lvl1pPr>
+    <a:lvl2pPr marL="457200" algn="l" defTabSz="914400" rtl="0" eaLnBrk="1" latinLnBrk="0" hangingPunct="1">
+      <a:defRPr sz="1200" kern="1200">
+        <a:solidFill>
+          <a:schemeClr val="tx1"/>
+        </a:solidFill>
+        <a:latin typeface="+mn-lt"/>
+        <a:ea typeface="+mn-ea"/>
+        <a:cs typeface="+mn-cs"/>
+      </a:defRPr>
+    </a:lvl2pPr>
+    <a:lvl3pPr marL="914400" algn="l" defTabSz="914400" rtl="0" eaLnBrk="1" latinLnBrk="0" hangingPunct="1">
+      <a:defRPr sz="1200" kern="1200">
+        <a:solidFill>
+          <a:schemeClr val="tx1"/>
+        </a:solidFill>
+        <a:latin typeface="+mn-lt"/>
+        <a:ea typeface="+mn-ea"/>
+        <a:cs typeface="+mn-cs"/>
+      </a:defRPr>
+    </a:lvl3pPr>
+    <a:lvl4pPr marL="1371600" algn="l" defTabSz="914400" rtl="0" eaLnBrk="1" latinLnBrk="0" hangingPunct="1">
+      <a:defRPr sz="1200" kern="1200">
+        <a:solidFill>
+          <a:schemeClr val="tx1"/>
+        </a:solidFill>
+        <a:latin typeface="+mn-lt"/>
+        <a:ea typeface="+mn-ea"/>
+        <a:cs typeface="+mn-cs"/>
+      </a:defRPr>
+    </a:lvl4pPr>
+    <a:lvl5pPr marL="1828800" algn="l" defTabSz="914400" rtl="0" eaLnBrk="1" latinLnBrk="0" hangingPunct="1">
+      <a:defRPr sz="1200" kern="1200">
+        <a:solidFill>
+          <a:schemeClr val="tx1"/>
+        </a:solidFill>
+        <a:latin typeface="+mn-lt"/>
+        <a:ea typeface="+mn-ea"/>
+        <a:cs typeface="+mn-cs"/>
+      </a:defRPr>
+    </a:lvl5pPr>
+    <a:lvl6pPr marL="2286000" algn="l" defTabSz="914400" rtl="0" eaLnBrk="1" latinLnBrk="0" hangingPunct="1">
+      <a:defRPr sz="1200" kern="1200">
+        <a:solidFill>
+          <a:schemeClr val="tx1"/>
+        </a:solidFill>
+        <a:latin typeface="+mn-lt"/>
+        <a:ea typeface="+mn-ea"/>
+        <a:cs typeface="+mn-cs"/>
+      </a:defRPr>
+    </a:lvl6pPr>
+    <a:lvl7pPr marL="2743200" algn="l" defTabSz="914400" rtl="0" eaLnBrk="1" latinLnBrk="0" hangingPunct="1">
+      <a:defRPr sz="1200" kern="1200">
+        <a:solidFill>
+          <a:schemeClr val="tx1"/>
+        </a:solidFill>
+        <a:latin typeface="+mn-lt"/>
+        <a:ea typeface="+mn-ea"/>
+        <a:cs typeface="+mn-cs"/>
+      </a:defRPr>
+    </a:lvl7pPr>
+    <a:lvl8pPr marL="3200400" algn="l" defTabSz="914400" rtl="0" eaLnBrk="1" latinLnBrk="0" hangingPunct="1">
+      <a:defRPr sz="1200" kern="1200">
+        <a:solidFill>
+          <a:schemeClr val="tx1"/>
+        </a:solidFill>
+        <a:latin typeface="+mn-lt"/>
+        <a:ea typeface="+mn-ea"/>
+        <a:cs typeface="+mn-cs"/>
+      </a:defRPr>
+    </a:lvl8pPr>
+    <a:lvl9pPr marL="3657600" algn="l" defTabSz="914400" rtl="0" eaLnBrk="1" latinLnBrk="0" hangingPunct="1">
+      <a:defRPr sz="1200" kern="1200">
+        <a:solidFill>
+          <a:schemeClr val="tx1"/>
+        </a:solidFill>
+        <a:latin typeface="+mn-lt"/>
+        <a:ea typeface="+mn-ea"/>
+        <a:cs typeface="+mn-cs"/>
+      </a:defRPr>
+    </a:lvl9pPr>
+  </p:notesStyle>
+</p:notesMaster>
+</file>
+
+<file path=ppt/notesSlides/notesSlide1.xml><?xml version="1.0" encoding="utf-8"?>
+<p:notes xmlns:a="http://schemas.openxmlformats.org/drawingml/2006/main" xmlns:r="http://schemas.openxmlformats.org/officeDocument/2006/relationships" xmlns:p="http://schemas.openxmlformats.org/presentationml/2006/main">
+  <p:cSld>
+    <p:spTree>
+      <p:nvGrpSpPr>
+        <p:cNvPr id="1" name=""/>
+        <p:cNvGrpSpPr/>
+        <p:nvPr/>
+      </p:nvGrpSpPr>
+      <p:grpSpPr>
+        <a:xfrm>
+          <a:off x="0" y="0"/>
+          <a:ext cx="0" cy="0"/>
+          <a:chOff x="0" y="0"/>
+          <a:chExt cx="0" cy="0"/>
+        </a:xfrm>
+      </p:grpSpPr>
+      <p:sp>
+        <p:nvSpPr>
+          <p:cNvPr id="2" name="Folienbildplatzhalter 1"/>
+          <p:cNvSpPr>
+            <a:spLocks noGrp="1" noRot="1" noChangeAspect="1"/>
+          </p:cNvSpPr>
+          <p:nvPr>
+            <p:ph type="sldImg"/>
+          </p:nvPr>
+        </p:nvSpPr>
+        <p:spPr/>
+      </p:sp>
+      <p:sp>
+        <p:nvSpPr>
+          <p:cNvPr id="3" name="Notizenplatzhalter 2"/>
+          <p:cNvSpPr>
+            <a:spLocks noGrp="1"/>
+          </p:cNvSpPr>
+          <p:nvPr>
+            <p:ph type="body" idx="1"/>
+          </p:nvPr>
+        </p:nvSpPr>
+        <p:spPr/>
+        <p:txBody>
+          <a:bodyPr/>
+          <a:lstStyle/>
+          <a:p>
+            <a:pPr marL="0" marR="0" lvl="2" indent="0" algn="l" defTabSz="914400" rtl="0" eaLnBrk="1" fontAlgn="auto" latinLnBrk="0" hangingPunct="1">
+              <a:lnSpc>
+                <a:spcPct val="100000"/>
+              </a:lnSpc>
+              <a:spcBef>
+                <a:spcPts val="0"/>
+              </a:spcBef>
+              <a:spcAft>
+                <a:spcPts val="0"/>
+              </a:spcAft>
+              <a:buClrTx/>
+              <a:buSzTx/>
+              <a:buFontTx/>
+              <a:buNone/>
+              <a:tabLst/>
+              <a:defRPr/>
+            </a:pPr>
+            <a:r>
+              <a:rPr lang="en-US" dirty="0" err="1" smtClean="0"/>
+              <a:t>Rundfunkarbeiten</a:t>
+            </a:r>
+            <a:r>
+              <a:rPr lang="en-US" dirty="0" smtClean="0"/>
+              <a:t>, </a:t>
+            </a:r>
+            <a:r>
+              <a:rPr lang="en-US" dirty="0" err="1" smtClean="0"/>
+              <a:t>Teledienste</a:t>
+            </a:r>
+            <a:r>
+              <a:rPr lang="en-US" dirty="0" smtClean="0"/>
+              <a:t>, </a:t>
+            </a:r>
+            <a:r>
+              <a:rPr lang="en-US" dirty="0" err="1" smtClean="0"/>
+              <a:t>Mediendienste</a:t>
+            </a:r>
+            <a:endParaRPr lang="en-US" dirty="0" smtClean="0"/>
+          </a:p>
+          <a:p>
+            <a:endParaRPr lang="de-DE" dirty="0"/>
+          </a:p>
+        </p:txBody>
+      </p:sp>
+      <p:sp>
+        <p:nvSpPr>
+          <p:cNvPr id="4" name="Foliennummernplatzhalter 3"/>
+          <p:cNvSpPr>
+            <a:spLocks noGrp="1"/>
+          </p:cNvSpPr>
+          <p:nvPr>
+            <p:ph type="sldNum" sz="quarter" idx="10"/>
+          </p:nvPr>
+        </p:nvSpPr>
+        <p:spPr/>
+        <p:txBody>
+          <a:bodyPr/>
+          <a:lstStyle/>
+          <a:p>
+            <a:fld id="{B1F34494-F0DF-4E68-B7BF-0E463064838E}" type="slidenum">
+              <a:rPr lang="de-DE" smtClean="0"/>
+              <a:t>7</a:t>
+            </a:fld>
+            <a:endParaRPr lang="de-DE"/>
+          </a:p>
+        </p:txBody>
+      </p:sp>
+    </p:spTree>
+    <p:extLst>
+      <p:ext uri="{BB962C8B-B14F-4D97-AF65-F5344CB8AC3E}">
+        <p14:creationId xmlns:p14="http://schemas.microsoft.com/office/powerpoint/2010/main" val="1747763003"/>
+      </p:ext>
+    </p:extLst>
+  </p:cSld>
+  <p:clrMapOvr>
+    <a:masterClrMapping/>
+  </p:clrMapOvr>
+</p:notes>
 </file>
 
 <file path=ppt/slideLayouts/slideLayout1.xml><?xml version="1.0" encoding="utf-8"?>
@@ -435,7 +914,7 @@
           <a:p>
             <a:fld id="{1BA50D42-C9CD-4801-B293-61D1F53EC57E}" type="datetimeFigureOut">
               <a:rPr lang="de-DE" smtClean="0"/>
-              <a:t>26.01.2017</a:t>
+              <a:t>27.01.2017</a:t>
             </a:fld>
             <a:endParaRPr lang="de-DE"/>
           </a:p>
@@ -626,7 +1105,7 @@
           <a:p>
             <a:fld id="{1BA50D42-C9CD-4801-B293-61D1F53EC57E}" type="datetimeFigureOut">
               <a:rPr lang="de-DE" smtClean="0"/>
-              <a:t>26.01.2017</a:t>
+              <a:t>27.01.2017</a:t>
             </a:fld>
             <a:endParaRPr lang="de-DE"/>
           </a:p>
@@ -811,7 +1290,7 @@
           <a:p>
             <a:fld id="{1BA50D42-C9CD-4801-B293-61D1F53EC57E}" type="datetimeFigureOut">
               <a:rPr lang="de-DE" smtClean="0"/>
-              <a:t>26.01.2017</a:t>
+              <a:t>27.01.2017</a:t>
             </a:fld>
             <a:endParaRPr lang="de-DE"/>
           </a:p>
@@ -1074,7 +1553,7 @@
           <a:p>
             <a:fld id="{1BA50D42-C9CD-4801-B293-61D1F53EC57E}" type="datetimeFigureOut">
               <a:rPr lang="de-DE" smtClean="0"/>
-              <a:t>26.01.2017</a:t>
+              <a:t>27.01.2017</a:t>
             </a:fld>
             <a:endParaRPr lang="de-DE"/>
           </a:p>
@@ -1490,7 +1969,7 @@
           <a:p>
             <a:fld id="{1BA50D42-C9CD-4801-B293-61D1F53EC57E}" type="datetimeFigureOut">
               <a:rPr lang="de-DE" smtClean="0"/>
-              <a:t>26.01.2017</a:t>
+              <a:t>27.01.2017</a:t>
             </a:fld>
             <a:endParaRPr lang="de-DE"/>
           </a:p>
@@ -1732,7 +2211,7 @@
           <a:p>
             <a:fld id="{1BA50D42-C9CD-4801-B293-61D1F53EC57E}" type="datetimeFigureOut">
               <a:rPr lang="de-DE" smtClean="0"/>
-              <a:t>26.01.2017</a:t>
+              <a:t>27.01.2017</a:t>
             </a:fld>
             <a:endParaRPr lang="de-DE"/>
           </a:p>
@@ -1968,7 +2447,7 @@
           <a:p>
             <a:fld id="{1BA50D42-C9CD-4801-B293-61D1F53EC57E}" type="datetimeFigureOut">
               <a:rPr lang="de-DE" smtClean="0"/>
-              <a:t>26.01.2017</a:t>
+              <a:t>27.01.2017</a:t>
             </a:fld>
             <a:endParaRPr lang="de-DE"/>
           </a:p>
@@ -2163,7 +2642,7 @@
           <a:p>
             <a:fld id="{1BA50D42-C9CD-4801-B293-61D1F53EC57E}" type="datetimeFigureOut">
               <a:rPr lang="de-DE" smtClean="0"/>
-              <a:t>26.01.2017</a:t>
+              <a:t>27.01.2017</a:t>
             </a:fld>
             <a:endParaRPr lang="de-DE"/>
           </a:p>
@@ -2261,7 +2740,7 @@
           <a:p>
             <a:fld id="{1BA50D42-C9CD-4801-B293-61D1F53EC57E}" type="datetimeFigureOut">
               <a:rPr lang="de-DE" smtClean="0"/>
-              <a:t>26.01.2017</a:t>
+              <a:t>27.01.2017</a:t>
             </a:fld>
             <a:endParaRPr lang="de-DE"/>
           </a:p>
@@ -2397,7 +2876,7 @@
           <a:p>
             <a:fld id="{1BA50D42-C9CD-4801-B293-61D1F53EC57E}" type="datetimeFigureOut">
               <a:rPr lang="de-DE" smtClean="0"/>
-              <a:t>26.01.2017</a:t>
+              <a:t>27.01.2017</a:t>
             </a:fld>
             <a:endParaRPr lang="de-DE"/>
           </a:p>
@@ -2915,7 +3394,7 @@
           <a:p>
             <a:fld id="{1BA50D42-C9CD-4801-B293-61D1F53EC57E}" type="datetimeFigureOut">
               <a:rPr lang="de-DE" smtClean="0"/>
-              <a:t>26.01.2017</a:t>
+              <a:t>27.01.2017</a:t>
             </a:fld>
             <a:endParaRPr lang="de-DE"/>
           </a:p>
@@ -3176,7 +3655,7 @@
           <a:p>
             <a:fld id="{1BA50D42-C9CD-4801-B293-61D1F53EC57E}" type="datetimeFigureOut">
               <a:rPr lang="de-DE" smtClean="0"/>
-              <a:t>26.01.2017</a:t>
+              <a:t>27.01.2017</a:t>
             </a:fld>
             <a:endParaRPr lang="de-DE"/>
           </a:p>
@@ -3783,11 +4262,7 @@
             </a:br>
             <a:r>
               <a:rPr lang="de-DE" smtClean="0"/>
-              <a:t>Part </a:t>
-            </a:r>
-            <a:r>
-              <a:rPr lang="de-DE" smtClean="0"/>
-              <a:t>I: </a:t>
+              <a:t>Part I: </a:t>
             </a:r>
             <a:r>
               <a:rPr lang="de-DE" dirty="0" smtClean="0"/>
@@ -4003,6 +4478,47 @@
           </a:p>
         </p:txBody>
       </p:sp>
+      <p:pic>
+        <p:nvPicPr>
+          <p:cNvPr id="5122" name="Picture 2" descr="https://ueberwachungsbuerger.files.wordpress.com/2011/04/briefgeheimnis.gif"/>
+          <p:cNvPicPr>
+            <a:picLocks noChangeAspect="1" noChangeArrowheads="1"/>
+          </p:cNvPicPr>
+          <p:nvPr/>
+        </p:nvPicPr>
+        <p:blipFill>
+          <a:blip r:embed="rId2">
+            <a:extLst>
+              <a:ext uri="{28A0092B-C50C-407E-A947-70E740481C1C}">
+                <a14:useLocalDpi xmlns:a14="http://schemas.microsoft.com/office/drawing/2010/main" val="0"/>
+              </a:ext>
+            </a:extLst>
+          </a:blip>
+          <a:srcRect/>
+          <a:stretch>
+            <a:fillRect/>
+          </a:stretch>
+        </p:blipFill>
+        <p:spPr bwMode="auto">
+          <a:xfrm>
+            <a:off x="5796136" y="4437112"/>
+            <a:ext cx="2886075" cy="2085976"/>
+          </a:xfrm>
+          <a:prstGeom prst="rect">
+            <a:avLst/>
+          </a:prstGeom>
+          <a:noFill/>
+          <a:extLst>
+            <a:ext uri="{909E8E84-426E-40DD-AFC4-6F175D3DCCD1}">
+              <a14:hiddenFill xmlns:a14="http://schemas.microsoft.com/office/drawing/2010/main">
+                <a:solidFill>
+                  <a:srgbClr val="FFFFFF"/>
+                </a:solidFill>
+              </a14:hiddenFill>
+            </a:ext>
+          </a:extLst>
+        </p:spPr>
+      </p:pic>
     </p:spTree>
     <p:extLst>
       <p:ext uri="{BB962C8B-B14F-4D97-AF65-F5344CB8AC3E}">
@@ -4299,6 +4815,47 @@
           </a:p>
         </p:txBody>
       </p:sp>
+      <p:pic>
+        <p:nvPicPr>
+          <p:cNvPr id="6146" name="Picture 2" descr="http://lh4.ggpht.com/_kIg44eoJ-PA/TJTWumZdo3I/AAAAAAAAAEo/Vd59GM-wyQM/loriot4_thumb3.jpg?imgmax=800"/>
+          <p:cNvPicPr>
+            <a:picLocks noChangeAspect="1" noChangeArrowheads="1"/>
+          </p:cNvPicPr>
+          <p:nvPr/>
+        </p:nvPicPr>
+        <p:blipFill>
+          <a:blip r:embed="rId2">
+            <a:extLst>
+              <a:ext uri="{28A0092B-C50C-407E-A947-70E740481C1C}">
+                <a14:useLocalDpi xmlns:a14="http://schemas.microsoft.com/office/drawing/2010/main" val="0"/>
+              </a:ext>
+            </a:extLst>
+          </a:blip>
+          <a:srcRect/>
+          <a:stretch>
+            <a:fillRect/>
+          </a:stretch>
+        </p:blipFill>
+        <p:spPr bwMode="auto">
+          <a:xfrm>
+            <a:off x="6012160" y="4406716"/>
+            <a:ext cx="2828156" cy="2190662"/>
+          </a:xfrm>
+          <a:prstGeom prst="rect">
+            <a:avLst/>
+          </a:prstGeom>
+          <a:noFill/>
+          <a:extLst>
+            <a:ext uri="{909E8E84-426E-40DD-AFC4-6F175D3DCCD1}">
+              <a14:hiddenFill xmlns:a14="http://schemas.microsoft.com/office/drawing/2010/main">
+                <a:solidFill>
+                  <a:srgbClr val="FFFFFF"/>
+                </a:solidFill>
+              </a14:hiddenFill>
+            </a:ext>
+          </a:extLst>
+        </p:spPr>
+      </p:pic>
     </p:spTree>
     <p:extLst>
       <p:ext uri="{BB962C8B-B14F-4D97-AF65-F5344CB8AC3E}">
@@ -4492,6 +5049,47 @@
           </a:p>
         </p:txBody>
       </p:sp>
+      <p:pic>
+        <p:nvPicPr>
+          <p:cNvPr id="7170" name="Picture 2" descr="http://www.baer-gmbh.com/produkte/modems/um-ant/ant-ri.jpg"/>
+          <p:cNvPicPr>
+            <a:picLocks noChangeAspect="1" noChangeArrowheads="1"/>
+          </p:cNvPicPr>
+          <p:nvPr/>
+        </p:nvPicPr>
+        <p:blipFill>
+          <a:blip r:embed="rId2">
+            <a:extLst>
+              <a:ext uri="{28A0092B-C50C-407E-A947-70E740481C1C}">
+                <a14:useLocalDpi xmlns:a14="http://schemas.microsoft.com/office/drawing/2010/main" val="0"/>
+              </a:ext>
+            </a:extLst>
+          </a:blip>
+          <a:srcRect/>
+          <a:stretch>
+            <a:fillRect/>
+          </a:stretch>
+        </p:blipFill>
+        <p:spPr bwMode="auto">
+          <a:xfrm>
+            <a:off x="3275856" y="4365104"/>
+            <a:ext cx="5191125" cy="2181226"/>
+          </a:xfrm>
+          <a:prstGeom prst="rect">
+            <a:avLst/>
+          </a:prstGeom>
+          <a:noFill/>
+          <a:extLst>
+            <a:ext uri="{909E8E84-426E-40DD-AFC4-6F175D3DCCD1}">
+              <a14:hiddenFill xmlns:a14="http://schemas.microsoft.com/office/drawing/2010/main">
+                <a:solidFill>
+                  <a:srgbClr val="FFFFFF"/>
+                </a:solidFill>
+              </a14:hiddenFill>
+            </a:ext>
+          </a:extLst>
+        </p:spPr>
+      </p:pic>
     </p:spTree>
     <p:extLst>
       <p:ext uri="{BB962C8B-B14F-4D97-AF65-F5344CB8AC3E}">
@@ -4667,7 +5265,18 @@
             </a:r>
             <a:r>
               <a:rPr lang="en-US" dirty="0"/>
-              <a:t> die den </a:t>
+              <a:t> die </a:t>
+            </a:r>
+            <a:r>
+              <a:rPr lang="en-US" dirty="0" smtClean="0"/>
+              <a:t/>
+            </a:r>
+            <a:br>
+              <a:rPr lang="en-US" dirty="0" smtClean="0"/>
+            </a:br>
+            <a:r>
+              <a:rPr lang="en-US" dirty="0" smtClean="0"/>
+              <a:t>den </a:t>
             </a:r>
             <a:r>
               <a:rPr lang="en-US" dirty="0" err="1"/>
@@ -4677,11 +5286,8 @@
               <a:rPr lang="en-US" dirty="0"/>
               <a:t> </a:t>
             </a:r>
-            <a:br>
-              <a:rPr lang="en-US" dirty="0"/>
-            </a:br>
-            <a:r>
-              <a:rPr lang="en-US" dirty="0" err="1"/>
+            <a:r>
+              <a:rPr lang="en-US" dirty="0" err="1" smtClean="0"/>
               <a:t>ermöglichen</a:t>
             </a:r>
             <a:endParaRPr lang="en-US" dirty="0"/>
@@ -4779,6 +5385,47 @@
           </a:p>
         </p:txBody>
       </p:sp>
+      <p:pic>
+        <p:nvPicPr>
+          <p:cNvPr id="8194" name="Picture 2" descr="C:\Users\TZeimetz\Desktop\guyfawkes.sh.png"/>
+          <p:cNvPicPr>
+            <a:picLocks noChangeAspect="1" noChangeArrowheads="1"/>
+          </p:cNvPicPr>
+          <p:nvPr/>
+        </p:nvPicPr>
+        <p:blipFill>
+          <a:blip r:embed="rId2" cstate="print">
+            <a:extLst>
+              <a:ext uri="{28A0092B-C50C-407E-A947-70E740481C1C}">
+                <a14:useLocalDpi xmlns:a14="http://schemas.microsoft.com/office/drawing/2010/main" val="0"/>
+              </a:ext>
+            </a:extLst>
+          </a:blip>
+          <a:srcRect/>
+          <a:stretch>
+            <a:fillRect/>
+          </a:stretch>
+        </p:blipFill>
+        <p:spPr bwMode="auto">
+          <a:xfrm>
+            <a:off x="6372200" y="1772816"/>
+            <a:ext cx="2520280" cy="2520280"/>
+          </a:xfrm>
+          <a:prstGeom prst="rect">
+            <a:avLst/>
+          </a:prstGeom>
+          <a:noFill/>
+          <a:extLst>
+            <a:ext uri="{909E8E84-426E-40DD-AFC4-6F175D3DCCD1}">
+              <a14:hiddenFill xmlns:a14="http://schemas.microsoft.com/office/drawing/2010/main">
+                <a:solidFill>
+                  <a:srgbClr val="FFFFFF"/>
+                </a:solidFill>
+              </a14:hiddenFill>
+            </a:ext>
+          </a:extLst>
+        </p:spPr>
+      </p:pic>
     </p:spTree>
     <p:extLst>
       <p:ext uri="{BB962C8B-B14F-4D97-AF65-F5344CB8AC3E}">
@@ -4984,84 +5631,51 @@
               <a:rPr lang="en-US" dirty="0" err="1" smtClean="0"/>
               <a:t>Strafbar</a:t>
             </a:r>
-            <a:endParaRPr lang="en-US" dirty="0" smtClean="0"/>
-          </a:p>
-          <a:p>
-            <a:pPr lvl="2" hangingPunct="0"/>
             <a:endParaRPr lang="en-US" dirty="0"/>
           </a:p>
-          <a:p>
-            <a:pPr lvl="1" hangingPunct="0"/>
-            <a:r>
-              <a:rPr lang="de-DE" altLang="zh-CN" dirty="0"/>
-              <a:t>§202d </a:t>
-            </a:r>
-            <a:r>
-              <a:rPr lang="de-DE" altLang="zh-CN" dirty="0" err="1"/>
-              <a:t>Datenhelerei</a:t>
-            </a:r>
-            <a:endParaRPr lang="de-DE" altLang="zh-CN" dirty="0"/>
-          </a:p>
-          <a:p>
-            <a:pPr lvl="2" hangingPunct="0"/>
-            <a:r>
-              <a:rPr lang="en-US" dirty="0"/>
-              <a:t>Der </a:t>
-            </a:r>
-            <a:r>
-              <a:rPr lang="en-US" dirty="0" err="1"/>
-              <a:t>Verkauf</a:t>
-            </a:r>
-            <a:r>
-              <a:rPr lang="en-US" dirty="0"/>
-              <a:t> von </a:t>
-            </a:r>
-            <a:r>
-              <a:rPr lang="en-US" dirty="0" err="1"/>
-              <a:t>rechtswidrig</a:t>
-            </a:r>
-            <a:r>
-              <a:rPr lang="en-US" dirty="0"/>
-              <a:t> </a:t>
-            </a:r>
-            <a:r>
-              <a:rPr lang="en-US" dirty="0" err="1"/>
-              <a:t>erlangten</a:t>
-            </a:r>
-            <a:r>
-              <a:rPr lang="en-US" dirty="0"/>
-              <a:t> </a:t>
-            </a:r>
-            <a:r>
-              <a:rPr lang="en-US" dirty="0" err="1"/>
-              <a:t>Daten</a:t>
-            </a:r>
-            <a:r>
-              <a:rPr lang="en-US" dirty="0"/>
-              <a:t> </a:t>
-            </a:r>
-            <a:r>
-              <a:rPr lang="en-US" dirty="0" err="1"/>
-              <a:t>ist</a:t>
-            </a:r>
-            <a:r>
-              <a:rPr lang="en-US" dirty="0"/>
-              <a:t> </a:t>
-            </a:r>
-            <a:r>
-              <a:rPr lang="en-US" dirty="0" err="1"/>
-              <a:t>strafbar</a:t>
-            </a:r>
-            <a:endParaRPr lang="en-US" dirty="0"/>
-          </a:p>
-          <a:p>
-            <a:pPr marL="365760" lvl="1" indent="0" hangingPunct="0">
-              <a:buNone/>
-            </a:pPr>
-            <a:endParaRPr lang="en-US" dirty="0"/>
-          </a:p>
-        </p:txBody>
-      </p:sp>
+        </p:txBody>
+      </p:sp>
+      <p:pic>
+        <p:nvPicPr>
+          <p:cNvPr id="9220" name="Picture 4" descr="http://www.presents4friends.com/geldgeschenke/origami-geldschein-hemd-1.jpg"/>
+          <p:cNvPicPr>
+            <a:picLocks noChangeAspect="1" noChangeArrowheads="1"/>
+          </p:cNvPicPr>
+          <p:nvPr/>
+        </p:nvPicPr>
+        <p:blipFill>
+          <a:blip r:embed="rId2">
+            <a:extLst>
+              <a:ext uri="{28A0092B-C50C-407E-A947-70E740481C1C}">
+                <a14:useLocalDpi xmlns:a14="http://schemas.microsoft.com/office/drawing/2010/main" val="0"/>
+              </a:ext>
+            </a:extLst>
+          </a:blip>
+          <a:srcRect/>
+          <a:stretch>
+            <a:fillRect/>
+          </a:stretch>
+        </p:blipFill>
+        <p:spPr bwMode="auto">
+          <a:xfrm>
+            <a:off x="4283968" y="4077072"/>
+            <a:ext cx="4524375" cy="2400301"/>
+          </a:xfrm>
+          <a:prstGeom prst="rect">
+            <a:avLst/>
+          </a:prstGeom>
+          <a:noFill/>
+          <a:extLst>
+            <a:ext uri="{909E8E84-426E-40DD-AFC4-6F175D3DCCD1}">
+              <a14:hiddenFill xmlns:a14="http://schemas.microsoft.com/office/drawing/2010/main">
+                <a:solidFill>
+                  <a:srgbClr val="FFFFFF"/>
+                </a:solidFill>
+              </a14:hiddenFill>
+            </a:ext>
+          </a:extLst>
+        </p:spPr>
+      </p:pic>
     </p:spTree>
     <p:extLst>
       <p:ext uri="{BB962C8B-B14F-4D97-AF65-F5344CB8AC3E}">
@@ -5162,195 +5776,128 @@
               <a:t>StGB</a:t>
             </a:r>
             <a:r>
-              <a:rPr lang="en-US" dirty="0"/>
+              <a:rPr lang="en-US" dirty="0" smtClean="0"/>
               <a:t>)</a:t>
             </a:r>
+            <a:endParaRPr lang="en-US" dirty="0"/>
           </a:p>
           <a:p>
             <a:pPr lvl="1" hangingPunct="0"/>
             <a:r>
               <a:rPr lang="de-DE" altLang="zh-CN" dirty="0"/>
-              <a:t>§303a Datenveränderung</a:t>
-            </a:r>
+              <a:t>§202d </a:t>
+            </a:r>
+            <a:r>
+              <a:rPr lang="de-DE" altLang="zh-CN" dirty="0" err="1"/>
+              <a:t>Datenhelerei</a:t>
+            </a:r>
+            <a:endParaRPr lang="de-DE" altLang="zh-CN" dirty="0"/>
           </a:p>
           <a:p>
             <a:pPr lvl="2" hangingPunct="0"/>
             <a:r>
-              <a:rPr lang="en-US" dirty="0" err="1"/>
-              <a:t>Eine</a:t>
-            </a:r>
-            <a:r>
-              <a:rPr lang="en-US" dirty="0"/>
-              <a:t> </a:t>
-            </a:r>
-            <a:r>
-              <a:rPr lang="en-US" dirty="0" err="1" smtClean="0"/>
-              <a:t>Abänderung</a:t>
-            </a:r>
-            <a:r>
-              <a:rPr lang="en-US" dirty="0" smtClean="0"/>
-              <a:t>, </a:t>
-            </a:r>
-            <a:r>
-              <a:rPr lang="en-US" dirty="0" err="1" smtClean="0"/>
-              <a:t>Unterdrückung</a:t>
-            </a:r>
-            <a:r>
-              <a:rPr lang="en-US" dirty="0" smtClean="0"/>
-              <a:t>, </a:t>
-            </a:r>
-            <a:r>
-              <a:rPr lang="en-US" dirty="0" err="1" smtClean="0"/>
-              <a:t>Unbrauchbarmachung</a:t>
-            </a:r>
-            <a:r>
-              <a:rPr lang="en-US" dirty="0" smtClean="0"/>
-              <a:t> und </a:t>
-            </a:r>
-            <a:r>
-              <a:rPr lang="en-US" dirty="0" err="1" smtClean="0"/>
-              <a:t>Löschung</a:t>
-            </a:r>
-            <a:r>
-              <a:rPr lang="en-US" dirty="0" smtClean="0"/>
-              <a:t> </a:t>
-            </a:r>
-            <a:r>
-              <a:rPr lang="en-US" dirty="0"/>
-              <a:t>von </a:t>
-            </a:r>
-            <a:r>
-              <a:rPr lang="en-US" dirty="0" err="1" smtClean="0"/>
+              <a:rPr lang="en-US" dirty="0"/>
+              <a:t>Der </a:t>
+            </a:r>
+            <a:r>
+              <a:rPr lang="en-US" dirty="0" err="1"/>
+              <a:t>Verkauf</a:t>
+            </a:r>
+            <a:r>
+              <a:rPr lang="en-US" dirty="0"/>
+              <a:t> von </a:t>
+            </a:r>
+            <a:r>
+              <a:rPr lang="en-US" dirty="0" err="1"/>
+              <a:t>rechtswidrig</a:t>
+            </a:r>
+            <a:r>
+              <a:rPr lang="en-US" dirty="0"/>
+              <a:t> </a:t>
+            </a:r>
+            <a:r>
+              <a:rPr lang="en-US" dirty="0" err="1"/>
+              <a:t>erlangten</a:t>
+            </a:r>
+            <a:r>
+              <a:rPr lang="en-US" dirty="0"/>
+              <a:t> </a:t>
+            </a:r>
+            <a:r>
+              <a:rPr lang="en-US" dirty="0" err="1"/>
               <a:t>Daten</a:t>
             </a:r>
             <a:r>
-              <a:rPr lang="en-US" dirty="0" smtClean="0"/>
-              <a:t> </a:t>
-            </a:r>
-            <a:r>
-              <a:rPr lang="en-US" dirty="0" err="1" smtClean="0"/>
+              <a:rPr lang="en-US" dirty="0"/>
+              <a:t> </a:t>
+            </a:r>
+            <a:r>
+              <a:rPr lang="en-US" dirty="0" err="1"/>
               <a:t>ist</a:t>
             </a:r>
             <a:r>
-              <a:rPr lang="en-US" dirty="0" smtClean="0"/>
-              <a:t> </a:t>
-            </a:r>
-            <a:r>
-              <a:rPr lang="en-US" dirty="0" err="1" smtClean="0"/>
+              <a:rPr lang="en-US" dirty="0"/>
+              <a:t> </a:t>
+            </a:r>
+            <a:r>
+              <a:rPr lang="en-US" dirty="0" err="1"/>
               <a:t>strafbar</a:t>
             </a:r>
-            <a:endParaRPr lang="en-US" dirty="0" smtClean="0"/>
-          </a:p>
-          <a:p>
-            <a:pPr lvl="2" hangingPunct="0"/>
-            <a:r>
-              <a:rPr lang="en-US" dirty="0" err="1" smtClean="0"/>
-              <a:t>Nicht</a:t>
-            </a:r>
-            <a:r>
-              <a:rPr lang="en-US" dirty="0" smtClean="0"/>
-              <a:t> </a:t>
-            </a:r>
-            <a:r>
-              <a:rPr lang="en-US" dirty="0" err="1" smtClean="0"/>
-              <a:t>als</a:t>
-            </a:r>
-            <a:r>
-              <a:rPr lang="en-US" dirty="0" smtClean="0"/>
-              <a:t> </a:t>
-            </a:r>
-            <a:r>
-              <a:rPr lang="en-US" dirty="0" err="1" smtClean="0"/>
-              <a:t>Eigentümer</a:t>
-            </a:r>
-            <a:endParaRPr lang="en-US" dirty="0" smtClean="0"/>
-          </a:p>
-          <a:p>
-            <a:pPr lvl="2" hangingPunct="0"/>
             <a:endParaRPr lang="en-US" dirty="0"/>
           </a:p>
           <a:p>
-            <a:pPr lvl="1" hangingPunct="0"/>
-            <a:r>
-              <a:rPr lang="de-DE" altLang="zh-CN" dirty="0"/>
-              <a:t>§303b Computersabotage</a:t>
-            </a:r>
-          </a:p>
-          <a:p>
-            <a:pPr lvl="2" hangingPunct="0"/>
-            <a:r>
-              <a:rPr lang="en-US" dirty="0" err="1"/>
-              <a:t>Absichtliches</a:t>
-            </a:r>
-            <a:r>
-              <a:rPr lang="en-US" dirty="0"/>
-              <a:t> </a:t>
-            </a:r>
-            <a:r>
-              <a:rPr lang="en-US" dirty="0" err="1"/>
-              <a:t>Stören</a:t>
-            </a:r>
-            <a:r>
-              <a:rPr lang="en-US" dirty="0"/>
-              <a:t> </a:t>
-            </a:r>
-            <a:r>
-              <a:rPr lang="en-US" dirty="0" err="1"/>
-              <a:t>einer</a:t>
-            </a:r>
-            <a:r>
-              <a:rPr lang="en-US" dirty="0"/>
-              <a:t> </a:t>
-            </a:r>
-            <a:r>
-              <a:rPr lang="en-US" dirty="0" err="1"/>
-              <a:t>Datenverarbeitungs</a:t>
-            </a:r>
-            <a:r>
-              <a:rPr lang="en-US" dirty="0"/>
-              <a:t>-</a:t>
-            </a:r>
-            <a:br>
-              <a:rPr lang="en-US" dirty="0"/>
-            </a:br>
-            <a:r>
-              <a:rPr lang="en-US" dirty="0"/>
-              <a:t>anlage (DVA)</a:t>
-            </a:r>
-          </a:p>
-          <a:p>
-            <a:pPr lvl="2" hangingPunct="0"/>
-            <a:r>
-              <a:rPr lang="en-US" dirty="0"/>
-              <a:t>DVAs </a:t>
-            </a:r>
-            <a:r>
-              <a:rPr lang="en-US" dirty="0" err="1"/>
-              <a:t>reichen</a:t>
-            </a:r>
-            <a:r>
-              <a:rPr lang="en-US" dirty="0"/>
-              <a:t> von Server </a:t>
-            </a:r>
-            <a:r>
-              <a:rPr lang="en-US" dirty="0" err="1"/>
-              <a:t>bis</a:t>
-            </a:r>
-            <a:r>
-              <a:rPr lang="en-US" dirty="0"/>
-              <a:t> Router</a:t>
-            </a:r>
-          </a:p>
-          <a:p>
-            <a:pPr lvl="1" hangingPunct="0"/>
+            <a:pPr marL="365760" lvl="1" indent="0" hangingPunct="0">
+              <a:buNone/>
+            </a:pPr>
             <a:endParaRPr lang="en-US" dirty="0"/>
           </a:p>
         </p:txBody>
       </p:sp>
+      <p:pic>
+        <p:nvPicPr>
+          <p:cNvPr id="10242" name="Picture 2" descr="https://www.generation-grundeinkommen.ch/sites/default/files/webform/pictures/schweiz.jpg"/>
+          <p:cNvPicPr>
+            <a:picLocks noChangeAspect="1" noChangeArrowheads="1"/>
+          </p:cNvPicPr>
+          <p:nvPr/>
+        </p:nvPicPr>
+        <p:blipFill>
+          <a:blip r:embed="rId2">
+            <a:extLst>
+              <a:ext uri="{28A0092B-C50C-407E-A947-70E740481C1C}">
+                <a14:useLocalDpi xmlns:a14="http://schemas.microsoft.com/office/drawing/2010/main" val="0"/>
+              </a:ext>
+            </a:extLst>
+          </a:blip>
+          <a:srcRect/>
+          <a:stretch>
+            <a:fillRect/>
+          </a:stretch>
+        </p:blipFill>
+        <p:spPr bwMode="auto">
+          <a:xfrm>
+            <a:off x="1979712" y="3501008"/>
+            <a:ext cx="5563824" cy="3528392"/>
+          </a:xfrm>
+          <a:prstGeom prst="rect">
+            <a:avLst/>
+          </a:prstGeom>
+          <a:noFill/>
+          <a:extLst>
+            <a:ext uri="{909E8E84-426E-40DD-AFC4-6F175D3DCCD1}">
+              <a14:hiddenFill xmlns:a14="http://schemas.microsoft.com/office/drawing/2010/main">
+                <a:solidFill>
+                  <a:srgbClr val="FFFFFF"/>
+                </a:solidFill>
+              </a14:hiddenFill>
+            </a:ext>
+          </a:extLst>
+        </p:spPr>
+      </p:pic>
     </p:spTree>
     <p:extLst>
       <p:ext uri="{BB962C8B-B14F-4D97-AF65-F5344CB8AC3E}">
-        <p14:creationId xmlns:p14="http://schemas.microsoft.com/office/powerpoint/2010/main" val="1267261016"/>
+        <p14:creationId xmlns:p14="http://schemas.microsoft.com/office/powerpoint/2010/main" val="3290338983"/>
       </p:ext>
     </p:extLst>
   </p:cSld>
@@ -5389,196 +5936,106 @@
         </p:nvSpPr>
         <p:spPr/>
         <p:txBody>
+          <a:bodyPr/>
+          <a:lstStyle/>
+          <a:p>
+            <a:r>
+              <a:rPr lang="de-DE" dirty="0" smtClean="0"/>
+              <a:t>Strafrechtliche Vorschriften</a:t>
+            </a:r>
+            <a:endParaRPr lang="de-DE" dirty="0"/>
+          </a:p>
+        </p:txBody>
+      </p:sp>
+      <p:sp>
+        <p:nvSpPr>
+          <p:cNvPr id="3" name="Inhaltsplatzhalter 2"/>
+          <p:cNvSpPr>
+            <a:spLocks noGrp="1"/>
+          </p:cNvSpPr>
+          <p:nvPr>
+            <p:ph sz="quarter" idx="1"/>
+          </p:nvPr>
+        </p:nvSpPr>
+        <p:spPr/>
+        <p:txBody>
           <a:bodyPr>
-            <a:normAutofit fontScale="90000"/>
+            <a:normAutofit/>
           </a:bodyPr>
           <a:lstStyle/>
           <a:p>
-            <a:r>
-              <a:rPr lang="en-US" dirty="0" err="1"/>
-              <a:t>Besondere</a:t>
-            </a:r>
-            <a:r>
-              <a:rPr lang="en-US" dirty="0"/>
-              <a:t> </a:t>
-            </a:r>
-            <a:r>
-              <a:rPr lang="en-US" dirty="0" err="1"/>
-              <a:t>Bedingungen</a:t>
-            </a:r>
-            <a:r>
-              <a:rPr lang="en-US" dirty="0"/>
-              <a:t> </a:t>
-            </a:r>
-            <a:r>
-              <a:rPr lang="en-US" dirty="0" err="1"/>
-              <a:t>für</a:t>
-            </a:r>
-            <a:r>
-              <a:rPr lang="en-US" dirty="0"/>
-              <a:t> die </a:t>
-            </a:r>
-            <a:r>
-              <a:rPr lang="en-US" dirty="0" err="1"/>
-              <a:t>Universität</a:t>
-            </a:r>
-            <a:r>
-              <a:rPr lang="en-US" dirty="0"/>
-              <a:t> Trier</a:t>
-            </a:r>
-            <a:endParaRPr lang="de-DE" dirty="0"/>
-          </a:p>
-        </p:txBody>
-      </p:sp>
-      <p:sp>
-        <p:nvSpPr>
-          <p:cNvPr id="3" name="Inhaltsplatzhalter 2"/>
-          <p:cNvSpPr>
-            <a:spLocks noGrp="1"/>
-          </p:cNvSpPr>
-          <p:nvPr>
-            <p:ph sz="quarter" idx="1"/>
-          </p:nvPr>
-        </p:nvSpPr>
-        <p:spPr/>
-        <p:txBody>
-          <a:bodyPr/>
-          <a:lstStyle/>
-          <a:p>
-            <a:pPr lvl="0"/>
-            <a:r>
-              <a:rPr lang="en-US" dirty="0" err="1"/>
-              <a:t>Bisherige</a:t>
-            </a:r>
-            <a:r>
-              <a:rPr lang="en-US" dirty="0"/>
-              <a:t> </a:t>
-            </a:r>
-            <a:r>
-              <a:rPr lang="en-US" dirty="0" err="1"/>
-              <a:t>Gesetze</a:t>
-            </a:r>
-            <a:r>
-              <a:rPr lang="en-US" dirty="0"/>
-              <a:t> und </a:t>
-            </a:r>
-            <a:r>
-              <a:rPr lang="en-US" dirty="0" err="1"/>
-              <a:t>Verordnungen</a:t>
-            </a:r>
-            <a:endParaRPr lang="en-US" dirty="0"/>
-          </a:p>
-          <a:p>
-            <a:pPr lvl="0"/>
-            <a:r>
-              <a:rPr lang="en-US" dirty="0" err="1"/>
-              <a:t>Gelten</a:t>
-            </a:r>
-            <a:r>
-              <a:rPr lang="en-US" dirty="0"/>
-              <a:t> </a:t>
-            </a:r>
-            <a:r>
-              <a:rPr lang="en-US" dirty="0" err="1"/>
-              <a:t>ist</a:t>
-            </a:r>
-            <a:r>
-              <a:rPr lang="en-US" dirty="0"/>
-              <a:t> das </a:t>
-            </a:r>
-            <a:r>
-              <a:rPr lang="en-US" dirty="0" err="1"/>
-              <a:t>Hochschulgesetz</a:t>
-            </a:r>
-            <a:r>
-              <a:rPr lang="en-US" dirty="0"/>
-              <a:t> (HG)</a:t>
+            <a:pPr lvl="0">
+              <a:buNone/>
+            </a:pPr>
+            <a:r>
+              <a:rPr lang="en-US" dirty="0" err="1"/>
+              <a:t>Geregelt</a:t>
+            </a:r>
+            <a:r>
+              <a:rPr lang="en-US" dirty="0"/>
+              <a:t> </a:t>
+            </a:r>
+            <a:r>
+              <a:rPr lang="en-US" dirty="0" err="1"/>
+              <a:t>im</a:t>
+            </a:r>
+            <a:r>
+              <a:rPr lang="en-US" dirty="0"/>
+              <a:t> </a:t>
+            </a:r>
+            <a:r>
+              <a:rPr lang="en-US" dirty="0" err="1"/>
+              <a:t>Strafgesetzbuch</a:t>
+            </a:r>
+            <a:r>
+              <a:rPr lang="en-US" dirty="0"/>
+              <a:t> (</a:t>
+            </a:r>
+            <a:r>
+              <a:rPr lang="en-US" dirty="0" err="1"/>
+              <a:t>StGB</a:t>
+            </a:r>
+            <a:r>
+              <a:rPr lang="en-US" dirty="0"/>
+              <a:t>)</a:t>
             </a:r>
           </a:p>
           <a:p>
             <a:pPr lvl="1" hangingPunct="0"/>
             <a:r>
               <a:rPr lang="de-DE" altLang="zh-CN" dirty="0"/>
-              <a:t>§3 Freiheit von Kunst und Wissenschaft, Forschung, Lehre und Studium</a:t>
-            </a:r>
-          </a:p>
-          <a:p>
-            <a:pPr lvl="1" hangingPunct="0"/>
+              <a:t>§303a Datenveränderung</a:t>
+            </a:r>
+          </a:p>
+          <a:p>
+            <a:pPr lvl="2" hangingPunct="0"/>
+            <a:r>
+              <a:rPr lang="en-US" dirty="0" err="1"/>
+              <a:t>Eine</a:t>
+            </a:r>
+            <a:r>
+              <a:rPr lang="en-US" dirty="0"/>
+              <a:t> </a:t>
+            </a:r>
             <a:r>
               <a:rPr lang="en-US" dirty="0" err="1" smtClean="0"/>
-              <a:t>Bisher</a:t>
+              <a:t>Abänderung</a:t>
             </a:r>
             <a:r>
               <a:rPr lang="en-US" dirty="0" smtClean="0"/>
-              <a:t> </a:t>
-            </a:r>
-            <a:r>
-              <a:rPr lang="en-US" dirty="0" err="1"/>
-              <a:t>genannte</a:t>
-            </a:r>
-            <a:r>
-              <a:rPr lang="en-US" dirty="0"/>
-              <a:t> </a:t>
-            </a:r>
-            <a:r>
-              <a:rPr lang="en-US" dirty="0" err="1"/>
-              <a:t>Gesetze</a:t>
-            </a:r>
-            <a:r>
-              <a:rPr lang="en-US" dirty="0"/>
-              <a:t> </a:t>
-            </a:r>
-            <a:r>
-              <a:rPr lang="en-US" dirty="0" err="1"/>
-              <a:t>bilden</a:t>
-            </a:r>
-            <a:r>
-              <a:rPr lang="en-US" dirty="0"/>
-              <a:t> den </a:t>
+              <a:t>, </a:t>
             </a:r>
             <a:r>
               <a:rPr lang="en-US" dirty="0" err="1" smtClean="0"/>
-              <a:t>Rahmen</a:t>
-            </a:r>
-            <a:endParaRPr lang="en-US" dirty="0" smtClean="0"/>
-          </a:p>
-          <a:p>
-            <a:pPr lvl="1" hangingPunct="0"/>
+              <a:t>Unterdrückung</a:t>
+            </a:r>
+            <a:r>
+              <a:rPr lang="en-US" dirty="0" smtClean="0"/>
+              <a:t>, </a:t>
+            </a:r>
             <a:r>
               <a:rPr lang="en-US" dirty="0" err="1" smtClean="0"/>
-              <a:t>Beschlüsse</a:t>
-            </a:r>
-            <a:r>
-              <a:rPr lang="en-US" dirty="0" smtClean="0"/>
-              <a:t> </a:t>
-            </a:r>
-            <a:r>
-              <a:rPr lang="en-US" dirty="0" err="1" smtClean="0"/>
-              <a:t>sind</a:t>
-            </a:r>
-            <a:r>
-              <a:rPr lang="en-US" dirty="0" smtClean="0"/>
-              <a:t> </a:t>
-            </a:r>
-            <a:r>
-              <a:rPr lang="en-US" dirty="0" err="1" smtClean="0"/>
-              <a:t>zulässig</a:t>
-            </a:r>
-            <a:r>
-              <a:rPr lang="en-US" dirty="0" smtClean="0"/>
-              <a:t> </a:t>
-            </a:r>
-            <a:r>
-              <a:rPr lang="en-US" dirty="0" err="1" smtClean="0"/>
-              <a:t>wenn</a:t>
-            </a:r>
-            <a:r>
-              <a:rPr lang="en-US" dirty="0" smtClean="0"/>
-              <a:t> </a:t>
-            </a:r>
-            <a:r>
-              <a:rPr lang="en-US" dirty="0" err="1" smtClean="0"/>
-              <a:t>Forschung</a:t>
+              <a:t>Unbrauchbarmachung</a:t>
             </a:r>
             <a:r>
               <a:rPr lang="en-US" dirty="0" smtClean="0"/>
@@ -5586,15 +6043,19 @@
             </a:r>
             <a:r>
               <a:rPr lang="en-US" dirty="0" err="1" smtClean="0"/>
-              <a:t>Lehre</a:t>
+              <a:t>Löschung</a:t>
             </a:r>
             <a:r>
               <a:rPr lang="en-US" dirty="0" smtClean="0"/>
               <a:t> </a:t>
             </a:r>
             <a:r>
+              <a:rPr lang="en-US" dirty="0"/>
+              <a:t>von </a:t>
+            </a:r>
+            <a:r>
               <a:rPr lang="en-US" dirty="0" err="1" smtClean="0"/>
-              <a:t>nicht</a:t>
+              <a:t>Daten</a:t>
             </a:r>
             <a:r>
               <a:rPr lang="en-US" dirty="0" smtClean="0"/>
@@ -5602,7 +6063,7 @@
             </a:r>
             <a:r>
               <a:rPr lang="en-US" dirty="0" err="1" smtClean="0"/>
-              <a:t>behindert</a:t>
+              <a:t>ist</a:t>
             </a:r>
             <a:r>
               <a:rPr lang="en-US" dirty="0" smtClean="0"/>
@@ -5610,16 +6071,89 @@
             </a:r>
             <a:r>
               <a:rPr lang="en-US" dirty="0" err="1" smtClean="0"/>
-              <a:t>werden</a:t>
-            </a:r>
+              <a:t>strafbar</a:t>
+            </a:r>
+            <a:endParaRPr lang="en-US" dirty="0" smtClean="0"/>
+          </a:p>
+          <a:p>
+            <a:pPr lvl="2" hangingPunct="0"/>
+            <a:r>
+              <a:rPr lang="en-US" dirty="0" err="1" smtClean="0"/>
+              <a:t>Nicht</a:t>
+            </a:r>
+            <a:r>
+              <a:rPr lang="en-US" dirty="0" smtClean="0"/>
+              <a:t> </a:t>
+            </a:r>
+            <a:r>
+              <a:rPr lang="en-US" dirty="0" err="1" smtClean="0"/>
+              <a:t>als</a:t>
+            </a:r>
+            <a:r>
+              <a:rPr lang="en-US" dirty="0" smtClean="0"/>
+              <a:t> </a:t>
+            </a:r>
+            <a:r>
+              <a:rPr lang="en-US" dirty="0" err="1" smtClean="0"/>
+              <a:t>Eigentümer</a:t>
+            </a:r>
+            <a:endParaRPr lang="en-US" dirty="0" smtClean="0"/>
+          </a:p>
+          <a:p>
+            <a:pPr lvl="2" hangingPunct="0"/>
             <a:endParaRPr lang="en-US" dirty="0"/>
           </a:p>
-        </p:txBody>
-      </p:sp>
+          <a:p>
+            <a:pPr lvl="1" hangingPunct="0"/>
+            <a:endParaRPr lang="en-US" dirty="0"/>
+          </a:p>
+        </p:txBody>
+      </p:sp>
+      <p:pic>
+        <p:nvPicPr>
+          <p:cNvPr id="11268" name="Picture 4" descr="http://julius-hensel.ch/wp-content/uploads/2016/12/313759917.jpg"/>
+          <p:cNvPicPr>
+            <a:picLocks noChangeAspect="1" noChangeArrowheads="1"/>
+          </p:cNvPicPr>
+          <p:nvPr/>
+        </p:nvPicPr>
+        <p:blipFill>
+          <a:blip r:embed="rId2">
+            <a:extLst>
+              <a:ext uri="{28A0092B-C50C-407E-A947-70E740481C1C}">
+                <a14:useLocalDpi xmlns:a14="http://schemas.microsoft.com/office/drawing/2010/main" val="0"/>
+              </a:ext>
+            </a:extLst>
+          </a:blip>
+          <a:srcRect/>
+          <a:stretch>
+            <a:fillRect/>
+          </a:stretch>
+        </p:blipFill>
+        <p:spPr bwMode="auto">
+          <a:xfrm>
+            <a:off x="5004048" y="4159192"/>
+            <a:ext cx="3719165" cy="2324478"/>
+          </a:xfrm>
+          <a:prstGeom prst="rect">
+            <a:avLst/>
+          </a:prstGeom>
+          <a:noFill/>
+          <a:extLst>
+            <a:ext uri="{909E8E84-426E-40DD-AFC4-6F175D3DCCD1}">
+              <a14:hiddenFill xmlns:a14="http://schemas.microsoft.com/office/drawing/2010/main">
+                <a:solidFill>
+                  <a:srgbClr val="FFFFFF"/>
+                </a:solidFill>
+              </a14:hiddenFill>
+            </a:ext>
+          </a:extLst>
+        </p:spPr>
+      </p:pic>
     </p:spTree>
     <p:extLst>
       <p:ext uri="{BB962C8B-B14F-4D97-AF65-F5344CB8AC3E}">
-        <p14:creationId xmlns:p14="http://schemas.microsoft.com/office/powerpoint/2010/main" val="168387517"/>
+        <p14:creationId xmlns:p14="http://schemas.microsoft.com/office/powerpoint/2010/main" val="1267261016"/>
       </p:ext>
     </p:extLst>
   </p:cSld>
@@ -5663,7 +6197,7 @@
           <a:p>
             <a:r>
               <a:rPr lang="de-DE" dirty="0" smtClean="0"/>
-              <a:t>Bedingungen der Universität Trier</a:t>
+              <a:t>Strafrechtliche Vorschriften</a:t>
             </a:r>
             <a:endParaRPr lang="de-DE" dirty="0"/>
           </a:p>
@@ -5681,79 +6215,179 @@
         </p:nvSpPr>
         <p:spPr/>
         <p:txBody>
-          <a:bodyPr/>
-          <a:lstStyle/>
-          <a:p>
-            <a:pPr lvl="0"/>
-            <a:r>
-              <a:rPr lang="en-US" dirty="0" err="1"/>
-              <a:t>Teilgrundordnung</a:t>
-            </a:r>
-            <a:r>
-              <a:rPr lang="en-US" dirty="0"/>
-              <a:t> </a:t>
-            </a:r>
-            <a:r>
-              <a:rPr lang="en-US" dirty="0" err="1"/>
-              <a:t>vom</a:t>
-            </a:r>
-            <a:r>
-              <a:rPr lang="en-US" dirty="0"/>
-              <a:t> ZIMK</a:t>
-            </a:r>
-          </a:p>
-          <a:p>
-            <a:pPr lvl="0"/>
-            <a:r>
-              <a:rPr lang="en-US" dirty="0" err="1"/>
-              <a:t>Benutzerordnung</a:t>
-            </a:r>
-            <a:r>
-              <a:rPr lang="en-US" dirty="0"/>
-              <a:t> der CIP-Pools</a:t>
-            </a:r>
-          </a:p>
-          <a:p>
-            <a:pPr lvl="0"/>
-            <a:r>
-              <a:rPr lang="en-US" dirty="0" err="1"/>
-              <a:t>Dienstanweisungen</a:t>
-            </a:r>
-            <a:r>
-              <a:rPr lang="en-US" dirty="0"/>
-              <a:t> </a:t>
-            </a:r>
-            <a:r>
-              <a:rPr lang="en-US" dirty="0" err="1"/>
-              <a:t>über</a:t>
-            </a:r>
-            <a:r>
-              <a:rPr lang="en-US" dirty="0"/>
-              <a:t> </a:t>
-            </a:r>
-            <a:r>
-              <a:rPr lang="en-US" dirty="0" err="1"/>
-              <a:t>Datenschutz</a:t>
-            </a:r>
-            <a:r>
-              <a:rPr lang="en-US" dirty="0"/>
-              <a:t> und die </a:t>
-            </a:r>
-            <a:r>
-              <a:rPr lang="en-US" dirty="0" err="1"/>
-              <a:t>Datensicherung</a:t>
+          <a:bodyPr>
+            <a:normAutofit/>
+          </a:bodyPr>
+          <a:lstStyle/>
+          <a:p>
+            <a:pPr lvl="0">
+              <a:buNone/>
+            </a:pPr>
+            <a:r>
+              <a:rPr lang="en-US" dirty="0" err="1"/>
+              <a:t>Geregelt</a:t>
+            </a:r>
+            <a:r>
+              <a:rPr lang="en-US" dirty="0"/>
+              <a:t> </a:t>
+            </a:r>
+            <a:r>
+              <a:rPr lang="en-US" dirty="0" err="1"/>
+              <a:t>im</a:t>
+            </a:r>
+            <a:r>
+              <a:rPr lang="en-US" dirty="0"/>
+              <a:t> </a:t>
+            </a:r>
+            <a:r>
+              <a:rPr lang="en-US" dirty="0" err="1"/>
+              <a:t>Strafgesetzbuch</a:t>
+            </a:r>
+            <a:r>
+              <a:rPr lang="en-US" dirty="0"/>
+              <a:t> (</a:t>
+            </a:r>
+            <a:r>
+              <a:rPr lang="en-US" dirty="0" err="1"/>
+              <a:t>StGB</a:t>
+            </a:r>
+            <a:r>
+              <a:rPr lang="en-US" dirty="0"/>
+              <a:t>)</a:t>
+            </a:r>
+          </a:p>
+          <a:p>
+            <a:pPr lvl="1" hangingPunct="0"/>
+            <a:r>
+              <a:rPr lang="de-DE" altLang="zh-CN" dirty="0"/>
+              <a:t>§303b Computersabotage</a:t>
+            </a:r>
+          </a:p>
+          <a:p>
+            <a:pPr lvl="2" hangingPunct="0"/>
+            <a:r>
+              <a:rPr lang="en-US" dirty="0" err="1"/>
+              <a:t>Absichtliches</a:t>
+            </a:r>
+            <a:r>
+              <a:rPr lang="en-US" dirty="0"/>
+              <a:t> </a:t>
+            </a:r>
+            <a:r>
+              <a:rPr lang="en-US" dirty="0" err="1"/>
+              <a:t>Stören</a:t>
+            </a:r>
+            <a:r>
+              <a:rPr lang="en-US" dirty="0"/>
+              <a:t> </a:t>
+            </a:r>
+            <a:r>
+              <a:rPr lang="en-US" dirty="0" err="1"/>
+              <a:t>einer</a:t>
+            </a:r>
+            <a:r>
+              <a:rPr lang="en-US" dirty="0"/>
+              <a:t> </a:t>
+            </a:r>
+            <a:r>
+              <a:rPr lang="en-US" dirty="0" err="1"/>
+              <a:t>Datenver</a:t>
+            </a:r>
+            <a:r>
+              <a:rPr lang="en-US" dirty="0"/>
+              <a:t>-</a:t>
+            </a:r>
+            <a:br>
+              <a:rPr lang="en-US" dirty="0"/>
+            </a:br>
+            <a:r>
+              <a:rPr lang="en-US" dirty="0" err="1"/>
+              <a:t>arbeitungsanlage</a:t>
+            </a:r>
+            <a:r>
+              <a:rPr lang="en-US" dirty="0"/>
+              <a:t> (DVA)</a:t>
+            </a:r>
+          </a:p>
+          <a:p>
+            <a:pPr lvl="2" hangingPunct="0"/>
+            <a:r>
+              <a:rPr lang="en-US" dirty="0"/>
+              <a:t>DVAs </a:t>
+            </a:r>
+            <a:r>
+              <a:rPr lang="en-US" dirty="0" err="1"/>
+              <a:t>reichen</a:t>
+            </a:r>
+            <a:r>
+              <a:rPr lang="en-US" dirty="0"/>
+              <a:t> von Server </a:t>
+            </a:r>
+            <a:r>
+              <a:rPr lang="en-US" dirty="0" err="1"/>
+              <a:t>bis</a:t>
+            </a:r>
+            <a:r>
+              <a:rPr lang="en-US" dirty="0"/>
+              <a:t> </a:t>
+            </a:r>
+            <a:r>
+              <a:rPr lang="en-US" dirty="0" smtClean="0"/>
+              <a:t>Router</a:t>
             </a:r>
             <a:endParaRPr lang="en-US" dirty="0"/>
           </a:p>
           <a:p>
-            <a:endParaRPr lang="de-DE" dirty="0"/>
-          </a:p>
-        </p:txBody>
-      </p:sp>
+            <a:pPr lvl="1" hangingPunct="0"/>
+            <a:endParaRPr lang="en-US" dirty="0"/>
+          </a:p>
+        </p:txBody>
+      </p:sp>
+      <p:pic>
+        <p:nvPicPr>
+          <p:cNvPr id="11266" name="Picture 2" descr="https://de.toonpool.com/user/65/files/bnd_und_nsa_2047315.jpg"/>
+          <p:cNvPicPr>
+            <a:picLocks noChangeAspect="1" noChangeArrowheads="1"/>
+          </p:cNvPicPr>
+          <p:nvPr/>
+        </p:nvPicPr>
+        <p:blipFill>
+          <a:blip r:embed="rId2">
+            <a:extLst>
+              <a:ext uri="{28A0092B-C50C-407E-A947-70E740481C1C}">
+                <a14:useLocalDpi xmlns:a14="http://schemas.microsoft.com/office/drawing/2010/main" val="0"/>
+              </a:ext>
+            </a:extLst>
+          </a:blip>
+          <a:srcRect/>
+          <a:stretch>
+            <a:fillRect/>
+          </a:stretch>
+        </p:blipFill>
+        <p:spPr bwMode="auto">
+          <a:xfrm>
+            <a:off x="4860032" y="3933056"/>
+            <a:ext cx="3754388" cy="2710669"/>
+          </a:xfrm>
+          <a:prstGeom prst="rect">
+            <a:avLst/>
+          </a:prstGeom>
+          <a:noFill/>
+          <a:extLst>
+            <a:ext uri="{909E8E84-426E-40DD-AFC4-6F175D3DCCD1}">
+              <a14:hiddenFill xmlns:a14="http://schemas.microsoft.com/office/drawing/2010/main">
+                <a:solidFill>
+                  <a:srgbClr val="FFFFFF"/>
+                </a:solidFill>
+              </a14:hiddenFill>
+            </a:ext>
+          </a:extLst>
+        </p:spPr>
+      </p:pic>
     </p:spTree>
     <p:extLst>
       <p:ext uri="{BB962C8B-B14F-4D97-AF65-F5344CB8AC3E}">
-        <p14:creationId xmlns:p14="http://schemas.microsoft.com/office/powerpoint/2010/main" val="266801801"/>
+        <p14:creationId xmlns:p14="http://schemas.microsoft.com/office/powerpoint/2010/main" val="47824702"/>
       </p:ext>
     </p:extLst>
   </p:cSld>
@@ -5793,13 +6427,41 @@
         <p:spPr/>
         <p:txBody>
           <a:bodyPr>
-            <a:normAutofit/>
+            <a:normAutofit fontScale="90000"/>
           </a:bodyPr>
           <a:lstStyle/>
           <a:p>
             <a:r>
-              <a:rPr lang="de-DE" dirty="0" smtClean="0"/>
-              <a:t>Aufgabe 2</a:t>
+              <a:rPr lang="en-US" dirty="0" err="1"/>
+              <a:t>Besondere</a:t>
+            </a:r>
+            <a:r>
+              <a:rPr lang="en-US" dirty="0"/>
+              <a:t> </a:t>
+            </a:r>
+            <a:r>
+              <a:rPr lang="en-US" dirty="0" err="1"/>
+              <a:t>Bedingungen</a:t>
+            </a:r>
+            <a:r>
+              <a:rPr lang="en-US" dirty="0"/>
+              <a:t> </a:t>
+            </a:r>
+            <a:r>
+              <a:rPr lang="en-US" dirty="0" err="1"/>
+              <a:t>für</a:t>
+            </a:r>
+            <a:r>
+              <a:rPr lang="en-US" dirty="0"/>
+              <a:t> die </a:t>
+            </a:r>
+            <a:r>
+              <a:rPr lang="en-US" dirty="0" err="1"/>
+              <a:t>Universität</a:t>
+            </a:r>
+            <a:r>
+              <a:rPr lang="en-US" dirty="0"/>
+              <a:t> Trier</a:t>
             </a:r>
             <a:endParaRPr lang="de-DE" dirty="0"/>
           </a:p>
@@ -5823,129 +6485,178 @@
             <a:pPr lvl="0"/>
             <a:r>
               <a:rPr lang="en-US" dirty="0" err="1"/>
-              <a:t>Wie</a:t>
-            </a:r>
-            <a:r>
-              <a:rPr lang="en-US" dirty="0"/>
-              <a:t> </a:t>
-            </a:r>
-            <a:r>
-              <a:rPr lang="en-US" dirty="0" err="1"/>
+              <a:t>Bisherige</a:t>
+            </a:r>
+            <a:r>
+              <a:rPr lang="en-US" dirty="0"/>
+              <a:t> </a:t>
+            </a:r>
+            <a:r>
+              <a:rPr lang="en-US" dirty="0" err="1"/>
+              <a:t>Gesetze</a:t>
+            </a:r>
+            <a:r>
+              <a:rPr lang="en-US" dirty="0"/>
+              <a:t> und </a:t>
+            </a:r>
+            <a:r>
+              <a:rPr lang="en-US" dirty="0" err="1"/>
+              <a:t>Verordnungen</a:t>
+            </a:r>
+            <a:endParaRPr lang="en-US" dirty="0"/>
+          </a:p>
+          <a:p>
+            <a:pPr lvl="0"/>
+            <a:r>
+              <a:rPr lang="en-US" dirty="0" err="1"/>
+              <a:t>Gelten</a:t>
+            </a:r>
+            <a:r>
+              <a:rPr lang="en-US" dirty="0"/>
+              <a:t> </a:t>
+            </a:r>
+            <a:r>
+              <a:rPr lang="en-US" dirty="0" err="1"/>
+              <a:t>ist</a:t>
+            </a:r>
+            <a:r>
+              <a:rPr lang="en-US" dirty="0"/>
+              <a:t> das </a:t>
+            </a:r>
+            <a:r>
+              <a:rPr lang="en-US" dirty="0" err="1"/>
+              <a:t>Hochschulgesetz</a:t>
+            </a:r>
+            <a:r>
+              <a:rPr lang="en-US" dirty="0"/>
+              <a:t> (HG)</a:t>
+            </a:r>
+          </a:p>
+          <a:p>
+            <a:pPr lvl="1" hangingPunct="0"/>
+            <a:r>
+              <a:rPr lang="de-DE" altLang="zh-CN" dirty="0"/>
+              <a:t>§3 Freiheit von Kunst und Wissenschaft, Forschung, Lehre und Studium</a:t>
+            </a:r>
+          </a:p>
+          <a:p>
+            <a:pPr lvl="1" hangingPunct="0"/>
+            <a:r>
+              <a:rPr lang="en-US" dirty="0" err="1" smtClean="0"/>
+              <a:t>Bisher</a:t>
+            </a:r>
+            <a:r>
+              <a:rPr lang="en-US" dirty="0" smtClean="0"/>
+              <a:t> </a:t>
+            </a:r>
+            <a:r>
+              <a:rPr lang="en-US" dirty="0" err="1"/>
+              <a:t>genannte</a:t>
+            </a:r>
+            <a:r>
+              <a:rPr lang="en-US" dirty="0"/>
+              <a:t> </a:t>
+            </a:r>
+            <a:r>
+              <a:rPr lang="en-US" dirty="0" err="1"/>
+              <a:t>Gesetze</a:t>
+            </a:r>
+            <a:r>
+              <a:rPr lang="en-US" dirty="0"/>
+              <a:t> </a:t>
+            </a:r>
+            <a:r>
+              <a:rPr lang="en-US" dirty="0" err="1"/>
+              <a:t>bilden</a:t>
+            </a:r>
+            <a:r>
+              <a:rPr lang="en-US" dirty="0"/>
+              <a:t> den </a:t>
+            </a:r>
+            <a:r>
+              <a:rPr lang="en-US" dirty="0" err="1" smtClean="0"/>
+              <a:t>Rahmen</a:t>
+            </a:r>
+            <a:endParaRPr lang="en-US" dirty="0" smtClean="0"/>
+          </a:p>
+          <a:p>
+            <a:pPr lvl="1" hangingPunct="0"/>
+            <a:r>
+              <a:rPr lang="en-US" dirty="0" err="1" smtClean="0"/>
+              <a:t>Beschlüsse</a:t>
+            </a:r>
+            <a:r>
+              <a:rPr lang="en-US" dirty="0" smtClean="0"/>
+              <a:t> </a:t>
+            </a:r>
+            <a:r>
+              <a:rPr lang="en-US" dirty="0" err="1" smtClean="0"/>
               <a:t>sind</a:t>
             </a:r>
             <a:r>
-              <a:rPr lang="en-US" dirty="0"/>
-              <a:t> </a:t>
-            </a:r>
-            <a:r>
-              <a:rPr lang="en-US" dirty="0" err="1"/>
-              <a:t>Funknetzwerke</a:t>
-            </a:r>
-            <a:r>
-              <a:rPr lang="en-US" dirty="0"/>
-              <a:t> </a:t>
-            </a:r>
-            <a:r>
-              <a:rPr lang="en-US" dirty="0" err="1"/>
-              <a:t>gegen</a:t>
-            </a:r>
-            <a:r>
-              <a:rPr lang="en-US" dirty="0"/>
-              <a:t> die </a:t>
-            </a:r>
-            <a:r>
-              <a:rPr lang="en-US" dirty="0" err="1"/>
-              <a:t>Nutzung</a:t>
-            </a:r>
-            <a:r>
-              <a:rPr lang="en-US" dirty="0"/>
-              <a:t> von </a:t>
-            </a:r>
-            <a:r>
-              <a:rPr lang="en-US" dirty="0" err="1"/>
-              <a:t>Dritten</a:t>
-            </a:r>
-            <a:r>
-              <a:rPr lang="en-US" dirty="0"/>
-              <a:t> </a:t>
-            </a:r>
-            <a:r>
-              <a:rPr lang="en-US" dirty="0" err="1"/>
-              <a:t>rechtlich</a:t>
-            </a:r>
-            <a:r>
-              <a:rPr lang="en-US" dirty="0"/>
-              <a:t> </a:t>
-            </a:r>
-            <a:r>
-              <a:rPr lang="en-US" dirty="0" err="1"/>
-              <a:t>Geschützt</a:t>
-            </a:r>
-            <a:r>
-              <a:rPr lang="en-US" dirty="0"/>
-              <a:t>?</a:t>
-            </a:r>
-          </a:p>
-          <a:p>
-            <a:pPr lvl="0"/>
-            <a:r>
-              <a:rPr lang="en-US" dirty="0" err="1"/>
-              <a:t>Inwiefern</a:t>
-            </a:r>
-            <a:r>
-              <a:rPr lang="en-US" dirty="0"/>
-              <a:t> </a:t>
-            </a:r>
-            <a:r>
-              <a:rPr lang="en-US" dirty="0" err="1"/>
-              <a:t>ist</a:t>
-            </a:r>
-            <a:r>
-              <a:rPr lang="en-US" dirty="0"/>
-              <a:t> das </a:t>
-            </a:r>
-            <a:r>
-              <a:rPr lang="en-US" dirty="0" err="1"/>
-              <a:t>Abhören</a:t>
-            </a:r>
-            <a:r>
-              <a:rPr lang="en-US" dirty="0"/>
-              <a:t> von </a:t>
-            </a:r>
-            <a:r>
-              <a:rPr lang="en-US" dirty="0" err="1"/>
-              <a:t>verschlüsselten</a:t>
-            </a:r>
-            <a:r>
-              <a:rPr lang="en-US" dirty="0"/>
-              <a:t> </a:t>
-            </a:r>
-            <a:r>
-              <a:rPr lang="en-US" dirty="0" err="1"/>
-              <a:t>Funkdaten</a:t>
-            </a:r>
-            <a:r>
-              <a:rPr lang="en-US" dirty="0"/>
-              <a:t> </a:t>
-            </a:r>
-            <a:r>
-              <a:rPr lang="en-US" dirty="0" err="1"/>
-              <a:t>rechtlich</a:t>
-            </a:r>
-            <a:r>
-              <a:rPr lang="en-US" dirty="0"/>
-              <a:t> verboten?</a:t>
-            </a:r>
-          </a:p>
-          <a:p>
-            <a:endParaRPr lang="de-DE" dirty="0"/>
+              <a:rPr lang="en-US" dirty="0" smtClean="0"/>
+              <a:t> </a:t>
+            </a:r>
+            <a:r>
+              <a:rPr lang="en-US" dirty="0" err="1" smtClean="0"/>
+              <a:t>zulässig</a:t>
+            </a:r>
+            <a:r>
+              <a:rPr lang="en-US" dirty="0" smtClean="0"/>
+              <a:t> </a:t>
+            </a:r>
+            <a:r>
+              <a:rPr lang="en-US" dirty="0" err="1" smtClean="0"/>
+              <a:t>wenn</a:t>
+            </a:r>
+            <a:r>
+              <a:rPr lang="en-US" dirty="0" smtClean="0"/>
+              <a:t> </a:t>
+            </a:r>
+            <a:r>
+              <a:rPr lang="en-US" dirty="0" err="1" smtClean="0"/>
+              <a:t>Forschung</a:t>
+            </a:r>
+            <a:r>
+              <a:rPr lang="en-US" dirty="0" smtClean="0"/>
+              <a:t> und </a:t>
+            </a:r>
+            <a:r>
+              <a:rPr lang="en-US" dirty="0" err="1" smtClean="0"/>
+              <a:t>Lehre</a:t>
+            </a:r>
+            <a:r>
+              <a:rPr lang="en-US" dirty="0" smtClean="0"/>
+              <a:t> </a:t>
+            </a:r>
+            <a:r>
+              <a:rPr lang="en-US" dirty="0" err="1" smtClean="0"/>
+              <a:t>nicht</a:t>
+            </a:r>
+            <a:r>
+              <a:rPr lang="en-US" dirty="0" smtClean="0"/>
+              <a:t> </a:t>
+            </a:r>
+            <a:r>
+              <a:rPr lang="en-US" dirty="0" err="1" smtClean="0"/>
+              <a:t>behindert</a:t>
+            </a:r>
+            <a:r>
+              <a:rPr lang="en-US" dirty="0" smtClean="0"/>
+              <a:t> </a:t>
+            </a:r>
+            <a:r>
+              <a:rPr lang="en-US" dirty="0" err="1" smtClean="0"/>
+              <a:t>werden</a:t>
+            </a:r>
+            <a:endParaRPr lang="en-US" dirty="0"/>
           </a:p>
         </p:txBody>
       </p:sp>
     </p:spTree>
     <p:extLst>
       <p:ext uri="{BB962C8B-B14F-4D97-AF65-F5344CB8AC3E}">
-        <p14:creationId xmlns:p14="http://schemas.microsoft.com/office/powerpoint/2010/main" val="4051464565"/>
+        <p14:creationId xmlns:p14="http://schemas.microsoft.com/office/powerpoint/2010/main" val="168387517"/>
       </p:ext>
     </p:extLst>
   </p:cSld>
@@ -5984,22 +6695,12 @@
         </p:nvSpPr>
         <p:spPr/>
         <p:txBody>
-          <a:bodyPr>
-            <a:normAutofit fontScale="90000"/>
-          </a:bodyPr>
-          <a:lstStyle/>
-          <a:p>
-            <a:r>
-              <a:rPr lang="en-US" dirty="0" err="1"/>
-              <a:t>Rechtlicher</a:t>
-            </a:r>
-            <a:r>
-              <a:rPr lang="en-US" dirty="0"/>
-              <a:t> Schutz von </a:t>
-            </a:r>
-            <a:r>
-              <a:rPr lang="en-US" dirty="0" err="1"/>
-              <a:t>Funknetzwerken</a:t>
+          <a:bodyPr/>
+          <a:lstStyle/>
+          <a:p>
+            <a:r>
+              <a:rPr lang="de-DE" dirty="0" smtClean="0"/>
+              <a:t>Bedingungen der Universität Trier</a:t>
             </a:r>
             <a:endParaRPr lang="de-DE" dirty="0"/>
           </a:p>
@@ -6022,50 +6723,115 @@
           <a:p>
             <a:pPr lvl="0"/>
             <a:r>
-              <a:rPr lang="en-US" dirty="0"/>
-              <a:t>Die §§202-202d und §§303a-303c</a:t>
+              <a:rPr lang="en-US" dirty="0" err="1"/>
+              <a:t>Teilgrundordnung</a:t>
+            </a:r>
+            <a:r>
+              <a:rPr lang="en-US" dirty="0"/>
+              <a:t> </a:t>
+            </a:r>
+            <a:r>
+              <a:rPr lang="en-US" dirty="0" err="1"/>
+              <a:t>vom</a:t>
+            </a:r>
+            <a:r>
+              <a:rPr lang="en-US" dirty="0"/>
+              <a:t> ZIMK</a:t>
             </a:r>
           </a:p>
           <a:p>
             <a:pPr lvl="0"/>
             <a:r>
               <a:rPr lang="en-US" dirty="0" err="1"/>
-              <a:t>Telekommunikationsgesetz</a:t>
-            </a:r>
-            <a:r>
-              <a:rPr lang="en-US" dirty="0"/>
-              <a:t> (TKG)</a:t>
-            </a:r>
-          </a:p>
-          <a:p>
-            <a:pPr lvl="1" hangingPunct="0"/>
-            <a:r>
-              <a:rPr lang="en-US" dirty="0" err="1"/>
-              <a:t>Verschlüsselt</a:t>
-            </a:r>
-            <a:r>
-              <a:rPr lang="en-US" dirty="0"/>
-              <a:t> und </a:t>
-            </a:r>
-            <a:r>
-              <a:rPr lang="en-US" dirty="0" err="1"/>
-              <a:t>unverschlüsselt</a:t>
+              <a:t>Benutzerordnung</a:t>
+            </a:r>
+            <a:r>
+              <a:rPr lang="en-US" dirty="0"/>
+              <a:t> der CIP-Pools</a:t>
+            </a:r>
+          </a:p>
+          <a:p>
+            <a:pPr lvl="0"/>
+            <a:r>
+              <a:rPr lang="en-US" dirty="0" err="1"/>
+              <a:t>Dienstanweisungen</a:t>
+            </a:r>
+            <a:r>
+              <a:rPr lang="en-US" dirty="0"/>
+              <a:t> </a:t>
+            </a:r>
+            <a:r>
+              <a:rPr lang="en-US" dirty="0" err="1"/>
+              <a:t>über</a:t>
+            </a:r>
+            <a:r>
+              <a:rPr lang="en-US" dirty="0"/>
+              <a:t> </a:t>
+            </a:r>
+            <a:r>
+              <a:rPr lang="en-US" dirty="0" err="1"/>
+              <a:t>Datenschutz</a:t>
+            </a:r>
+            <a:r>
+              <a:rPr lang="en-US" dirty="0"/>
+              <a:t> und die </a:t>
+            </a:r>
+            <a:r>
+              <a:rPr lang="en-US" dirty="0" err="1"/>
+              <a:t>Datensicherung</a:t>
             </a:r>
             <a:endParaRPr lang="en-US" dirty="0"/>
           </a:p>
           <a:p>
-            <a:pPr lvl="0"/>
-            <a:endParaRPr lang="en-US" dirty="0"/>
-          </a:p>
-          <a:p>
             <a:endParaRPr lang="de-DE" dirty="0"/>
           </a:p>
         </p:txBody>
       </p:sp>
+      <p:pic>
+        <p:nvPicPr>
+          <p:cNvPr id="13314" name="Picture 2" descr="https://upload.wikimedia.org/wikipedia/de/thumb/5/59/Universit%C3%A4t-Trier_Siegel.svg/220px-Universit%C3%A4t-Trier_Siegel.svg.png"/>
+          <p:cNvPicPr>
+            <a:picLocks noChangeAspect="1" noChangeArrowheads="1"/>
+          </p:cNvPicPr>
+          <p:nvPr/>
+        </p:nvPicPr>
+        <p:blipFill>
+          <a:blip r:embed="rId2">
+            <a:extLst>
+              <a:ext uri="{28A0092B-C50C-407E-A947-70E740481C1C}">
+                <a14:useLocalDpi xmlns:a14="http://schemas.microsoft.com/office/drawing/2010/main" val="0"/>
+              </a:ext>
+            </a:extLst>
+          </a:blip>
+          <a:srcRect/>
+          <a:stretch>
+            <a:fillRect/>
+          </a:stretch>
+        </p:blipFill>
+        <p:spPr bwMode="auto">
+          <a:xfrm>
+            <a:off x="5796136" y="3645024"/>
+            <a:ext cx="2887588" cy="2887589"/>
+          </a:xfrm>
+          <a:prstGeom prst="rect">
+            <a:avLst/>
+          </a:prstGeom>
+          <a:noFill/>
+          <a:extLst>
+            <a:ext uri="{909E8E84-426E-40DD-AFC4-6F175D3DCCD1}">
+              <a14:hiddenFill xmlns:a14="http://schemas.microsoft.com/office/drawing/2010/main">
+                <a:solidFill>
+                  <a:srgbClr val="FFFFFF"/>
+                </a:solidFill>
+              </a14:hiddenFill>
+            </a:ext>
+          </a:extLst>
+        </p:spPr>
+      </p:pic>
     </p:spTree>
     <p:extLst>
       <p:ext uri="{BB962C8B-B14F-4D97-AF65-F5344CB8AC3E}">
-        <p14:creationId xmlns:p14="http://schemas.microsoft.com/office/powerpoint/2010/main" val="3741757683"/>
+        <p14:creationId xmlns:p14="http://schemas.microsoft.com/office/powerpoint/2010/main" val="266801801"/>
       </p:ext>
     </p:extLst>
   </p:cSld>
@@ -6377,106 +7143,149 @@
         <p:spPr/>
         <p:txBody>
           <a:bodyPr>
-            <a:normAutofit fontScale="90000"/>
-          </a:bodyPr>
-          <a:lstStyle/>
-          <a:p>
-            <a:r>
-              <a:rPr lang="en-US" dirty="0" err="1"/>
-              <a:t>Rechtlicher</a:t>
-            </a:r>
-            <a:r>
-              <a:rPr lang="en-US" dirty="0"/>
-              <a:t> Schutz von </a:t>
-            </a:r>
-            <a:r>
-              <a:rPr lang="en-US" dirty="0" err="1"/>
-              <a:t>Funknetzwerken</a:t>
-            </a:r>
-            <a:endParaRPr lang="de-DE" dirty="0"/>
-          </a:p>
-        </p:txBody>
-      </p:sp>
-      <p:sp>
-        <p:nvSpPr>
-          <p:cNvPr id="3" name="Inhaltsplatzhalter 2"/>
-          <p:cNvSpPr>
-            <a:spLocks noGrp="1"/>
-          </p:cNvSpPr>
-          <p:nvPr>
-            <p:ph sz="quarter" idx="1"/>
-          </p:nvPr>
-        </p:nvSpPr>
-        <p:spPr/>
-        <p:txBody>
-          <a:bodyPr>
             <a:normAutofit/>
           </a:bodyPr>
           <a:lstStyle/>
           <a:p>
-            <a:pPr lvl="0">
-              <a:buNone/>
-            </a:pPr>
-            <a:r>
-              <a:rPr lang="en-US" dirty="0" err="1"/>
-              <a:t>Verschlüsselt</a:t>
-            </a:r>
-            <a:endParaRPr lang="en-US" dirty="0"/>
-          </a:p>
-          <a:p>
-            <a:pPr lvl="1" hangingPunct="0"/>
-            <a:r>
-              <a:rPr lang="en-US" dirty="0" err="1"/>
-              <a:t>Eindringen</a:t>
-            </a:r>
-            <a:r>
-              <a:rPr lang="en-US" dirty="0"/>
-              <a:t> in </a:t>
-            </a:r>
-            <a:r>
-              <a:rPr lang="en-US" dirty="0" err="1"/>
-              <a:t>ein</a:t>
-            </a:r>
-            <a:r>
-              <a:rPr lang="en-US" dirty="0"/>
-              <a:t> </a:t>
-            </a:r>
-            <a:r>
-              <a:rPr lang="en-US" dirty="0" err="1"/>
-              <a:t>gesichtertes</a:t>
-            </a:r>
-            <a:r>
-              <a:rPr lang="en-US" dirty="0"/>
-              <a:t> </a:t>
-            </a:r>
-            <a:r>
-              <a:rPr lang="en-US" dirty="0" err="1"/>
-              <a:t>Netzwerk</a:t>
-            </a:r>
-            <a:endParaRPr lang="en-US" dirty="0"/>
-          </a:p>
-          <a:p>
-            <a:pPr lvl="1" hangingPunct="0"/>
-            <a:r>
-              <a:rPr lang="de-DE" altLang="zh-CN" dirty="0"/>
-              <a:t>§202a Ausspähen von Daten</a:t>
-            </a:r>
-          </a:p>
-          <a:p>
-            <a:pPr lvl="1" hangingPunct="0"/>
-            <a:r>
-              <a:rPr lang="en-US" dirty="0" err="1"/>
-              <a:t>Unbefugt</a:t>
-            </a:r>
-            <a:r>
-              <a:rPr lang="en-US" dirty="0"/>
-              <a:t> und </a:t>
-            </a:r>
-            <a:r>
-              <a:rPr lang="en-US" dirty="0" err="1" smtClean="0"/>
-              <a:t>Zugangssicherung</a:t>
-            </a:r>
-            <a:endParaRPr lang="en-US" dirty="0"/>
+            <a:r>
+              <a:rPr lang="de-DE" dirty="0" smtClean="0"/>
+              <a:t>Aufgabe 2</a:t>
+            </a:r>
+            <a:endParaRPr lang="de-DE" dirty="0"/>
+          </a:p>
+        </p:txBody>
+      </p:sp>
+      <p:sp>
+        <p:nvSpPr>
+          <p:cNvPr id="3" name="Inhaltsplatzhalter 2"/>
+          <p:cNvSpPr>
+            <a:spLocks noGrp="1"/>
+          </p:cNvSpPr>
+          <p:nvPr>
+            <p:ph sz="quarter" idx="1"/>
+          </p:nvPr>
+        </p:nvSpPr>
+        <p:spPr/>
+        <p:txBody>
+          <a:bodyPr/>
+          <a:lstStyle/>
+          <a:p>
+            <a:pPr lvl="0"/>
+            <a:r>
+              <a:rPr lang="en-US" dirty="0" err="1"/>
+              <a:t>Wie</a:t>
+            </a:r>
+            <a:r>
+              <a:rPr lang="en-US" dirty="0"/>
+              <a:t> </a:t>
+            </a:r>
+            <a:r>
+              <a:rPr lang="en-US" dirty="0" err="1"/>
+              <a:t>sind</a:t>
+            </a:r>
+            <a:r>
+              <a:rPr lang="en-US" dirty="0"/>
+              <a:t> </a:t>
+            </a:r>
+            <a:r>
+              <a:rPr lang="en-US" dirty="0" err="1"/>
+              <a:t>Funknetzwerke</a:t>
+            </a:r>
+            <a:r>
+              <a:rPr lang="en-US" dirty="0"/>
+              <a:t> </a:t>
+            </a:r>
+            <a:r>
+              <a:rPr lang="en-US" dirty="0" err="1"/>
+              <a:t>gegen</a:t>
+            </a:r>
+            <a:r>
+              <a:rPr lang="en-US" dirty="0"/>
+              <a:t> die </a:t>
+            </a:r>
+            <a:r>
+              <a:rPr lang="en-US" dirty="0" err="1"/>
+              <a:t>Nutzung</a:t>
+            </a:r>
+            <a:r>
+              <a:rPr lang="en-US" dirty="0"/>
+              <a:t> von </a:t>
+            </a:r>
+            <a:r>
+              <a:rPr lang="en-US" dirty="0" err="1"/>
+              <a:t>Dritten</a:t>
+            </a:r>
+            <a:r>
+              <a:rPr lang="en-US" dirty="0"/>
+              <a:t> </a:t>
+            </a:r>
+            <a:r>
+              <a:rPr lang="en-US" dirty="0" err="1"/>
+              <a:t>rechtlich</a:t>
+            </a:r>
+            <a:r>
+              <a:rPr lang="en-US" dirty="0"/>
+              <a:t> </a:t>
+            </a:r>
+            <a:r>
+              <a:rPr lang="en-US" dirty="0" err="1"/>
+              <a:t>Geschützt</a:t>
+            </a:r>
+            <a:r>
+              <a:rPr lang="en-US" dirty="0"/>
+              <a:t>?</a:t>
+            </a:r>
+          </a:p>
+          <a:p>
+            <a:pPr lvl="0"/>
+            <a:r>
+              <a:rPr lang="en-US" dirty="0" err="1"/>
+              <a:t>Inwiefern</a:t>
+            </a:r>
+            <a:r>
+              <a:rPr lang="en-US" dirty="0"/>
+              <a:t> </a:t>
+            </a:r>
+            <a:r>
+              <a:rPr lang="en-US" dirty="0" err="1"/>
+              <a:t>ist</a:t>
+            </a:r>
+            <a:r>
+              <a:rPr lang="en-US" dirty="0"/>
+              <a:t> das </a:t>
+            </a:r>
+            <a:r>
+              <a:rPr lang="en-US" dirty="0" err="1"/>
+              <a:t>Abhören</a:t>
+            </a:r>
+            <a:r>
+              <a:rPr lang="en-US" dirty="0"/>
+              <a:t> von </a:t>
+            </a:r>
+            <a:r>
+              <a:rPr lang="en-US" dirty="0" err="1"/>
+              <a:t>verschlüsselten</a:t>
+            </a:r>
+            <a:r>
+              <a:rPr lang="en-US" dirty="0"/>
+              <a:t> </a:t>
+            </a:r>
+            <a:r>
+              <a:rPr lang="en-US" dirty="0" err="1"/>
+              <a:t>Funkdaten</a:t>
+            </a:r>
+            <a:r>
+              <a:rPr lang="en-US" dirty="0"/>
+              <a:t> </a:t>
+            </a:r>
+            <a:r>
+              <a:rPr lang="en-US" dirty="0" err="1"/>
+              <a:t>rechtlich</a:t>
+            </a:r>
+            <a:r>
+              <a:rPr lang="en-US" dirty="0"/>
+              <a:t> verboten?</a:t>
+            </a:r>
           </a:p>
           <a:p>
             <a:endParaRPr lang="de-DE" dirty="0"/>
@@ -6486,7 +7295,7 @@
     </p:spTree>
     <p:extLst>
       <p:ext uri="{BB962C8B-B14F-4D97-AF65-F5344CB8AC3E}">
-        <p14:creationId xmlns:p14="http://schemas.microsoft.com/office/powerpoint/2010/main" val="3009141938"/>
+        <p14:creationId xmlns:p14="http://schemas.microsoft.com/office/powerpoint/2010/main" val="4051464565"/>
       </p:ext>
     </p:extLst>
   </p:cSld>
@@ -6558,6 +7367,167 @@
         </p:nvSpPr>
         <p:spPr/>
         <p:txBody>
+          <a:bodyPr/>
+          <a:lstStyle/>
+          <a:p>
+            <a:pPr lvl="0"/>
+            <a:r>
+              <a:rPr lang="en-US" dirty="0"/>
+              <a:t>Die §§202-202d und §§303a-303c</a:t>
+            </a:r>
+          </a:p>
+          <a:p>
+            <a:pPr lvl="0"/>
+            <a:r>
+              <a:rPr lang="en-US" dirty="0" err="1"/>
+              <a:t>Telekommunikationsgesetz</a:t>
+            </a:r>
+            <a:r>
+              <a:rPr lang="en-US" dirty="0"/>
+              <a:t> (TKG)</a:t>
+            </a:r>
+          </a:p>
+          <a:p>
+            <a:pPr lvl="1" hangingPunct="0"/>
+            <a:r>
+              <a:rPr lang="en-US" dirty="0" err="1"/>
+              <a:t>Verschlüsselt</a:t>
+            </a:r>
+            <a:r>
+              <a:rPr lang="en-US" dirty="0"/>
+              <a:t> und </a:t>
+            </a:r>
+            <a:r>
+              <a:rPr lang="en-US" dirty="0" err="1"/>
+              <a:t>unverschlüsselt</a:t>
+            </a:r>
+            <a:endParaRPr lang="en-US" dirty="0"/>
+          </a:p>
+          <a:p>
+            <a:pPr lvl="0"/>
+            <a:endParaRPr lang="en-US" dirty="0"/>
+          </a:p>
+          <a:p>
+            <a:endParaRPr lang="de-DE" dirty="0"/>
+          </a:p>
+        </p:txBody>
+      </p:sp>
+      <p:pic>
+        <p:nvPicPr>
+          <p:cNvPr id="14338" name="Picture 2" descr="http://www.sgupdate.com/media/sg_grafik/stocklib/bilder_kriterienkatalog/gewichtung_von_softwarekriterien.jpg"/>
+          <p:cNvPicPr>
+            <a:picLocks noChangeAspect="1" noChangeArrowheads="1"/>
+          </p:cNvPicPr>
+          <p:nvPr/>
+        </p:nvPicPr>
+        <p:blipFill>
+          <a:blip r:embed="rId2">
+            <a:extLst>
+              <a:ext uri="{28A0092B-C50C-407E-A947-70E740481C1C}">
+                <a14:useLocalDpi xmlns:a14="http://schemas.microsoft.com/office/drawing/2010/main" val="0"/>
+              </a:ext>
+            </a:extLst>
+          </a:blip>
+          <a:srcRect/>
+          <a:stretch>
+            <a:fillRect/>
+          </a:stretch>
+        </p:blipFill>
+        <p:spPr bwMode="auto">
+          <a:xfrm>
+            <a:off x="2987824" y="3897052"/>
+            <a:ext cx="2906573" cy="2232248"/>
+          </a:xfrm>
+          <a:prstGeom prst="rect">
+            <a:avLst/>
+          </a:prstGeom>
+          <a:noFill/>
+          <a:extLst>
+            <a:ext uri="{909E8E84-426E-40DD-AFC4-6F175D3DCCD1}">
+              <a14:hiddenFill xmlns:a14="http://schemas.microsoft.com/office/drawing/2010/main">
+                <a:solidFill>
+                  <a:srgbClr val="FFFFFF"/>
+                </a:solidFill>
+              </a14:hiddenFill>
+            </a:ext>
+          </a:extLst>
+        </p:spPr>
+      </p:pic>
+    </p:spTree>
+    <p:extLst>
+      <p:ext uri="{BB962C8B-B14F-4D97-AF65-F5344CB8AC3E}">
+        <p14:creationId xmlns:p14="http://schemas.microsoft.com/office/powerpoint/2010/main" val="3741757683"/>
+      </p:ext>
+    </p:extLst>
+  </p:cSld>
+  <p:clrMapOvr>
+    <a:masterClrMapping/>
+  </p:clrMapOvr>
+</p:sld>
+</file>
+
+<file path=ppt/slides/slide22.xml><?xml version="1.0" encoding="utf-8"?>
+<p:sld xmlns:a="http://schemas.openxmlformats.org/drawingml/2006/main" xmlns:r="http://schemas.openxmlformats.org/officeDocument/2006/relationships" xmlns:p="http://schemas.openxmlformats.org/presentationml/2006/main">
+  <p:cSld>
+    <p:spTree>
+      <p:nvGrpSpPr>
+        <p:cNvPr id="1" name=""/>
+        <p:cNvGrpSpPr/>
+        <p:nvPr/>
+      </p:nvGrpSpPr>
+      <p:grpSpPr>
+        <a:xfrm>
+          <a:off x="0" y="0"/>
+          <a:ext cx="0" cy="0"/>
+          <a:chOff x="0" y="0"/>
+          <a:chExt cx="0" cy="0"/>
+        </a:xfrm>
+      </p:grpSpPr>
+      <p:sp>
+        <p:nvSpPr>
+          <p:cNvPr id="2" name="Titel 1"/>
+          <p:cNvSpPr>
+            <a:spLocks noGrp="1"/>
+          </p:cNvSpPr>
+          <p:nvPr>
+            <p:ph type="title"/>
+          </p:nvPr>
+        </p:nvSpPr>
+        <p:spPr/>
+        <p:txBody>
+          <a:bodyPr>
+            <a:normAutofit fontScale="90000"/>
+          </a:bodyPr>
+          <a:lstStyle/>
+          <a:p>
+            <a:r>
+              <a:rPr lang="en-US" dirty="0" err="1"/>
+              <a:t>Rechtlicher</a:t>
+            </a:r>
+            <a:r>
+              <a:rPr lang="en-US" dirty="0"/>
+              <a:t> Schutz von </a:t>
+            </a:r>
+            <a:r>
+              <a:rPr lang="en-US" dirty="0" err="1"/>
+              <a:t>Funknetzwerken</a:t>
+            </a:r>
+            <a:endParaRPr lang="de-DE" dirty="0"/>
+          </a:p>
+        </p:txBody>
+      </p:sp>
+      <p:sp>
+        <p:nvSpPr>
+          <p:cNvPr id="3" name="Inhaltsplatzhalter 2"/>
+          <p:cNvSpPr>
+            <a:spLocks noGrp="1"/>
+          </p:cNvSpPr>
+          <p:nvPr>
+            <p:ph sz="quarter" idx="1"/>
+          </p:nvPr>
+        </p:nvSpPr>
+        <p:spPr/>
+        <p:txBody>
           <a:bodyPr>
             <a:normAutofit/>
           </a:bodyPr>
@@ -6568,6 +7538,196 @@
             </a:pPr>
             <a:r>
               <a:rPr lang="en-US" dirty="0" err="1"/>
+              <a:t>Verschlüsselt</a:t>
+            </a:r>
+            <a:endParaRPr lang="en-US" dirty="0"/>
+          </a:p>
+          <a:p>
+            <a:pPr lvl="1" hangingPunct="0"/>
+            <a:r>
+              <a:rPr lang="en-US" dirty="0" err="1"/>
+              <a:t>Eindringen</a:t>
+            </a:r>
+            <a:r>
+              <a:rPr lang="en-US" dirty="0"/>
+              <a:t> in </a:t>
+            </a:r>
+            <a:r>
+              <a:rPr lang="en-US" dirty="0" err="1"/>
+              <a:t>ein</a:t>
+            </a:r>
+            <a:r>
+              <a:rPr lang="en-US" dirty="0"/>
+              <a:t> </a:t>
+            </a:r>
+            <a:r>
+              <a:rPr lang="en-US" dirty="0" err="1"/>
+              <a:t>gesichtertes</a:t>
+            </a:r>
+            <a:r>
+              <a:rPr lang="en-US" dirty="0"/>
+              <a:t> </a:t>
+            </a:r>
+            <a:r>
+              <a:rPr lang="en-US" dirty="0" err="1"/>
+              <a:t>Netzwerk</a:t>
+            </a:r>
+            <a:endParaRPr lang="en-US" dirty="0"/>
+          </a:p>
+          <a:p>
+            <a:pPr lvl="1" hangingPunct="0"/>
+            <a:r>
+              <a:rPr lang="de-DE" altLang="zh-CN" dirty="0"/>
+              <a:t>§202a Ausspähen von Daten</a:t>
+            </a:r>
+          </a:p>
+          <a:p>
+            <a:pPr lvl="1" hangingPunct="0"/>
+            <a:r>
+              <a:rPr lang="en-US" dirty="0" err="1"/>
+              <a:t>Unbefugt</a:t>
+            </a:r>
+            <a:r>
+              <a:rPr lang="en-US" dirty="0"/>
+              <a:t> und </a:t>
+            </a:r>
+            <a:r>
+              <a:rPr lang="en-US" dirty="0" err="1" smtClean="0"/>
+              <a:t>Zugangssicherung</a:t>
+            </a:r>
+            <a:endParaRPr lang="en-US" dirty="0"/>
+          </a:p>
+          <a:p>
+            <a:endParaRPr lang="de-DE" dirty="0"/>
+          </a:p>
+        </p:txBody>
+      </p:sp>
+      <p:pic>
+        <p:nvPicPr>
+          <p:cNvPr id="4" name="Picture 2" descr="http://lh4.ggpht.com/_kIg44eoJ-PA/TJTWumZdo3I/AAAAAAAAAEo/Vd59GM-wyQM/loriot4_thumb3.jpg?imgmax=800"/>
+          <p:cNvPicPr>
+            <a:picLocks noChangeAspect="1" noChangeArrowheads="1"/>
+          </p:cNvPicPr>
+          <p:nvPr/>
+        </p:nvPicPr>
+        <p:blipFill>
+          <a:blip r:embed="rId2">
+            <a:extLst>
+              <a:ext uri="{28A0092B-C50C-407E-A947-70E740481C1C}">
+                <a14:useLocalDpi xmlns:a14="http://schemas.microsoft.com/office/drawing/2010/main" val="0"/>
+              </a:ext>
+            </a:extLst>
+          </a:blip>
+          <a:srcRect/>
+          <a:stretch>
+            <a:fillRect/>
+          </a:stretch>
+        </p:blipFill>
+        <p:spPr bwMode="auto">
+          <a:xfrm>
+            <a:off x="6012160" y="4406716"/>
+            <a:ext cx="2828156" cy="2190662"/>
+          </a:xfrm>
+          <a:prstGeom prst="rect">
+            <a:avLst/>
+          </a:prstGeom>
+          <a:noFill/>
+          <a:extLst>
+            <a:ext uri="{909E8E84-426E-40DD-AFC4-6F175D3DCCD1}">
+              <a14:hiddenFill xmlns:a14="http://schemas.microsoft.com/office/drawing/2010/main">
+                <a:solidFill>
+                  <a:srgbClr val="FFFFFF"/>
+                </a:solidFill>
+              </a14:hiddenFill>
+            </a:ext>
+          </a:extLst>
+        </p:spPr>
+      </p:pic>
+    </p:spTree>
+    <p:extLst>
+      <p:ext uri="{BB962C8B-B14F-4D97-AF65-F5344CB8AC3E}">
+        <p14:creationId xmlns:p14="http://schemas.microsoft.com/office/powerpoint/2010/main" val="3009141938"/>
+      </p:ext>
+    </p:extLst>
+  </p:cSld>
+  <p:clrMapOvr>
+    <a:masterClrMapping/>
+  </p:clrMapOvr>
+</p:sld>
+</file>
+
+<file path=ppt/slides/slide23.xml><?xml version="1.0" encoding="utf-8"?>
+<p:sld xmlns:a="http://schemas.openxmlformats.org/drawingml/2006/main" xmlns:r="http://schemas.openxmlformats.org/officeDocument/2006/relationships" xmlns:p="http://schemas.openxmlformats.org/presentationml/2006/main">
+  <p:cSld>
+    <p:spTree>
+      <p:nvGrpSpPr>
+        <p:cNvPr id="1" name=""/>
+        <p:cNvGrpSpPr/>
+        <p:nvPr/>
+      </p:nvGrpSpPr>
+      <p:grpSpPr>
+        <a:xfrm>
+          <a:off x="0" y="0"/>
+          <a:ext cx="0" cy="0"/>
+          <a:chOff x="0" y="0"/>
+          <a:chExt cx="0" cy="0"/>
+        </a:xfrm>
+      </p:grpSpPr>
+      <p:sp>
+        <p:nvSpPr>
+          <p:cNvPr id="2" name="Titel 1"/>
+          <p:cNvSpPr>
+            <a:spLocks noGrp="1"/>
+          </p:cNvSpPr>
+          <p:nvPr>
+            <p:ph type="title"/>
+          </p:nvPr>
+        </p:nvSpPr>
+        <p:spPr/>
+        <p:txBody>
+          <a:bodyPr>
+            <a:normAutofit fontScale="90000"/>
+          </a:bodyPr>
+          <a:lstStyle/>
+          <a:p>
+            <a:r>
+              <a:rPr lang="en-US" dirty="0" err="1"/>
+              <a:t>Rechtlicher</a:t>
+            </a:r>
+            <a:r>
+              <a:rPr lang="en-US" dirty="0"/>
+              <a:t> Schutz von </a:t>
+            </a:r>
+            <a:r>
+              <a:rPr lang="en-US" dirty="0" err="1"/>
+              <a:t>Funknetzwerken</a:t>
+            </a:r>
+            <a:endParaRPr lang="de-DE" dirty="0"/>
+          </a:p>
+        </p:txBody>
+      </p:sp>
+      <p:sp>
+        <p:nvSpPr>
+          <p:cNvPr id="3" name="Inhaltsplatzhalter 2"/>
+          <p:cNvSpPr>
+            <a:spLocks noGrp="1"/>
+          </p:cNvSpPr>
+          <p:nvPr>
+            <p:ph sz="quarter" idx="1"/>
+          </p:nvPr>
+        </p:nvSpPr>
+        <p:spPr/>
+        <p:txBody>
+          <a:bodyPr>
+            <a:normAutofit/>
+          </a:bodyPr>
+          <a:lstStyle/>
+          <a:p>
+            <a:pPr lvl="0">
+              <a:buNone/>
+            </a:pPr>
+            <a:r>
+              <a:rPr lang="en-US" dirty="0" err="1"/>
               <a:t>Unverschlüsselt</a:t>
             </a:r>
             <a:endParaRPr lang="en-US" dirty="0"/>
@@ -6622,11 +7782,18 @@
               <a:t> und </a:t>
             </a:r>
             <a:r>
-              <a:rPr lang="en-US" dirty="0" err="1"/>
+              <a:rPr lang="en-US" dirty="0" smtClean="0"/>
+              <a:t/>
+            </a:r>
+            <a:br>
+              <a:rPr lang="en-US" dirty="0" smtClean="0"/>
+            </a:br>
+            <a:r>
+              <a:rPr lang="en-US" dirty="0" err="1" smtClean="0"/>
               <a:t>Schadensersatz</a:t>
             </a:r>
             <a:r>
-              <a:rPr lang="en-US" dirty="0"/>
+              <a:rPr lang="en-US" dirty="0" smtClean="0"/>
               <a:t> </a:t>
             </a:r>
             <a:r>
@@ -6665,13 +7832,61 @@
               <a:t> </a:t>
             </a:r>
             <a:r>
-              <a:rPr lang="en-US" dirty="0" err="1"/>
+              <a:rPr lang="en-US" dirty="0" smtClean="0"/>
+              <a:t/>
+            </a:r>
+            <a:br>
+              <a:rPr lang="en-US" dirty="0" smtClean="0"/>
+            </a:br>
+            <a:r>
+              <a:rPr lang="en-US" dirty="0" err="1" smtClean="0"/>
               <a:t>werden</a:t>
             </a:r>
             <a:endParaRPr lang="en-US" dirty="0"/>
           </a:p>
         </p:txBody>
       </p:sp>
+      <p:pic>
+        <p:nvPicPr>
+          <p:cNvPr id="15362" name="Picture 2" descr="http://udoslive.blogspot.de/040517.JPG"/>
+          <p:cNvPicPr>
+            <a:picLocks noChangeAspect="1" noChangeArrowheads="1"/>
+          </p:cNvPicPr>
+          <p:nvPr/>
+        </p:nvPicPr>
+        <p:blipFill>
+          <a:blip r:embed="rId2">
+            <a:extLst>
+              <a:ext uri="{28A0092B-C50C-407E-A947-70E740481C1C}">
+                <a14:useLocalDpi xmlns:a14="http://schemas.microsoft.com/office/drawing/2010/main" val="0"/>
+              </a:ext>
+            </a:extLst>
+          </a:blip>
+          <a:srcRect/>
+          <a:stretch>
+            <a:fillRect/>
+          </a:stretch>
+        </p:blipFill>
+        <p:spPr bwMode="auto">
+          <a:xfrm>
+            <a:off x="5148064" y="2756925"/>
+            <a:ext cx="3566170" cy="3764291"/>
+          </a:xfrm>
+          <a:prstGeom prst="rect">
+            <a:avLst/>
+          </a:prstGeom>
+          <a:noFill/>
+          <a:extLst>
+            <a:ext uri="{909E8E84-426E-40DD-AFC4-6F175D3DCCD1}">
+              <a14:hiddenFill xmlns:a14="http://schemas.microsoft.com/office/drawing/2010/main">
+                <a:solidFill>
+                  <a:srgbClr val="FFFFFF"/>
+                </a:solidFill>
+              </a14:hiddenFill>
+            </a:ext>
+          </a:extLst>
+        </p:spPr>
+      </p:pic>
     </p:spTree>
     <p:extLst>
       <p:ext uri="{BB962C8B-B14F-4D97-AF65-F5344CB8AC3E}">
@@ -6685,7 +7900,7 @@
 </p:sld>
 </file>
 
-<file path=ppt/slides/slide22.xml><?xml version="1.0" encoding="utf-8"?>
+<file path=ppt/slides/slide24.xml><?xml version="1.0" encoding="utf-8"?>
 <p:sld xmlns:a="http://schemas.openxmlformats.org/drawingml/2006/main" xmlns:r="http://schemas.openxmlformats.org/officeDocument/2006/relationships" xmlns:p="http://schemas.openxmlformats.org/presentationml/2006/main">
   <p:cSld>
     <p:spTree>
@@ -7004,49 +8219,136 @@
               <a:t> in </a:t>
             </a:r>
             <a:r>
-              <a:rPr lang="en-US" dirty="0" err="1"/>
+              <a:rPr lang="en-US" dirty="0" err="1" smtClean="0"/>
               <a:t>Ebenen</a:t>
             </a:r>
             <a:endParaRPr lang="en-US" dirty="0"/>
           </a:p>
-          <a:p>
-            <a:pPr lvl="1" hangingPunct="0"/>
-            <a:r>
-              <a:rPr lang="en-US" dirty="0"/>
-              <a:t>EU-</a:t>
-            </a:r>
-            <a:r>
-              <a:rPr lang="en-US" dirty="0" err="1"/>
-              <a:t>Gesetze</a:t>
-            </a:r>
-            <a:endParaRPr lang="en-US" dirty="0"/>
-          </a:p>
-          <a:p>
-            <a:pPr lvl="1" hangingPunct="0"/>
-            <a:r>
-              <a:rPr lang="en-US" dirty="0" err="1"/>
-              <a:t>Deutschlandweite</a:t>
-            </a:r>
-            <a:r>
-              <a:rPr lang="en-US" dirty="0"/>
-              <a:t> </a:t>
-            </a:r>
-            <a:r>
-              <a:rPr lang="en-US" dirty="0" err="1"/>
-              <a:t>Gesetze</a:t>
-            </a:r>
-            <a:endParaRPr lang="en-US" dirty="0"/>
-          </a:p>
-          <a:p>
-            <a:pPr lvl="1" hangingPunct="0"/>
-            <a:r>
-              <a:rPr lang="en-US" dirty="0" err="1" smtClean="0"/>
-              <a:t>Hochschulgesetze</a:t>
-            </a:r>
-            <a:endParaRPr lang="en-US" dirty="0"/>
-          </a:p>
-        </p:txBody>
-      </p:sp>
+        </p:txBody>
+      </p:sp>
+      <p:pic>
+        <p:nvPicPr>
+          <p:cNvPr id="1026" name="Picture 2" descr="http://www.institut-gruendungsmanagement.de/wp-content/uploads/2013/07/Hut.png"/>
+          <p:cNvPicPr>
+            <a:picLocks noChangeAspect="1" noChangeArrowheads="1"/>
+          </p:cNvPicPr>
+          <p:nvPr/>
+        </p:nvPicPr>
+        <p:blipFill>
+          <a:blip r:embed="rId2">
+            <a:extLst>
+              <a:ext uri="{28A0092B-C50C-407E-A947-70E740481C1C}">
+                <a14:useLocalDpi xmlns:a14="http://schemas.microsoft.com/office/drawing/2010/main" val="0"/>
+              </a:ext>
+            </a:extLst>
+          </a:blip>
+          <a:srcRect/>
+          <a:stretch>
+            <a:fillRect/>
+          </a:stretch>
+        </p:blipFill>
+        <p:spPr bwMode="auto">
+          <a:xfrm>
+            <a:off x="5487000" y="5085184"/>
+            <a:ext cx="3189456" cy="1512168"/>
+          </a:xfrm>
+          <a:prstGeom prst="rect">
+            <a:avLst/>
+          </a:prstGeom>
+          <a:noFill/>
+          <a:extLst>
+            <a:ext uri="{909E8E84-426E-40DD-AFC4-6F175D3DCCD1}">
+              <a14:hiddenFill xmlns:a14="http://schemas.microsoft.com/office/drawing/2010/main">
+                <a:solidFill>
+                  <a:srgbClr val="FFFFFF"/>
+                </a:solidFill>
+              </a14:hiddenFill>
+            </a:ext>
+          </a:extLst>
+        </p:spPr>
+      </p:pic>
+      <p:pic>
+        <p:nvPicPr>
+          <p:cNvPr id="1027" name="Picture 3" descr="C:\Users\TZeimetz\Desktop\deutschland-17311.png"/>
+          <p:cNvPicPr>
+            <a:picLocks noChangeAspect="1" noChangeArrowheads="1"/>
+          </p:cNvPicPr>
+          <p:nvPr/>
+        </p:nvPicPr>
+        <p:blipFill>
+          <a:blip r:embed="rId3" cstate="print">
+            <a:extLst>
+              <a:ext uri="{28A0092B-C50C-407E-A947-70E740481C1C}">
+                <a14:useLocalDpi xmlns:a14="http://schemas.microsoft.com/office/drawing/2010/main" val="0"/>
+              </a:ext>
+            </a:extLst>
+          </a:blip>
+          <a:srcRect/>
+          <a:stretch>
+            <a:fillRect/>
+          </a:stretch>
+        </p:blipFill>
+        <p:spPr bwMode="auto">
+          <a:xfrm>
+            <a:off x="3563888" y="3284984"/>
+            <a:ext cx="2088232" cy="2088232"/>
+          </a:xfrm>
+          <a:prstGeom prst="rect">
+            <a:avLst/>
+          </a:prstGeom>
+          <a:noFill/>
+          <a:extLst>
+            <a:ext uri="{909E8E84-426E-40DD-AFC4-6F175D3DCCD1}">
+              <a14:hiddenFill xmlns:a14="http://schemas.microsoft.com/office/drawing/2010/main">
+                <a:solidFill>
+                  <a:srgbClr val="FFFFFF"/>
+                </a:solidFill>
+              </a14:hiddenFill>
+            </a:ext>
+          </a:extLst>
+        </p:spPr>
+      </p:pic>
+      <p:pic>
+        <p:nvPicPr>
+          <p:cNvPr id="1029" name="Picture 5" descr="http://internationaljournalism280.com/wp-content/uploads/2016/06/eu_01.png"/>
+          <p:cNvPicPr>
+            <a:picLocks noChangeAspect="1" noChangeArrowheads="1"/>
+          </p:cNvPicPr>
+          <p:nvPr/>
+        </p:nvPicPr>
+        <p:blipFill>
+          <a:blip r:embed="rId4" cstate="print">
+            <a:extLst>
+              <a:ext uri="{28A0092B-C50C-407E-A947-70E740481C1C}">
+                <a14:useLocalDpi xmlns:a14="http://schemas.microsoft.com/office/drawing/2010/main" val="0"/>
+              </a:ext>
+            </a:extLst>
+          </a:blip>
+          <a:srcRect/>
+          <a:stretch>
+            <a:fillRect/>
+          </a:stretch>
+        </p:blipFill>
+        <p:spPr bwMode="auto">
+          <a:xfrm>
+            <a:off x="971600" y="2276872"/>
+            <a:ext cx="2428538" cy="2448272"/>
+          </a:xfrm>
+          <a:prstGeom prst="rect">
+            <a:avLst/>
+          </a:prstGeom>
+          <a:noFill/>
+          <a:extLst>
+            <a:ext uri="{909E8E84-426E-40DD-AFC4-6F175D3DCCD1}">
+              <a14:hiddenFill xmlns:a14="http://schemas.microsoft.com/office/drawing/2010/main">
+                <a:solidFill>
+                  <a:srgbClr val="FFFFFF"/>
+                </a:solidFill>
+              </a14:hiddenFill>
+            </a:ext>
+          </a:extLst>
+        </p:spPr>
+      </p:pic>
     </p:spTree>
     <p:extLst>
       <p:ext uri="{BB962C8B-B14F-4D97-AF65-F5344CB8AC3E}">
@@ -7402,6 +8704,47 @@
           </a:p>
         </p:txBody>
       </p:sp>
+      <p:pic>
+        <p:nvPicPr>
+          <p:cNvPr id="2050" name="Picture 2" descr="https://www.datenschutz-praxis.de/wp-content/uploads/2014/05/das-zweite-gebot-die-zugangskontrolle.jpeg"/>
+          <p:cNvPicPr>
+            <a:picLocks noChangeAspect="1" noChangeArrowheads="1"/>
+          </p:cNvPicPr>
+          <p:nvPr/>
+        </p:nvPicPr>
+        <p:blipFill>
+          <a:blip r:embed="rId2">
+            <a:extLst>
+              <a:ext uri="{28A0092B-C50C-407E-A947-70E740481C1C}">
+                <a14:useLocalDpi xmlns:a14="http://schemas.microsoft.com/office/drawing/2010/main" val="0"/>
+              </a:ext>
+            </a:extLst>
+          </a:blip>
+          <a:srcRect/>
+          <a:stretch>
+            <a:fillRect/>
+          </a:stretch>
+        </p:blipFill>
+        <p:spPr bwMode="auto">
+          <a:xfrm>
+            <a:off x="6228184" y="4005064"/>
+            <a:ext cx="2552328" cy="2552329"/>
+          </a:xfrm>
+          <a:prstGeom prst="rect">
+            <a:avLst/>
+          </a:prstGeom>
+          <a:noFill/>
+          <a:extLst>
+            <a:ext uri="{909E8E84-426E-40DD-AFC4-6F175D3DCCD1}">
+              <a14:hiddenFill xmlns:a14="http://schemas.microsoft.com/office/drawing/2010/main">
+                <a:solidFill>
+                  <a:srgbClr val="FFFFFF"/>
+                </a:solidFill>
+              </a14:hiddenFill>
+            </a:ext>
+          </a:extLst>
+        </p:spPr>
+      </p:pic>
     </p:spTree>
     <p:extLst>
       <p:ext uri="{BB962C8B-B14F-4D97-AF65-F5344CB8AC3E}">
@@ -7572,29 +8915,54 @@
               <a:t>- und </a:t>
             </a:r>
             <a:r>
-              <a:rPr lang="en-US" dirty="0" err="1"/>
+              <a:rPr lang="en-US" dirty="0" err="1" smtClean="0"/>
               <a:t>Bußgeldvorschriften</a:t>
             </a:r>
             <a:endParaRPr lang="en-US" dirty="0"/>
           </a:p>
-          <a:p>
-            <a:pPr lvl="1" hangingPunct="0"/>
-            <a:r>
-              <a:rPr lang="en-US" dirty="0" err="1"/>
-              <a:t>Sondervorschriften</a:t>
-            </a:r>
-            <a:r>
-              <a:rPr lang="en-US" dirty="0"/>
-              <a:t> &amp; </a:t>
-            </a:r>
-            <a:r>
-              <a:rPr lang="en-US" dirty="0" err="1"/>
-              <a:t>Übergangsvorschriften</a:t>
-            </a:r>
-            <a:endParaRPr lang="en-US" dirty="0"/>
-          </a:p>
-        </p:txBody>
-      </p:sp>
+        </p:txBody>
+      </p:sp>
+      <p:pic>
+        <p:nvPicPr>
+          <p:cNvPr id="3074" name="Picture 2" descr="http://images1.beck-shop.de/productimages/rsw/images/products/978-3-8487-0593-1_large_160.png"/>
+          <p:cNvPicPr>
+            <a:picLocks noChangeAspect="1" noChangeArrowheads="1"/>
+          </p:cNvPicPr>
+          <p:nvPr/>
+        </p:nvPicPr>
+        <p:blipFill>
+          <a:blip r:embed="rId2">
+            <a:extLst>
+              <a:ext uri="{28A0092B-C50C-407E-A947-70E740481C1C}">
+                <a14:useLocalDpi xmlns:a14="http://schemas.microsoft.com/office/drawing/2010/main" val="0"/>
+              </a:ext>
+            </a:extLst>
+          </a:blip>
+          <a:srcRect/>
+          <a:stretch>
+            <a:fillRect/>
+          </a:stretch>
+        </p:blipFill>
+        <p:spPr bwMode="auto">
+          <a:xfrm>
+            <a:off x="6876256" y="4001859"/>
+            <a:ext cx="1524000" cy="2609851"/>
+          </a:xfrm>
+          <a:prstGeom prst="rect">
+            <a:avLst/>
+          </a:prstGeom>
+          <a:noFill/>
+          <a:extLst>
+            <a:ext uri="{909E8E84-426E-40DD-AFC4-6F175D3DCCD1}">
+              <a14:hiddenFill xmlns:a14="http://schemas.microsoft.com/office/drawing/2010/main">
+                <a:solidFill>
+                  <a:srgbClr val="FFFFFF"/>
+                </a:solidFill>
+              </a14:hiddenFill>
+            </a:ext>
+          </a:extLst>
+        </p:spPr>
+      </p:pic>
     </p:spTree>
     <p:extLst>
       <p:ext uri="{BB962C8B-B14F-4D97-AF65-F5344CB8AC3E}">
@@ -7713,101 +9081,103 @@
               <a:t> </a:t>
             </a:r>
             <a:r>
-              <a:rPr lang="en-US" dirty="0" err="1"/>
+              <a:rPr lang="en-US" dirty="0" err="1" smtClean="0"/>
               <a:t>Dienste</a:t>
             </a:r>
+            <a:endParaRPr lang="en-US" dirty="0" smtClean="0"/>
+          </a:p>
+          <a:p>
+            <a:pPr lvl="1" hangingPunct="0"/>
+            <a:r>
+              <a:rPr lang="en-US" dirty="0" err="1" smtClean="0"/>
+              <a:t>Zugangskontrolldienste</a:t>
+            </a:r>
             <a:endParaRPr lang="en-US" dirty="0"/>
           </a:p>
-          <a:p>
-            <a:pPr lvl="2" hangingPunct="0"/>
-            <a:r>
-              <a:rPr lang="en-US" dirty="0" err="1"/>
-              <a:t>Rundfunkarbeiten</a:t>
-            </a:r>
-            <a:r>
-              <a:rPr lang="en-US" dirty="0"/>
-              <a:t>, </a:t>
-            </a:r>
-            <a:r>
-              <a:rPr lang="en-US" dirty="0" err="1"/>
-              <a:t>Teledienste</a:t>
-            </a:r>
-            <a:r>
-              <a:rPr lang="en-US" dirty="0"/>
-              <a:t>, </a:t>
-            </a:r>
-            <a:r>
-              <a:rPr lang="en-US" dirty="0" err="1"/>
-              <a:t>Mediendienste</a:t>
-            </a:r>
-            <a:endParaRPr lang="en-US" dirty="0"/>
-          </a:p>
-          <a:p>
-            <a:pPr lvl="1" hangingPunct="0"/>
-            <a:r>
-              <a:rPr lang="en-US" dirty="0" err="1"/>
-              <a:t>Zugangskontrolldienste</a:t>
-            </a:r>
-            <a:endParaRPr lang="en-US" dirty="0"/>
-          </a:p>
-          <a:p>
-            <a:pPr lvl="2" hangingPunct="0"/>
-            <a:r>
-              <a:rPr lang="en-US" dirty="0" err="1"/>
-              <a:t>Technische</a:t>
-            </a:r>
-            <a:r>
-              <a:rPr lang="en-US" dirty="0"/>
-              <a:t> </a:t>
-            </a:r>
-            <a:r>
-              <a:rPr lang="en-US" dirty="0" err="1"/>
-              <a:t>Verfahren</a:t>
-            </a:r>
-            <a:r>
-              <a:rPr lang="en-US" dirty="0"/>
-              <a:t> </a:t>
-            </a:r>
-            <a:r>
-              <a:rPr lang="en-US" dirty="0" err="1"/>
-              <a:t>oder</a:t>
-            </a:r>
-            <a:r>
-              <a:rPr lang="en-US" dirty="0"/>
-              <a:t> </a:t>
-            </a:r>
-            <a:r>
-              <a:rPr lang="en-US" dirty="0" err="1"/>
-              <a:t>Vorrichtungen</a:t>
-            </a:r>
-            <a:r>
-              <a:rPr lang="en-US" dirty="0"/>
-              <a:t>, </a:t>
-            </a:r>
-            <a:r>
-              <a:rPr lang="en-US" dirty="0" err="1"/>
-              <a:t>gegen</a:t>
-            </a:r>
-            <a:r>
-              <a:rPr lang="en-US" dirty="0"/>
-              <a:t> </a:t>
-            </a:r>
-            <a:r>
-              <a:rPr lang="en-US" dirty="0" err="1"/>
-              <a:t>unerblaubte</a:t>
-            </a:r>
-            <a:r>
-              <a:rPr lang="en-US" dirty="0"/>
-              <a:t> </a:t>
-            </a:r>
-            <a:r>
-              <a:rPr lang="en-US"/>
-              <a:t>Nutzung</a:t>
-            </a:r>
-            <a:endParaRPr lang="en-US" dirty="0"/>
-          </a:p>
-        </p:txBody>
-      </p:sp>
+        </p:txBody>
+      </p:sp>
+      <p:pic>
+        <p:nvPicPr>
+          <p:cNvPr id="4" name="Picture 2" descr="https://www.datenschutz-praxis.de/wp-content/uploads/2014/05/das-zweite-gebot-die-zugangskontrolle.jpeg"/>
+          <p:cNvPicPr>
+            <a:picLocks noChangeAspect="1" noChangeArrowheads="1"/>
+          </p:cNvPicPr>
+          <p:nvPr/>
+        </p:nvPicPr>
+        <p:blipFill>
+          <a:blip r:embed="rId3">
+            <a:extLst>
+              <a:ext uri="{28A0092B-C50C-407E-A947-70E740481C1C}">
+                <a14:useLocalDpi xmlns:a14="http://schemas.microsoft.com/office/drawing/2010/main" val="0"/>
+              </a:ext>
+            </a:extLst>
+          </a:blip>
+          <a:srcRect/>
+          <a:stretch>
+            <a:fillRect/>
+          </a:stretch>
+        </p:blipFill>
+        <p:spPr bwMode="auto">
+          <a:xfrm>
+            <a:off x="6228184" y="4009142"/>
+            <a:ext cx="2552328" cy="2552329"/>
+          </a:xfrm>
+          <a:prstGeom prst="rect">
+            <a:avLst/>
+          </a:prstGeom>
+          <a:noFill/>
+          <a:extLst>
+            <a:ext uri="{909E8E84-426E-40DD-AFC4-6F175D3DCCD1}">
+              <a14:hiddenFill xmlns:a14="http://schemas.microsoft.com/office/drawing/2010/main">
+                <a:solidFill>
+                  <a:srgbClr val="FFFFFF"/>
+                </a:solidFill>
+              </a14:hiddenFill>
+            </a:ext>
+          </a:extLst>
+        </p:spPr>
+      </p:pic>
+      <p:pic>
+        <p:nvPicPr>
+          <p:cNvPr id="4098" name="Picture 2" descr="http://info.sky.de/inhalt/static/download/bilder/logos/Download_JPG_Unternehmen/Sky_Signature.png"/>
+          <p:cNvPicPr>
+            <a:picLocks noChangeAspect="1" noChangeArrowheads="1"/>
+          </p:cNvPicPr>
+          <p:nvPr/>
+        </p:nvPicPr>
+        <p:blipFill>
+          <a:blip r:embed="rId4" cstate="print">
+            <a:extLst>
+              <a:ext uri="{28A0092B-C50C-407E-A947-70E740481C1C}">
+                <a14:useLocalDpi xmlns:a14="http://schemas.microsoft.com/office/drawing/2010/main" val="0"/>
+              </a:ext>
+            </a:extLst>
+          </a:blip>
+          <a:srcRect/>
+          <a:stretch>
+            <a:fillRect/>
+          </a:stretch>
+        </p:blipFill>
+        <p:spPr bwMode="auto">
+          <a:xfrm>
+            <a:off x="1259632" y="3995741"/>
+            <a:ext cx="3156858" cy="2232248"/>
+          </a:xfrm>
+          <a:prstGeom prst="rect">
+            <a:avLst/>
+          </a:prstGeom>
+          <a:noFill/>
+          <a:extLst>
+            <a:ext uri="{909E8E84-426E-40DD-AFC4-6F175D3DCCD1}">
+              <a14:hiddenFill xmlns:a14="http://schemas.microsoft.com/office/drawing/2010/main">
+                <a:solidFill>
+                  <a:srgbClr val="FFFFFF"/>
+                </a:solidFill>
+              </a14:hiddenFill>
+            </a:ext>
+          </a:extLst>
+        </p:spPr>
+      </p:pic>
     </p:spTree>
     <p:extLst>
       <p:ext uri="{BB962C8B-B14F-4D97-AF65-F5344CB8AC3E}">
@@ -8321,4 +9691,289 @@
   <a:objectDefaults/>
   <a:extraClrSchemeLst/>
 </a:theme>
+</file>
+
+<file path=ppt/theme/theme2.xml><?xml version="1.0" encoding="utf-8"?>
+<a:theme xmlns:a="http://schemas.openxmlformats.org/drawingml/2006/main" name="Larissa">
+  <a:themeElements>
+    <a:clrScheme name="Larissa">
+      <a:dk1>
+        <a:sysClr val="windowText" lastClr="000000"/>
+      </a:dk1>
+      <a:lt1>
+        <a:sysClr val="window" lastClr="FFFFFF"/>
+      </a:lt1>
+      <a:dk2>
+        <a:srgbClr val="1F497D"/>
+      </a:dk2>
+      <a:lt2>
+        <a:srgbClr val="EEECE1"/>
+      </a:lt2>
+      <a:accent1>
+        <a:srgbClr val="4F81BD"/>
+      </a:accent1>
+      <a:accent2>
+        <a:srgbClr val="C0504D"/>
+      </a:accent2>
+      <a:accent3>
+        <a:srgbClr val="9BBB59"/>
+      </a:accent3>
+      <a:accent4>
+        <a:srgbClr val="8064A2"/>
+      </a:accent4>
+      <a:accent5>
+        <a:srgbClr val="4BACC6"/>
+      </a:accent5>
+      <a:accent6>
+        <a:srgbClr val="F79646"/>
+      </a:accent6>
+      <a:hlink>
+        <a:srgbClr val="0000FF"/>
+      </a:hlink>
+      <a:folHlink>
+        <a:srgbClr val="800080"/>
+      </a:folHlink>
+    </a:clrScheme>
+    <a:fontScheme name="Larissa">
+      <a:majorFont>
+        <a:latin typeface="Calibri"/>
+        <a:ea typeface=""/>
+        <a:cs typeface=""/>
+        <a:font script="Jpan" typeface="ＭＳ Ｐゴシック"/>
+        <a:font script="Hang" typeface="맑은 고딕"/>
+        <a:font script="Hans" typeface="宋体"/>
+        <a:font script="Hant" typeface="新細明體"/>
+        <a:font script="Arab" typeface="Times New Roman"/>
+        <a:font script="Hebr" typeface="Times New Roman"/>
+        <a:font script="Thai" typeface="Angsana New"/>
+        <a:font script="Ethi" typeface="Nyala"/>
+        <a:font script="Beng" typeface="Vrinda"/>
+        <a:font script="Gujr" typeface="Shruti"/>
+        <a:font script="Khmr" typeface="MoolBoran"/>
+        <a:font script="Knda" typeface="Tunga"/>
+        <a:font script="Guru" typeface="Raavi"/>
+        <a:font script="Cans" typeface="Euphemia"/>
+        <a:font script="Cher" typeface="Plantagenet Cherokee"/>
+        <a:font script="Yiii" typeface="Microsoft Yi Baiti"/>
+        <a:font script="Tibt" typeface="Microsoft Himalaya"/>
+        <a:font script="Thaa" typeface="MV Boli"/>
+        <a:font script="Deva" typeface="Mangal"/>
+        <a:font script="Telu" typeface="Gautami"/>
+        <a:font script="Taml" typeface="Latha"/>
+        <a:font script="Syrc" typeface="Estrangelo Edessa"/>
+        <a:font script="Orya" typeface="Kalinga"/>
+        <a:font script="Mlym" typeface="Kartika"/>
+        <a:font script="Laoo" typeface="DokChampa"/>
+        <a:font script="Sinh" typeface="Iskoola Pota"/>
+        <a:font script="Mong" typeface="Mongolian Baiti"/>
+        <a:font script="Viet" typeface="Times New Roman"/>
+        <a:font script="Uigh" typeface="Microsoft Uighur"/>
+        <a:font script="Geor" typeface="Sylfaen"/>
+      </a:majorFont>
+      <a:minorFont>
+        <a:latin typeface="Calibri"/>
+        <a:ea typeface=""/>
+        <a:cs typeface=""/>
+        <a:font script="Jpan" typeface="ＭＳ Ｐゴシック"/>
+        <a:font script="Hang" typeface="맑은 고딕"/>
+        <a:font script="Hans" typeface="宋体"/>
+        <a:font script="Hant" typeface="新細明體"/>
+        <a:font script="Arab" typeface="Arial"/>
+        <a:font script="Hebr" typeface="Arial"/>
+        <a:font script="Thai" typeface="Cordia New"/>
+        <a:font script="Ethi" typeface="Nyala"/>
+        <a:font script="Beng" typeface="Vrinda"/>
+        <a:font script="Gujr" typeface="Shruti"/>
+        <a:font script="Khmr" typeface="DaunPenh"/>
+        <a:font script="Knda" typeface="Tunga"/>
+        <a:font script="Guru" typeface="Raavi"/>
+        <a:font script="Cans" typeface="Euphemia"/>
+        <a:font script="Cher" typeface="Plantagenet Cherokee"/>
+        <a:font script="Yiii" typeface="Microsoft Yi Baiti"/>
+        <a:font script="Tibt" typeface="Microsoft Himalaya"/>
+        <a:font script="Thaa" typeface="MV Boli"/>
+        <a:font script="Deva" typeface="Mangal"/>
+        <a:font script="Telu" typeface="Gautami"/>
+        <a:font script="Taml" typeface="Latha"/>
+        <a:font script="Syrc" typeface="Estrangelo Edessa"/>
+        <a:font script="Orya" typeface="Kalinga"/>
+        <a:font script="Mlym" typeface="Kartika"/>
+        <a:font script="Laoo" typeface="DokChampa"/>
+        <a:font script="Sinh" typeface="Iskoola Pota"/>
+        <a:font script="Mong" typeface="Mongolian Baiti"/>
+        <a:font script="Viet" typeface="Arial"/>
+        <a:font script="Uigh" typeface="Microsoft Uighur"/>
+        <a:font script="Geor" typeface="Sylfaen"/>
+      </a:minorFont>
+    </a:fontScheme>
+    <a:fmtScheme name="Larissa">
+      <a:fillStyleLst>
+        <a:solidFill>
+          <a:schemeClr val="phClr"/>
+        </a:solidFill>
+        <a:gradFill rotWithShape="1">
+          <a:gsLst>
+            <a:gs pos="0">
+              <a:schemeClr val="phClr">
+                <a:tint val="50000"/>
+                <a:satMod val="300000"/>
+              </a:schemeClr>
+            </a:gs>
+            <a:gs pos="35000">
+              <a:schemeClr val="phClr">
+                <a:tint val="37000"/>
+                <a:satMod val="300000"/>
+              </a:schemeClr>
+            </a:gs>
+            <a:gs pos="100000">
+              <a:schemeClr val="phClr">
+                <a:tint val="15000"/>
+                <a:satMod val="350000"/>
+              </a:schemeClr>
+            </a:gs>
+          </a:gsLst>
+          <a:lin ang="16200000" scaled="1"/>
+        </a:gradFill>
+        <a:gradFill rotWithShape="1">
+          <a:gsLst>
+            <a:gs pos="0">
+              <a:schemeClr val="phClr">
+                <a:shade val="51000"/>
+                <a:satMod val="130000"/>
+              </a:schemeClr>
+            </a:gs>
+            <a:gs pos="80000">
+              <a:schemeClr val="phClr">
+                <a:shade val="93000"/>
+                <a:satMod val="130000"/>
+              </a:schemeClr>
+            </a:gs>
+            <a:gs pos="100000">
+              <a:schemeClr val="phClr">
+                <a:shade val="94000"/>
+                <a:satMod val="135000"/>
+              </a:schemeClr>
+            </a:gs>
+          </a:gsLst>
+          <a:lin ang="16200000" scaled="0"/>
+        </a:gradFill>
+      </a:fillStyleLst>
+      <a:lnStyleLst>
+        <a:ln w="9525" cap="flat" cmpd="sng" algn="ctr">
+          <a:solidFill>
+            <a:schemeClr val="phClr">
+              <a:shade val="95000"/>
+              <a:satMod val="105000"/>
+            </a:schemeClr>
+          </a:solidFill>
+          <a:prstDash val="solid"/>
+        </a:ln>
+        <a:ln w="25400" cap="flat" cmpd="sng" algn="ctr">
+          <a:solidFill>
+            <a:schemeClr val="phClr"/>
+          </a:solidFill>
+          <a:prstDash val="solid"/>
+        </a:ln>
+        <a:ln w="38100" cap="flat" cmpd="sng" algn="ctr">
+          <a:solidFill>
+            <a:schemeClr val="phClr"/>
+          </a:solidFill>
+          <a:prstDash val="solid"/>
+        </a:ln>
+      </a:lnStyleLst>
+      <a:effectStyleLst>
+        <a:effectStyle>
+          <a:effectLst>
+            <a:outerShdw blurRad="40000" dist="20000" dir="5400000" rotWithShape="0">
+              <a:srgbClr val="000000">
+                <a:alpha val="38000"/>
+              </a:srgbClr>
+            </a:outerShdw>
+          </a:effectLst>
+        </a:effectStyle>
+        <a:effectStyle>
+          <a:effectLst>
+            <a:outerShdw blurRad="40000" dist="23000" dir="5400000" rotWithShape="0">
+              <a:srgbClr val="000000">
+                <a:alpha val="35000"/>
+              </a:srgbClr>
+            </a:outerShdw>
+          </a:effectLst>
+        </a:effectStyle>
+        <a:effectStyle>
+          <a:effectLst>
+            <a:outerShdw blurRad="40000" dist="23000" dir="5400000" rotWithShape="0">
+              <a:srgbClr val="000000">
+                <a:alpha val="35000"/>
+              </a:srgbClr>
+            </a:outerShdw>
+          </a:effectLst>
+          <a:scene3d>
+            <a:camera prst="orthographicFront">
+              <a:rot lat="0" lon="0" rev="0"/>
+            </a:camera>
+            <a:lightRig rig="threePt" dir="t">
+              <a:rot lat="0" lon="0" rev="1200000"/>
+            </a:lightRig>
+          </a:scene3d>
+          <a:sp3d>
+            <a:bevelT w="63500" h="25400"/>
+          </a:sp3d>
+        </a:effectStyle>
+      </a:effectStyleLst>
+      <a:bgFillStyleLst>
+        <a:solidFill>
+          <a:schemeClr val="phClr"/>
+        </a:solidFill>
+        <a:gradFill rotWithShape="1">
+          <a:gsLst>
+            <a:gs pos="0">
+              <a:schemeClr val="phClr">
+                <a:tint val="40000"/>
+                <a:satMod val="350000"/>
+              </a:schemeClr>
+            </a:gs>
+            <a:gs pos="40000">
+              <a:schemeClr val="phClr">
+                <a:tint val="45000"/>
+                <a:shade val="99000"/>
+                <a:satMod val="350000"/>
+              </a:schemeClr>
+            </a:gs>
+            <a:gs pos="100000">
+              <a:schemeClr val="phClr">
+                <a:shade val="20000"/>
+                <a:satMod val="255000"/>
+              </a:schemeClr>
+            </a:gs>
+          </a:gsLst>
+          <a:path path="circle">
+            <a:fillToRect l="50000" t="-80000" r="50000" b="180000"/>
+          </a:path>
+        </a:gradFill>
+        <a:gradFill rotWithShape="1">
+          <a:gsLst>
+            <a:gs pos="0">
+              <a:schemeClr val="phClr">
+                <a:tint val="80000"/>
+                <a:satMod val="300000"/>
+              </a:schemeClr>
+            </a:gs>
+            <a:gs pos="100000">
+              <a:schemeClr val="phClr">
+                <a:shade val="30000"/>
+                <a:satMod val="200000"/>
+              </a:schemeClr>
+            </a:gs>
+          </a:gsLst>
+          <a:path path="circle">
+            <a:fillToRect l="50000" t="50000" r="50000" b="50000"/>
+          </a:path>
+        </a:gradFill>
+      </a:bgFillStyleLst>
+    </a:fmtScheme>
+  </a:themeElements>
+  <a:objectDefaults/>
+  <a:extraClrSchemeLst/>
+</a:theme>
 </file>
--- a/Präsentationen/PT1.pptx
+++ b/Präsentationen/PT1.pptx
@@ -132,7 +132,7 @@
   </p:defaultTextStyle>
   <p:extLst>
     <p:ext uri="{EFAFB233-063F-42B5-8137-9DF3F51BA10A}">
-      <p15:sldGuideLst xmlns:p15="http://schemas.microsoft.com/office/powerpoint/2012/main" xmlns="">
+      <p15:sldGuideLst xmlns:p15="http://schemas.microsoft.com/office/powerpoint/2012/main">
         <p15:guide id="1" orient="horz" pos="2160">
           <p15:clr>
             <a:srgbClr val="A4A3A4"/>
@@ -543,6 +543,1770 @@
           <a:bodyPr/>
           <a:lstStyle/>
           <a:p>
+            <a:endParaRPr lang="de-DE"/>
+          </a:p>
+        </p:txBody>
+      </p:sp>
+      <p:sp>
+        <p:nvSpPr>
+          <p:cNvPr id="4" name="Foliennummernplatzhalter 3"/>
+          <p:cNvSpPr>
+            <a:spLocks noGrp="1"/>
+          </p:cNvSpPr>
+          <p:nvPr>
+            <p:ph type="sldNum" sz="quarter" idx="10"/>
+          </p:nvPr>
+        </p:nvSpPr>
+        <p:spPr/>
+        <p:txBody>
+          <a:bodyPr/>
+          <a:lstStyle/>
+          <a:p>
+            <a:fld id="{B1F34494-F0DF-4E68-B7BF-0E463064838E}" type="slidenum">
+              <a:rPr lang="de-DE" smtClean="0"/>
+              <a:t>1</a:t>
+            </a:fld>
+            <a:endParaRPr lang="de-DE"/>
+          </a:p>
+        </p:txBody>
+      </p:sp>
+    </p:spTree>
+    <p:extLst>
+      <p:ext uri="{BB962C8B-B14F-4D97-AF65-F5344CB8AC3E}">
+        <p14:creationId xmlns:p14="http://schemas.microsoft.com/office/powerpoint/2010/main" val="2899720914"/>
+      </p:ext>
+    </p:extLst>
+  </p:cSld>
+  <p:clrMapOvr>
+    <a:masterClrMapping/>
+  </p:clrMapOvr>
+</p:notes>
+</file>
+
+<file path=ppt/notesSlides/notesSlide10.xml><?xml version="1.0" encoding="utf-8"?>
+<p:notes xmlns:a="http://schemas.openxmlformats.org/drawingml/2006/main" xmlns:r="http://schemas.openxmlformats.org/officeDocument/2006/relationships" xmlns:p="http://schemas.openxmlformats.org/presentationml/2006/main">
+  <p:cSld>
+    <p:spTree>
+      <p:nvGrpSpPr>
+        <p:cNvPr id="1" name=""/>
+        <p:cNvGrpSpPr/>
+        <p:nvPr/>
+      </p:nvGrpSpPr>
+      <p:grpSpPr>
+        <a:xfrm>
+          <a:off x="0" y="0"/>
+          <a:ext cx="0" cy="0"/>
+          <a:chOff x="0" y="0"/>
+          <a:chExt cx="0" cy="0"/>
+        </a:xfrm>
+      </p:grpSpPr>
+      <p:sp>
+        <p:nvSpPr>
+          <p:cNvPr id="2" name="Folienbildplatzhalter 1"/>
+          <p:cNvSpPr>
+            <a:spLocks noGrp="1" noRot="1" noChangeAspect="1"/>
+          </p:cNvSpPr>
+          <p:nvPr>
+            <p:ph type="sldImg"/>
+          </p:nvPr>
+        </p:nvSpPr>
+        <p:spPr/>
+      </p:sp>
+      <p:sp>
+        <p:nvSpPr>
+          <p:cNvPr id="3" name="Notizenplatzhalter 2"/>
+          <p:cNvSpPr>
+            <a:spLocks noGrp="1"/>
+          </p:cNvSpPr>
+          <p:nvPr>
+            <p:ph type="body" idx="1"/>
+          </p:nvPr>
+        </p:nvSpPr>
+        <p:spPr/>
+        <p:txBody>
+          <a:bodyPr/>
+          <a:lstStyle/>
+          <a:p>
+            <a:endParaRPr lang="de-DE"/>
+          </a:p>
+        </p:txBody>
+      </p:sp>
+      <p:sp>
+        <p:nvSpPr>
+          <p:cNvPr id="4" name="Foliennummernplatzhalter 3"/>
+          <p:cNvSpPr>
+            <a:spLocks noGrp="1"/>
+          </p:cNvSpPr>
+          <p:nvPr>
+            <p:ph type="sldNum" sz="quarter" idx="10"/>
+          </p:nvPr>
+        </p:nvSpPr>
+        <p:spPr/>
+        <p:txBody>
+          <a:bodyPr/>
+          <a:lstStyle/>
+          <a:p>
+            <a:fld id="{B1F34494-F0DF-4E68-B7BF-0E463064838E}" type="slidenum">
+              <a:rPr lang="de-DE" smtClean="0"/>
+              <a:t>10</a:t>
+            </a:fld>
+            <a:endParaRPr lang="de-DE"/>
+          </a:p>
+        </p:txBody>
+      </p:sp>
+    </p:spTree>
+    <p:extLst>
+      <p:ext uri="{BB962C8B-B14F-4D97-AF65-F5344CB8AC3E}">
+        <p14:creationId xmlns:p14="http://schemas.microsoft.com/office/powerpoint/2010/main" val="3903788858"/>
+      </p:ext>
+    </p:extLst>
+  </p:cSld>
+  <p:clrMapOvr>
+    <a:masterClrMapping/>
+  </p:clrMapOvr>
+</p:notes>
+</file>
+
+<file path=ppt/notesSlides/notesSlide11.xml><?xml version="1.0" encoding="utf-8"?>
+<p:notes xmlns:a="http://schemas.openxmlformats.org/drawingml/2006/main" xmlns:r="http://schemas.openxmlformats.org/officeDocument/2006/relationships" xmlns:p="http://schemas.openxmlformats.org/presentationml/2006/main">
+  <p:cSld>
+    <p:spTree>
+      <p:nvGrpSpPr>
+        <p:cNvPr id="1" name=""/>
+        <p:cNvGrpSpPr/>
+        <p:nvPr/>
+      </p:nvGrpSpPr>
+      <p:grpSpPr>
+        <a:xfrm>
+          <a:off x="0" y="0"/>
+          <a:ext cx="0" cy="0"/>
+          <a:chOff x="0" y="0"/>
+          <a:chExt cx="0" cy="0"/>
+        </a:xfrm>
+      </p:grpSpPr>
+      <p:sp>
+        <p:nvSpPr>
+          <p:cNvPr id="2" name="Folienbildplatzhalter 1"/>
+          <p:cNvSpPr>
+            <a:spLocks noGrp="1" noRot="1" noChangeAspect="1"/>
+          </p:cNvSpPr>
+          <p:nvPr>
+            <p:ph type="sldImg"/>
+          </p:nvPr>
+        </p:nvSpPr>
+        <p:spPr/>
+      </p:sp>
+      <p:sp>
+        <p:nvSpPr>
+          <p:cNvPr id="3" name="Notizenplatzhalter 2"/>
+          <p:cNvSpPr>
+            <a:spLocks noGrp="1"/>
+          </p:cNvSpPr>
+          <p:nvPr>
+            <p:ph type="body" idx="1"/>
+          </p:nvPr>
+        </p:nvSpPr>
+        <p:spPr/>
+        <p:txBody>
+          <a:bodyPr/>
+          <a:lstStyle/>
+          <a:p>
+            <a:endParaRPr lang="de-DE"/>
+          </a:p>
+        </p:txBody>
+      </p:sp>
+      <p:sp>
+        <p:nvSpPr>
+          <p:cNvPr id="4" name="Foliennummernplatzhalter 3"/>
+          <p:cNvSpPr>
+            <a:spLocks noGrp="1"/>
+          </p:cNvSpPr>
+          <p:nvPr>
+            <p:ph type="sldNum" sz="quarter" idx="10"/>
+          </p:nvPr>
+        </p:nvSpPr>
+        <p:spPr/>
+        <p:txBody>
+          <a:bodyPr/>
+          <a:lstStyle/>
+          <a:p>
+            <a:fld id="{B1F34494-F0DF-4E68-B7BF-0E463064838E}" type="slidenum">
+              <a:rPr lang="de-DE" smtClean="0"/>
+              <a:t>11</a:t>
+            </a:fld>
+            <a:endParaRPr lang="de-DE"/>
+          </a:p>
+        </p:txBody>
+      </p:sp>
+    </p:spTree>
+    <p:extLst>
+      <p:ext uri="{BB962C8B-B14F-4D97-AF65-F5344CB8AC3E}">
+        <p14:creationId xmlns:p14="http://schemas.microsoft.com/office/powerpoint/2010/main" val="218445526"/>
+      </p:ext>
+    </p:extLst>
+  </p:cSld>
+  <p:clrMapOvr>
+    <a:masterClrMapping/>
+  </p:clrMapOvr>
+</p:notes>
+</file>
+
+<file path=ppt/notesSlides/notesSlide12.xml><?xml version="1.0" encoding="utf-8"?>
+<p:notes xmlns:a="http://schemas.openxmlformats.org/drawingml/2006/main" xmlns:r="http://schemas.openxmlformats.org/officeDocument/2006/relationships" xmlns:p="http://schemas.openxmlformats.org/presentationml/2006/main">
+  <p:cSld>
+    <p:spTree>
+      <p:nvGrpSpPr>
+        <p:cNvPr id="1" name=""/>
+        <p:cNvGrpSpPr/>
+        <p:nvPr/>
+      </p:nvGrpSpPr>
+      <p:grpSpPr>
+        <a:xfrm>
+          <a:off x="0" y="0"/>
+          <a:ext cx="0" cy="0"/>
+          <a:chOff x="0" y="0"/>
+          <a:chExt cx="0" cy="0"/>
+        </a:xfrm>
+      </p:grpSpPr>
+      <p:sp>
+        <p:nvSpPr>
+          <p:cNvPr id="2" name="Folienbildplatzhalter 1"/>
+          <p:cNvSpPr>
+            <a:spLocks noGrp="1" noRot="1" noChangeAspect="1"/>
+          </p:cNvSpPr>
+          <p:nvPr>
+            <p:ph type="sldImg"/>
+          </p:nvPr>
+        </p:nvSpPr>
+        <p:spPr/>
+      </p:sp>
+      <p:sp>
+        <p:nvSpPr>
+          <p:cNvPr id="3" name="Notizenplatzhalter 2"/>
+          <p:cNvSpPr>
+            <a:spLocks noGrp="1"/>
+          </p:cNvSpPr>
+          <p:nvPr>
+            <p:ph type="body" idx="1"/>
+          </p:nvPr>
+        </p:nvSpPr>
+        <p:spPr/>
+        <p:txBody>
+          <a:bodyPr/>
+          <a:lstStyle/>
+          <a:p>
+            <a:endParaRPr lang="de-DE"/>
+          </a:p>
+        </p:txBody>
+      </p:sp>
+      <p:sp>
+        <p:nvSpPr>
+          <p:cNvPr id="4" name="Foliennummernplatzhalter 3"/>
+          <p:cNvSpPr>
+            <a:spLocks noGrp="1"/>
+          </p:cNvSpPr>
+          <p:nvPr>
+            <p:ph type="sldNum" sz="quarter" idx="10"/>
+          </p:nvPr>
+        </p:nvSpPr>
+        <p:spPr/>
+        <p:txBody>
+          <a:bodyPr/>
+          <a:lstStyle/>
+          <a:p>
+            <a:fld id="{B1F34494-F0DF-4E68-B7BF-0E463064838E}" type="slidenum">
+              <a:rPr lang="de-DE" smtClean="0"/>
+              <a:t>12</a:t>
+            </a:fld>
+            <a:endParaRPr lang="de-DE"/>
+          </a:p>
+        </p:txBody>
+      </p:sp>
+    </p:spTree>
+    <p:extLst>
+      <p:ext uri="{BB962C8B-B14F-4D97-AF65-F5344CB8AC3E}">
+        <p14:creationId xmlns:p14="http://schemas.microsoft.com/office/powerpoint/2010/main" val="3489275543"/>
+      </p:ext>
+    </p:extLst>
+  </p:cSld>
+  <p:clrMapOvr>
+    <a:masterClrMapping/>
+  </p:clrMapOvr>
+</p:notes>
+</file>
+
+<file path=ppt/notesSlides/notesSlide13.xml><?xml version="1.0" encoding="utf-8"?>
+<p:notes xmlns:a="http://schemas.openxmlformats.org/drawingml/2006/main" xmlns:r="http://schemas.openxmlformats.org/officeDocument/2006/relationships" xmlns:p="http://schemas.openxmlformats.org/presentationml/2006/main">
+  <p:cSld>
+    <p:spTree>
+      <p:nvGrpSpPr>
+        <p:cNvPr id="1" name=""/>
+        <p:cNvGrpSpPr/>
+        <p:nvPr/>
+      </p:nvGrpSpPr>
+      <p:grpSpPr>
+        <a:xfrm>
+          <a:off x="0" y="0"/>
+          <a:ext cx="0" cy="0"/>
+          <a:chOff x="0" y="0"/>
+          <a:chExt cx="0" cy="0"/>
+        </a:xfrm>
+      </p:grpSpPr>
+      <p:sp>
+        <p:nvSpPr>
+          <p:cNvPr id="2" name="Folienbildplatzhalter 1"/>
+          <p:cNvSpPr>
+            <a:spLocks noGrp="1" noRot="1" noChangeAspect="1"/>
+          </p:cNvSpPr>
+          <p:nvPr>
+            <p:ph type="sldImg"/>
+          </p:nvPr>
+        </p:nvSpPr>
+        <p:spPr/>
+      </p:sp>
+      <p:sp>
+        <p:nvSpPr>
+          <p:cNvPr id="3" name="Notizenplatzhalter 2"/>
+          <p:cNvSpPr>
+            <a:spLocks noGrp="1"/>
+          </p:cNvSpPr>
+          <p:nvPr>
+            <p:ph type="body" idx="1"/>
+          </p:nvPr>
+        </p:nvSpPr>
+        <p:spPr/>
+        <p:txBody>
+          <a:bodyPr/>
+          <a:lstStyle/>
+          <a:p>
+            <a:endParaRPr lang="de-DE"/>
+          </a:p>
+        </p:txBody>
+      </p:sp>
+      <p:sp>
+        <p:nvSpPr>
+          <p:cNvPr id="4" name="Foliennummernplatzhalter 3"/>
+          <p:cNvSpPr>
+            <a:spLocks noGrp="1"/>
+          </p:cNvSpPr>
+          <p:nvPr>
+            <p:ph type="sldNum" sz="quarter" idx="10"/>
+          </p:nvPr>
+        </p:nvSpPr>
+        <p:spPr/>
+        <p:txBody>
+          <a:bodyPr/>
+          <a:lstStyle/>
+          <a:p>
+            <a:fld id="{B1F34494-F0DF-4E68-B7BF-0E463064838E}" type="slidenum">
+              <a:rPr lang="de-DE" smtClean="0"/>
+              <a:t>13</a:t>
+            </a:fld>
+            <a:endParaRPr lang="de-DE"/>
+          </a:p>
+        </p:txBody>
+      </p:sp>
+    </p:spTree>
+    <p:extLst>
+      <p:ext uri="{BB962C8B-B14F-4D97-AF65-F5344CB8AC3E}">
+        <p14:creationId xmlns:p14="http://schemas.microsoft.com/office/powerpoint/2010/main" val="2064616508"/>
+      </p:ext>
+    </p:extLst>
+  </p:cSld>
+  <p:clrMapOvr>
+    <a:masterClrMapping/>
+  </p:clrMapOvr>
+</p:notes>
+</file>
+
+<file path=ppt/notesSlides/notesSlide14.xml><?xml version="1.0" encoding="utf-8"?>
+<p:notes xmlns:a="http://schemas.openxmlformats.org/drawingml/2006/main" xmlns:r="http://schemas.openxmlformats.org/officeDocument/2006/relationships" xmlns:p="http://schemas.openxmlformats.org/presentationml/2006/main">
+  <p:cSld>
+    <p:spTree>
+      <p:nvGrpSpPr>
+        <p:cNvPr id="1" name=""/>
+        <p:cNvGrpSpPr/>
+        <p:nvPr/>
+      </p:nvGrpSpPr>
+      <p:grpSpPr>
+        <a:xfrm>
+          <a:off x="0" y="0"/>
+          <a:ext cx="0" cy="0"/>
+          <a:chOff x="0" y="0"/>
+          <a:chExt cx="0" cy="0"/>
+        </a:xfrm>
+      </p:grpSpPr>
+      <p:sp>
+        <p:nvSpPr>
+          <p:cNvPr id="2" name="Folienbildplatzhalter 1"/>
+          <p:cNvSpPr>
+            <a:spLocks noGrp="1" noRot="1" noChangeAspect="1"/>
+          </p:cNvSpPr>
+          <p:nvPr>
+            <p:ph type="sldImg"/>
+          </p:nvPr>
+        </p:nvSpPr>
+        <p:spPr/>
+      </p:sp>
+      <p:sp>
+        <p:nvSpPr>
+          <p:cNvPr id="3" name="Notizenplatzhalter 2"/>
+          <p:cNvSpPr>
+            <a:spLocks noGrp="1"/>
+          </p:cNvSpPr>
+          <p:nvPr>
+            <p:ph type="body" idx="1"/>
+          </p:nvPr>
+        </p:nvSpPr>
+        <p:spPr/>
+        <p:txBody>
+          <a:bodyPr/>
+          <a:lstStyle/>
+          <a:p>
+            <a:endParaRPr lang="de-DE"/>
+          </a:p>
+        </p:txBody>
+      </p:sp>
+      <p:sp>
+        <p:nvSpPr>
+          <p:cNvPr id="4" name="Foliennummernplatzhalter 3"/>
+          <p:cNvSpPr>
+            <a:spLocks noGrp="1"/>
+          </p:cNvSpPr>
+          <p:nvPr>
+            <p:ph type="sldNum" sz="quarter" idx="10"/>
+          </p:nvPr>
+        </p:nvSpPr>
+        <p:spPr/>
+        <p:txBody>
+          <a:bodyPr/>
+          <a:lstStyle/>
+          <a:p>
+            <a:fld id="{B1F34494-F0DF-4E68-B7BF-0E463064838E}" type="slidenum">
+              <a:rPr lang="de-DE" smtClean="0"/>
+              <a:t>14</a:t>
+            </a:fld>
+            <a:endParaRPr lang="de-DE"/>
+          </a:p>
+        </p:txBody>
+      </p:sp>
+    </p:spTree>
+    <p:extLst>
+      <p:ext uri="{BB962C8B-B14F-4D97-AF65-F5344CB8AC3E}">
+        <p14:creationId xmlns:p14="http://schemas.microsoft.com/office/powerpoint/2010/main" val="379278685"/>
+      </p:ext>
+    </p:extLst>
+  </p:cSld>
+  <p:clrMapOvr>
+    <a:masterClrMapping/>
+  </p:clrMapOvr>
+</p:notes>
+</file>
+
+<file path=ppt/notesSlides/notesSlide15.xml><?xml version="1.0" encoding="utf-8"?>
+<p:notes xmlns:a="http://schemas.openxmlformats.org/drawingml/2006/main" xmlns:r="http://schemas.openxmlformats.org/officeDocument/2006/relationships" xmlns:p="http://schemas.openxmlformats.org/presentationml/2006/main">
+  <p:cSld>
+    <p:spTree>
+      <p:nvGrpSpPr>
+        <p:cNvPr id="1" name=""/>
+        <p:cNvGrpSpPr/>
+        <p:nvPr/>
+      </p:nvGrpSpPr>
+      <p:grpSpPr>
+        <a:xfrm>
+          <a:off x="0" y="0"/>
+          <a:ext cx="0" cy="0"/>
+          <a:chOff x="0" y="0"/>
+          <a:chExt cx="0" cy="0"/>
+        </a:xfrm>
+      </p:grpSpPr>
+      <p:sp>
+        <p:nvSpPr>
+          <p:cNvPr id="2" name="Folienbildplatzhalter 1"/>
+          <p:cNvSpPr>
+            <a:spLocks noGrp="1" noRot="1" noChangeAspect="1"/>
+          </p:cNvSpPr>
+          <p:nvPr>
+            <p:ph type="sldImg"/>
+          </p:nvPr>
+        </p:nvSpPr>
+        <p:spPr/>
+      </p:sp>
+      <p:sp>
+        <p:nvSpPr>
+          <p:cNvPr id="3" name="Notizenplatzhalter 2"/>
+          <p:cNvSpPr>
+            <a:spLocks noGrp="1"/>
+          </p:cNvSpPr>
+          <p:nvPr>
+            <p:ph type="body" idx="1"/>
+          </p:nvPr>
+        </p:nvSpPr>
+        <p:spPr/>
+        <p:txBody>
+          <a:bodyPr/>
+          <a:lstStyle/>
+          <a:p>
+            <a:endParaRPr lang="de-DE"/>
+          </a:p>
+        </p:txBody>
+      </p:sp>
+      <p:sp>
+        <p:nvSpPr>
+          <p:cNvPr id="4" name="Foliennummernplatzhalter 3"/>
+          <p:cNvSpPr>
+            <a:spLocks noGrp="1"/>
+          </p:cNvSpPr>
+          <p:nvPr>
+            <p:ph type="sldNum" sz="quarter" idx="10"/>
+          </p:nvPr>
+        </p:nvSpPr>
+        <p:spPr/>
+        <p:txBody>
+          <a:bodyPr/>
+          <a:lstStyle/>
+          <a:p>
+            <a:fld id="{B1F34494-F0DF-4E68-B7BF-0E463064838E}" type="slidenum">
+              <a:rPr lang="de-DE" smtClean="0"/>
+              <a:t>15</a:t>
+            </a:fld>
+            <a:endParaRPr lang="de-DE"/>
+          </a:p>
+        </p:txBody>
+      </p:sp>
+    </p:spTree>
+    <p:extLst>
+      <p:ext uri="{BB962C8B-B14F-4D97-AF65-F5344CB8AC3E}">
+        <p14:creationId xmlns:p14="http://schemas.microsoft.com/office/powerpoint/2010/main" val="940145440"/>
+      </p:ext>
+    </p:extLst>
+  </p:cSld>
+  <p:clrMapOvr>
+    <a:masterClrMapping/>
+  </p:clrMapOvr>
+</p:notes>
+</file>
+
+<file path=ppt/notesSlides/notesSlide16.xml><?xml version="1.0" encoding="utf-8"?>
+<p:notes xmlns:a="http://schemas.openxmlformats.org/drawingml/2006/main" xmlns:r="http://schemas.openxmlformats.org/officeDocument/2006/relationships" xmlns:p="http://schemas.openxmlformats.org/presentationml/2006/main">
+  <p:cSld>
+    <p:spTree>
+      <p:nvGrpSpPr>
+        <p:cNvPr id="1" name=""/>
+        <p:cNvGrpSpPr/>
+        <p:nvPr/>
+      </p:nvGrpSpPr>
+      <p:grpSpPr>
+        <a:xfrm>
+          <a:off x="0" y="0"/>
+          <a:ext cx="0" cy="0"/>
+          <a:chOff x="0" y="0"/>
+          <a:chExt cx="0" cy="0"/>
+        </a:xfrm>
+      </p:grpSpPr>
+      <p:sp>
+        <p:nvSpPr>
+          <p:cNvPr id="2" name="Folienbildplatzhalter 1"/>
+          <p:cNvSpPr>
+            <a:spLocks noGrp="1" noRot="1" noChangeAspect="1"/>
+          </p:cNvSpPr>
+          <p:nvPr>
+            <p:ph type="sldImg"/>
+          </p:nvPr>
+        </p:nvSpPr>
+        <p:spPr/>
+      </p:sp>
+      <p:sp>
+        <p:nvSpPr>
+          <p:cNvPr id="3" name="Notizenplatzhalter 2"/>
+          <p:cNvSpPr>
+            <a:spLocks noGrp="1"/>
+          </p:cNvSpPr>
+          <p:nvPr>
+            <p:ph type="body" idx="1"/>
+          </p:nvPr>
+        </p:nvSpPr>
+        <p:spPr/>
+        <p:txBody>
+          <a:bodyPr/>
+          <a:lstStyle/>
+          <a:p>
+            <a:endParaRPr lang="de-DE"/>
+          </a:p>
+        </p:txBody>
+      </p:sp>
+      <p:sp>
+        <p:nvSpPr>
+          <p:cNvPr id="4" name="Foliennummernplatzhalter 3"/>
+          <p:cNvSpPr>
+            <a:spLocks noGrp="1"/>
+          </p:cNvSpPr>
+          <p:nvPr>
+            <p:ph type="sldNum" sz="quarter" idx="10"/>
+          </p:nvPr>
+        </p:nvSpPr>
+        <p:spPr/>
+        <p:txBody>
+          <a:bodyPr/>
+          <a:lstStyle/>
+          <a:p>
+            <a:fld id="{B1F34494-F0DF-4E68-B7BF-0E463064838E}" type="slidenum">
+              <a:rPr lang="de-DE" smtClean="0"/>
+              <a:t>16</a:t>
+            </a:fld>
+            <a:endParaRPr lang="de-DE"/>
+          </a:p>
+        </p:txBody>
+      </p:sp>
+    </p:spTree>
+    <p:extLst>
+      <p:ext uri="{BB962C8B-B14F-4D97-AF65-F5344CB8AC3E}">
+        <p14:creationId xmlns:p14="http://schemas.microsoft.com/office/powerpoint/2010/main" val="1231272436"/>
+      </p:ext>
+    </p:extLst>
+  </p:cSld>
+  <p:clrMapOvr>
+    <a:masterClrMapping/>
+  </p:clrMapOvr>
+</p:notes>
+</file>
+
+<file path=ppt/notesSlides/notesSlide17.xml><?xml version="1.0" encoding="utf-8"?>
+<p:notes xmlns:a="http://schemas.openxmlformats.org/drawingml/2006/main" xmlns:r="http://schemas.openxmlformats.org/officeDocument/2006/relationships" xmlns:p="http://schemas.openxmlformats.org/presentationml/2006/main">
+  <p:cSld>
+    <p:spTree>
+      <p:nvGrpSpPr>
+        <p:cNvPr id="1" name=""/>
+        <p:cNvGrpSpPr/>
+        <p:nvPr/>
+      </p:nvGrpSpPr>
+      <p:grpSpPr>
+        <a:xfrm>
+          <a:off x="0" y="0"/>
+          <a:ext cx="0" cy="0"/>
+          <a:chOff x="0" y="0"/>
+          <a:chExt cx="0" cy="0"/>
+        </a:xfrm>
+      </p:grpSpPr>
+      <p:sp>
+        <p:nvSpPr>
+          <p:cNvPr id="2" name="Folienbildplatzhalter 1"/>
+          <p:cNvSpPr>
+            <a:spLocks noGrp="1" noRot="1" noChangeAspect="1"/>
+          </p:cNvSpPr>
+          <p:nvPr>
+            <p:ph type="sldImg"/>
+          </p:nvPr>
+        </p:nvSpPr>
+        <p:spPr/>
+      </p:sp>
+      <p:sp>
+        <p:nvSpPr>
+          <p:cNvPr id="3" name="Notizenplatzhalter 2"/>
+          <p:cNvSpPr>
+            <a:spLocks noGrp="1"/>
+          </p:cNvSpPr>
+          <p:nvPr>
+            <p:ph type="body" idx="1"/>
+          </p:nvPr>
+        </p:nvSpPr>
+        <p:spPr/>
+        <p:txBody>
+          <a:bodyPr/>
+          <a:lstStyle/>
+          <a:p>
+            <a:endParaRPr lang="de-DE"/>
+          </a:p>
+        </p:txBody>
+      </p:sp>
+      <p:sp>
+        <p:nvSpPr>
+          <p:cNvPr id="4" name="Foliennummernplatzhalter 3"/>
+          <p:cNvSpPr>
+            <a:spLocks noGrp="1"/>
+          </p:cNvSpPr>
+          <p:nvPr>
+            <p:ph type="sldNum" sz="quarter" idx="10"/>
+          </p:nvPr>
+        </p:nvSpPr>
+        <p:spPr/>
+        <p:txBody>
+          <a:bodyPr/>
+          <a:lstStyle/>
+          <a:p>
+            <a:fld id="{B1F34494-F0DF-4E68-B7BF-0E463064838E}" type="slidenum">
+              <a:rPr lang="de-DE" smtClean="0"/>
+              <a:t>17</a:t>
+            </a:fld>
+            <a:endParaRPr lang="de-DE"/>
+          </a:p>
+        </p:txBody>
+      </p:sp>
+    </p:spTree>
+    <p:extLst>
+      <p:ext uri="{BB962C8B-B14F-4D97-AF65-F5344CB8AC3E}">
+        <p14:creationId xmlns:p14="http://schemas.microsoft.com/office/powerpoint/2010/main" val="3595783856"/>
+      </p:ext>
+    </p:extLst>
+  </p:cSld>
+  <p:clrMapOvr>
+    <a:masterClrMapping/>
+  </p:clrMapOvr>
+</p:notes>
+</file>
+
+<file path=ppt/notesSlides/notesSlide18.xml><?xml version="1.0" encoding="utf-8"?>
+<p:notes xmlns:a="http://schemas.openxmlformats.org/drawingml/2006/main" xmlns:r="http://schemas.openxmlformats.org/officeDocument/2006/relationships" xmlns:p="http://schemas.openxmlformats.org/presentationml/2006/main">
+  <p:cSld>
+    <p:spTree>
+      <p:nvGrpSpPr>
+        <p:cNvPr id="1" name=""/>
+        <p:cNvGrpSpPr/>
+        <p:nvPr/>
+      </p:nvGrpSpPr>
+      <p:grpSpPr>
+        <a:xfrm>
+          <a:off x="0" y="0"/>
+          <a:ext cx="0" cy="0"/>
+          <a:chOff x="0" y="0"/>
+          <a:chExt cx="0" cy="0"/>
+        </a:xfrm>
+      </p:grpSpPr>
+      <p:sp>
+        <p:nvSpPr>
+          <p:cNvPr id="2" name="Folienbildplatzhalter 1"/>
+          <p:cNvSpPr>
+            <a:spLocks noGrp="1" noRot="1" noChangeAspect="1"/>
+          </p:cNvSpPr>
+          <p:nvPr>
+            <p:ph type="sldImg"/>
+          </p:nvPr>
+        </p:nvSpPr>
+        <p:spPr/>
+      </p:sp>
+      <p:sp>
+        <p:nvSpPr>
+          <p:cNvPr id="3" name="Notizenplatzhalter 2"/>
+          <p:cNvSpPr>
+            <a:spLocks noGrp="1"/>
+          </p:cNvSpPr>
+          <p:nvPr>
+            <p:ph type="body" idx="1"/>
+          </p:nvPr>
+        </p:nvSpPr>
+        <p:spPr/>
+        <p:txBody>
+          <a:bodyPr/>
+          <a:lstStyle/>
+          <a:p>
+            <a:endParaRPr lang="de-DE"/>
+          </a:p>
+        </p:txBody>
+      </p:sp>
+      <p:sp>
+        <p:nvSpPr>
+          <p:cNvPr id="4" name="Foliennummernplatzhalter 3"/>
+          <p:cNvSpPr>
+            <a:spLocks noGrp="1"/>
+          </p:cNvSpPr>
+          <p:nvPr>
+            <p:ph type="sldNum" sz="quarter" idx="10"/>
+          </p:nvPr>
+        </p:nvSpPr>
+        <p:spPr/>
+        <p:txBody>
+          <a:bodyPr/>
+          <a:lstStyle/>
+          <a:p>
+            <a:fld id="{B1F34494-F0DF-4E68-B7BF-0E463064838E}" type="slidenum">
+              <a:rPr lang="de-DE" smtClean="0"/>
+              <a:t>18</a:t>
+            </a:fld>
+            <a:endParaRPr lang="de-DE"/>
+          </a:p>
+        </p:txBody>
+      </p:sp>
+    </p:spTree>
+    <p:extLst>
+      <p:ext uri="{BB962C8B-B14F-4D97-AF65-F5344CB8AC3E}">
+        <p14:creationId xmlns:p14="http://schemas.microsoft.com/office/powerpoint/2010/main" val="3487507872"/>
+      </p:ext>
+    </p:extLst>
+  </p:cSld>
+  <p:clrMapOvr>
+    <a:masterClrMapping/>
+  </p:clrMapOvr>
+</p:notes>
+</file>
+
+<file path=ppt/notesSlides/notesSlide19.xml><?xml version="1.0" encoding="utf-8"?>
+<p:notes xmlns:a="http://schemas.openxmlformats.org/drawingml/2006/main" xmlns:r="http://schemas.openxmlformats.org/officeDocument/2006/relationships" xmlns:p="http://schemas.openxmlformats.org/presentationml/2006/main">
+  <p:cSld>
+    <p:spTree>
+      <p:nvGrpSpPr>
+        <p:cNvPr id="1" name=""/>
+        <p:cNvGrpSpPr/>
+        <p:nvPr/>
+      </p:nvGrpSpPr>
+      <p:grpSpPr>
+        <a:xfrm>
+          <a:off x="0" y="0"/>
+          <a:ext cx="0" cy="0"/>
+          <a:chOff x="0" y="0"/>
+          <a:chExt cx="0" cy="0"/>
+        </a:xfrm>
+      </p:grpSpPr>
+      <p:sp>
+        <p:nvSpPr>
+          <p:cNvPr id="2" name="Folienbildplatzhalter 1"/>
+          <p:cNvSpPr>
+            <a:spLocks noGrp="1" noRot="1" noChangeAspect="1"/>
+          </p:cNvSpPr>
+          <p:nvPr>
+            <p:ph type="sldImg"/>
+          </p:nvPr>
+        </p:nvSpPr>
+        <p:spPr/>
+      </p:sp>
+      <p:sp>
+        <p:nvSpPr>
+          <p:cNvPr id="3" name="Notizenplatzhalter 2"/>
+          <p:cNvSpPr>
+            <a:spLocks noGrp="1"/>
+          </p:cNvSpPr>
+          <p:nvPr>
+            <p:ph type="body" idx="1"/>
+          </p:nvPr>
+        </p:nvSpPr>
+        <p:spPr/>
+        <p:txBody>
+          <a:bodyPr/>
+          <a:lstStyle/>
+          <a:p>
+            <a:endParaRPr lang="de-DE"/>
+          </a:p>
+        </p:txBody>
+      </p:sp>
+      <p:sp>
+        <p:nvSpPr>
+          <p:cNvPr id="4" name="Foliennummernplatzhalter 3"/>
+          <p:cNvSpPr>
+            <a:spLocks noGrp="1"/>
+          </p:cNvSpPr>
+          <p:nvPr>
+            <p:ph type="sldNum" sz="quarter" idx="10"/>
+          </p:nvPr>
+        </p:nvSpPr>
+        <p:spPr/>
+        <p:txBody>
+          <a:bodyPr/>
+          <a:lstStyle/>
+          <a:p>
+            <a:fld id="{B1F34494-F0DF-4E68-B7BF-0E463064838E}" type="slidenum">
+              <a:rPr lang="de-DE" smtClean="0"/>
+              <a:t>19</a:t>
+            </a:fld>
+            <a:endParaRPr lang="de-DE"/>
+          </a:p>
+        </p:txBody>
+      </p:sp>
+    </p:spTree>
+    <p:extLst>
+      <p:ext uri="{BB962C8B-B14F-4D97-AF65-F5344CB8AC3E}">
+        <p14:creationId xmlns:p14="http://schemas.microsoft.com/office/powerpoint/2010/main" val="1793842572"/>
+      </p:ext>
+    </p:extLst>
+  </p:cSld>
+  <p:clrMapOvr>
+    <a:masterClrMapping/>
+  </p:clrMapOvr>
+</p:notes>
+</file>
+
+<file path=ppt/notesSlides/notesSlide2.xml><?xml version="1.0" encoding="utf-8"?>
+<p:notes xmlns:a="http://schemas.openxmlformats.org/drawingml/2006/main" xmlns:r="http://schemas.openxmlformats.org/officeDocument/2006/relationships" xmlns:p="http://schemas.openxmlformats.org/presentationml/2006/main">
+  <p:cSld>
+    <p:spTree>
+      <p:nvGrpSpPr>
+        <p:cNvPr id="1" name=""/>
+        <p:cNvGrpSpPr/>
+        <p:nvPr/>
+      </p:nvGrpSpPr>
+      <p:grpSpPr>
+        <a:xfrm>
+          <a:off x="0" y="0"/>
+          <a:ext cx="0" cy="0"/>
+          <a:chOff x="0" y="0"/>
+          <a:chExt cx="0" cy="0"/>
+        </a:xfrm>
+      </p:grpSpPr>
+      <p:sp>
+        <p:nvSpPr>
+          <p:cNvPr id="2" name="Folienbildplatzhalter 1"/>
+          <p:cNvSpPr>
+            <a:spLocks noGrp="1" noRot="1" noChangeAspect="1"/>
+          </p:cNvSpPr>
+          <p:nvPr>
+            <p:ph type="sldImg"/>
+          </p:nvPr>
+        </p:nvSpPr>
+        <p:spPr/>
+      </p:sp>
+      <p:sp>
+        <p:nvSpPr>
+          <p:cNvPr id="3" name="Notizenplatzhalter 2"/>
+          <p:cNvSpPr>
+            <a:spLocks noGrp="1"/>
+          </p:cNvSpPr>
+          <p:nvPr>
+            <p:ph type="body" idx="1"/>
+          </p:nvPr>
+        </p:nvSpPr>
+        <p:spPr/>
+        <p:txBody>
+          <a:bodyPr/>
+          <a:lstStyle/>
+          <a:p>
+            <a:endParaRPr lang="de-DE"/>
+          </a:p>
+        </p:txBody>
+      </p:sp>
+      <p:sp>
+        <p:nvSpPr>
+          <p:cNvPr id="4" name="Foliennummernplatzhalter 3"/>
+          <p:cNvSpPr>
+            <a:spLocks noGrp="1"/>
+          </p:cNvSpPr>
+          <p:nvPr>
+            <p:ph type="sldNum" sz="quarter" idx="10"/>
+          </p:nvPr>
+        </p:nvSpPr>
+        <p:spPr/>
+        <p:txBody>
+          <a:bodyPr/>
+          <a:lstStyle/>
+          <a:p>
+            <a:fld id="{B1F34494-F0DF-4E68-B7BF-0E463064838E}" type="slidenum">
+              <a:rPr lang="de-DE" smtClean="0"/>
+              <a:t>2</a:t>
+            </a:fld>
+            <a:endParaRPr lang="de-DE"/>
+          </a:p>
+        </p:txBody>
+      </p:sp>
+    </p:spTree>
+    <p:extLst>
+      <p:ext uri="{BB962C8B-B14F-4D97-AF65-F5344CB8AC3E}">
+        <p14:creationId xmlns:p14="http://schemas.microsoft.com/office/powerpoint/2010/main" val="2405125565"/>
+      </p:ext>
+    </p:extLst>
+  </p:cSld>
+  <p:clrMapOvr>
+    <a:masterClrMapping/>
+  </p:clrMapOvr>
+</p:notes>
+</file>
+
+<file path=ppt/notesSlides/notesSlide20.xml><?xml version="1.0" encoding="utf-8"?>
+<p:notes xmlns:a="http://schemas.openxmlformats.org/drawingml/2006/main" xmlns:r="http://schemas.openxmlformats.org/officeDocument/2006/relationships" xmlns:p="http://schemas.openxmlformats.org/presentationml/2006/main">
+  <p:cSld>
+    <p:spTree>
+      <p:nvGrpSpPr>
+        <p:cNvPr id="1" name=""/>
+        <p:cNvGrpSpPr/>
+        <p:nvPr/>
+      </p:nvGrpSpPr>
+      <p:grpSpPr>
+        <a:xfrm>
+          <a:off x="0" y="0"/>
+          <a:ext cx="0" cy="0"/>
+          <a:chOff x="0" y="0"/>
+          <a:chExt cx="0" cy="0"/>
+        </a:xfrm>
+      </p:grpSpPr>
+      <p:sp>
+        <p:nvSpPr>
+          <p:cNvPr id="2" name="Folienbildplatzhalter 1"/>
+          <p:cNvSpPr>
+            <a:spLocks noGrp="1" noRot="1" noChangeAspect="1"/>
+          </p:cNvSpPr>
+          <p:nvPr>
+            <p:ph type="sldImg"/>
+          </p:nvPr>
+        </p:nvSpPr>
+        <p:spPr/>
+      </p:sp>
+      <p:sp>
+        <p:nvSpPr>
+          <p:cNvPr id="3" name="Notizenplatzhalter 2"/>
+          <p:cNvSpPr>
+            <a:spLocks noGrp="1"/>
+          </p:cNvSpPr>
+          <p:nvPr>
+            <p:ph type="body" idx="1"/>
+          </p:nvPr>
+        </p:nvSpPr>
+        <p:spPr/>
+        <p:txBody>
+          <a:bodyPr/>
+          <a:lstStyle/>
+          <a:p>
+            <a:endParaRPr lang="de-DE"/>
+          </a:p>
+        </p:txBody>
+      </p:sp>
+      <p:sp>
+        <p:nvSpPr>
+          <p:cNvPr id="4" name="Foliennummernplatzhalter 3"/>
+          <p:cNvSpPr>
+            <a:spLocks noGrp="1"/>
+          </p:cNvSpPr>
+          <p:nvPr>
+            <p:ph type="sldNum" sz="quarter" idx="10"/>
+          </p:nvPr>
+        </p:nvSpPr>
+        <p:spPr/>
+        <p:txBody>
+          <a:bodyPr/>
+          <a:lstStyle/>
+          <a:p>
+            <a:fld id="{B1F34494-F0DF-4E68-B7BF-0E463064838E}" type="slidenum">
+              <a:rPr lang="de-DE" smtClean="0"/>
+              <a:t>20</a:t>
+            </a:fld>
+            <a:endParaRPr lang="de-DE"/>
+          </a:p>
+        </p:txBody>
+      </p:sp>
+    </p:spTree>
+    <p:extLst>
+      <p:ext uri="{BB962C8B-B14F-4D97-AF65-F5344CB8AC3E}">
+        <p14:creationId xmlns:p14="http://schemas.microsoft.com/office/powerpoint/2010/main" val="220967539"/>
+      </p:ext>
+    </p:extLst>
+  </p:cSld>
+  <p:clrMapOvr>
+    <a:masterClrMapping/>
+  </p:clrMapOvr>
+</p:notes>
+</file>
+
+<file path=ppt/notesSlides/notesSlide21.xml><?xml version="1.0" encoding="utf-8"?>
+<p:notes xmlns:a="http://schemas.openxmlformats.org/drawingml/2006/main" xmlns:r="http://schemas.openxmlformats.org/officeDocument/2006/relationships" xmlns:p="http://schemas.openxmlformats.org/presentationml/2006/main">
+  <p:cSld>
+    <p:spTree>
+      <p:nvGrpSpPr>
+        <p:cNvPr id="1" name=""/>
+        <p:cNvGrpSpPr/>
+        <p:nvPr/>
+      </p:nvGrpSpPr>
+      <p:grpSpPr>
+        <a:xfrm>
+          <a:off x="0" y="0"/>
+          <a:ext cx="0" cy="0"/>
+          <a:chOff x="0" y="0"/>
+          <a:chExt cx="0" cy="0"/>
+        </a:xfrm>
+      </p:grpSpPr>
+      <p:sp>
+        <p:nvSpPr>
+          <p:cNvPr id="2" name="Folienbildplatzhalter 1"/>
+          <p:cNvSpPr>
+            <a:spLocks noGrp="1" noRot="1" noChangeAspect="1"/>
+          </p:cNvSpPr>
+          <p:nvPr>
+            <p:ph type="sldImg"/>
+          </p:nvPr>
+        </p:nvSpPr>
+        <p:spPr/>
+      </p:sp>
+      <p:sp>
+        <p:nvSpPr>
+          <p:cNvPr id="3" name="Notizenplatzhalter 2"/>
+          <p:cNvSpPr>
+            <a:spLocks noGrp="1"/>
+          </p:cNvSpPr>
+          <p:nvPr>
+            <p:ph type="body" idx="1"/>
+          </p:nvPr>
+        </p:nvSpPr>
+        <p:spPr/>
+        <p:txBody>
+          <a:bodyPr/>
+          <a:lstStyle/>
+          <a:p>
+            <a:endParaRPr lang="de-DE"/>
+          </a:p>
+        </p:txBody>
+      </p:sp>
+      <p:sp>
+        <p:nvSpPr>
+          <p:cNvPr id="4" name="Foliennummernplatzhalter 3"/>
+          <p:cNvSpPr>
+            <a:spLocks noGrp="1"/>
+          </p:cNvSpPr>
+          <p:nvPr>
+            <p:ph type="sldNum" sz="quarter" idx="10"/>
+          </p:nvPr>
+        </p:nvSpPr>
+        <p:spPr/>
+        <p:txBody>
+          <a:bodyPr/>
+          <a:lstStyle/>
+          <a:p>
+            <a:fld id="{B1F34494-F0DF-4E68-B7BF-0E463064838E}" type="slidenum">
+              <a:rPr lang="de-DE" smtClean="0"/>
+              <a:t>21</a:t>
+            </a:fld>
+            <a:endParaRPr lang="de-DE"/>
+          </a:p>
+        </p:txBody>
+      </p:sp>
+    </p:spTree>
+    <p:extLst>
+      <p:ext uri="{BB962C8B-B14F-4D97-AF65-F5344CB8AC3E}">
+        <p14:creationId xmlns:p14="http://schemas.microsoft.com/office/powerpoint/2010/main" val="1453789806"/>
+      </p:ext>
+    </p:extLst>
+  </p:cSld>
+  <p:clrMapOvr>
+    <a:masterClrMapping/>
+  </p:clrMapOvr>
+</p:notes>
+</file>
+
+<file path=ppt/notesSlides/notesSlide22.xml><?xml version="1.0" encoding="utf-8"?>
+<p:notes xmlns:a="http://schemas.openxmlformats.org/drawingml/2006/main" xmlns:r="http://schemas.openxmlformats.org/officeDocument/2006/relationships" xmlns:p="http://schemas.openxmlformats.org/presentationml/2006/main">
+  <p:cSld>
+    <p:spTree>
+      <p:nvGrpSpPr>
+        <p:cNvPr id="1" name=""/>
+        <p:cNvGrpSpPr/>
+        <p:nvPr/>
+      </p:nvGrpSpPr>
+      <p:grpSpPr>
+        <a:xfrm>
+          <a:off x="0" y="0"/>
+          <a:ext cx="0" cy="0"/>
+          <a:chOff x="0" y="0"/>
+          <a:chExt cx="0" cy="0"/>
+        </a:xfrm>
+      </p:grpSpPr>
+      <p:sp>
+        <p:nvSpPr>
+          <p:cNvPr id="2" name="Folienbildplatzhalter 1"/>
+          <p:cNvSpPr>
+            <a:spLocks noGrp="1" noRot="1" noChangeAspect="1"/>
+          </p:cNvSpPr>
+          <p:nvPr>
+            <p:ph type="sldImg"/>
+          </p:nvPr>
+        </p:nvSpPr>
+        <p:spPr/>
+      </p:sp>
+      <p:sp>
+        <p:nvSpPr>
+          <p:cNvPr id="3" name="Notizenplatzhalter 2"/>
+          <p:cNvSpPr>
+            <a:spLocks noGrp="1"/>
+          </p:cNvSpPr>
+          <p:nvPr>
+            <p:ph type="body" idx="1"/>
+          </p:nvPr>
+        </p:nvSpPr>
+        <p:spPr/>
+        <p:txBody>
+          <a:bodyPr/>
+          <a:lstStyle/>
+          <a:p>
+            <a:endParaRPr lang="de-DE"/>
+          </a:p>
+        </p:txBody>
+      </p:sp>
+      <p:sp>
+        <p:nvSpPr>
+          <p:cNvPr id="4" name="Foliennummernplatzhalter 3"/>
+          <p:cNvSpPr>
+            <a:spLocks noGrp="1"/>
+          </p:cNvSpPr>
+          <p:nvPr>
+            <p:ph type="sldNum" sz="quarter" idx="10"/>
+          </p:nvPr>
+        </p:nvSpPr>
+        <p:spPr/>
+        <p:txBody>
+          <a:bodyPr/>
+          <a:lstStyle/>
+          <a:p>
+            <a:fld id="{B1F34494-F0DF-4E68-B7BF-0E463064838E}" type="slidenum">
+              <a:rPr lang="de-DE" smtClean="0"/>
+              <a:t>22</a:t>
+            </a:fld>
+            <a:endParaRPr lang="de-DE"/>
+          </a:p>
+        </p:txBody>
+      </p:sp>
+    </p:spTree>
+    <p:extLst>
+      <p:ext uri="{BB962C8B-B14F-4D97-AF65-F5344CB8AC3E}">
+        <p14:creationId xmlns:p14="http://schemas.microsoft.com/office/powerpoint/2010/main" val="1295276553"/>
+      </p:ext>
+    </p:extLst>
+  </p:cSld>
+  <p:clrMapOvr>
+    <a:masterClrMapping/>
+  </p:clrMapOvr>
+</p:notes>
+</file>
+
+<file path=ppt/notesSlides/notesSlide23.xml><?xml version="1.0" encoding="utf-8"?>
+<p:notes xmlns:a="http://schemas.openxmlformats.org/drawingml/2006/main" xmlns:r="http://schemas.openxmlformats.org/officeDocument/2006/relationships" xmlns:p="http://schemas.openxmlformats.org/presentationml/2006/main">
+  <p:cSld>
+    <p:spTree>
+      <p:nvGrpSpPr>
+        <p:cNvPr id="1" name=""/>
+        <p:cNvGrpSpPr/>
+        <p:nvPr/>
+      </p:nvGrpSpPr>
+      <p:grpSpPr>
+        <a:xfrm>
+          <a:off x="0" y="0"/>
+          <a:ext cx="0" cy="0"/>
+          <a:chOff x="0" y="0"/>
+          <a:chExt cx="0" cy="0"/>
+        </a:xfrm>
+      </p:grpSpPr>
+      <p:sp>
+        <p:nvSpPr>
+          <p:cNvPr id="2" name="Folienbildplatzhalter 1"/>
+          <p:cNvSpPr>
+            <a:spLocks noGrp="1" noRot="1" noChangeAspect="1"/>
+          </p:cNvSpPr>
+          <p:nvPr>
+            <p:ph type="sldImg"/>
+          </p:nvPr>
+        </p:nvSpPr>
+        <p:spPr/>
+      </p:sp>
+      <p:sp>
+        <p:nvSpPr>
+          <p:cNvPr id="3" name="Notizenplatzhalter 2"/>
+          <p:cNvSpPr>
+            <a:spLocks noGrp="1"/>
+          </p:cNvSpPr>
+          <p:nvPr>
+            <p:ph type="body" idx="1"/>
+          </p:nvPr>
+        </p:nvSpPr>
+        <p:spPr/>
+        <p:txBody>
+          <a:bodyPr/>
+          <a:lstStyle/>
+          <a:p>
+            <a:endParaRPr lang="de-DE"/>
+          </a:p>
+        </p:txBody>
+      </p:sp>
+      <p:sp>
+        <p:nvSpPr>
+          <p:cNvPr id="4" name="Foliennummernplatzhalter 3"/>
+          <p:cNvSpPr>
+            <a:spLocks noGrp="1"/>
+          </p:cNvSpPr>
+          <p:nvPr>
+            <p:ph type="sldNum" sz="quarter" idx="10"/>
+          </p:nvPr>
+        </p:nvSpPr>
+        <p:spPr/>
+        <p:txBody>
+          <a:bodyPr/>
+          <a:lstStyle/>
+          <a:p>
+            <a:fld id="{B1F34494-F0DF-4E68-B7BF-0E463064838E}" type="slidenum">
+              <a:rPr lang="de-DE" smtClean="0"/>
+              <a:t>23</a:t>
+            </a:fld>
+            <a:endParaRPr lang="de-DE"/>
+          </a:p>
+        </p:txBody>
+      </p:sp>
+    </p:spTree>
+    <p:extLst>
+      <p:ext uri="{BB962C8B-B14F-4D97-AF65-F5344CB8AC3E}">
+        <p14:creationId xmlns:p14="http://schemas.microsoft.com/office/powerpoint/2010/main" val="3440924128"/>
+      </p:ext>
+    </p:extLst>
+  </p:cSld>
+  <p:clrMapOvr>
+    <a:masterClrMapping/>
+  </p:clrMapOvr>
+</p:notes>
+</file>
+
+<file path=ppt/notesSlides/notesSlide24.xml><?xml version="1.0" encoding="utf-8"?>
+<p:notes xmlns:a="http://schemas.openxmlformats.org/drawingml/2006/main" xmlns:r="http://schemas.openxmlformats.org/officeDocument/2006/relationships" xmlns:p="http://schemas.openxmlformats.org/presentationml/2006/main">
+  <p:cSld>
+    <p:spTree>
+      <p:nvGrpSpPr>
+        <p:cNvPr id="1" name=""/>
+        <p:cNvGrpSpPr/>
+        <p:nvPr/>
+      </p:nvGrpSpPr>
+      <p:grpSpPr>
+        <a:xfrm>
+          <a:off x="0" y="0"/>
+          <a:ext cx="0" cy="0"/>
+          <a:chOff x="0" y="0"/>
+          <a:chExt cx="0" cy="0"/>
+        </a:xfrm>
+      </p:grpSpPr>
+      <p:sp>
+        <p:nvSpPr>
+          <p:cNvPr id="2" name="Folienbildplatzhalter 1"/>
+          <p:cNvSpPr>
+            <a:spLocks noGrp="1" noRot="1" noChangeAspect="1"/>
+          </p:cNvSpPr>
+          <p:nvPr>
+            <p:ph type="sldImg"/>
+          </p:nvPr>
+        </p:nvSpPr>
+        <p:spPr/>
+      </p:sp>
+      <p:sp>
+        <p:nvSpPr>
+          <p:cNvPr id="3" name="Notizenplatzhalter 2"/>
+          <p:cNvSpPr>
+            <a:spLocks noGrp="1"/>
+          </p:cNvSpPr>
+          <p:nvPr>
+            <p:ph type="body" idx="1"/>
+          </p:nvPr>
+        </p:nvSpPr>
+        <p:spPr/>
+        <p:txBody>
+          <a:bodyPr/>
+          <a:lstStyle/>
+          <a:p>
+            <a:endParaRPr lang="de-DE"/>
+          </a:p>
+        </p:txBody>
+      </p:sp>
+      <p:sp>
+        <p:nvSpPr>
+          <p:cNvPr id="4" name="Foliennummernplatzhalter 3"/>
+          <p:cNvSpPr>
+            <a:spLocks noGrp="1"/>
+          </p:cNvSpPr>
+          <p:nvPr>
+            <p:ph type="sldNum" sz="quarter" idx="10"/>
+          </p:nvPr>
+        </p:nvSpPr>
+        <p:spPr/>
+        <p:txBody>
+          <a:bodyPr/>
+          <a:lstStyle/>
+          <a:p>
+            <a:fld id="{B1F34494-F0DF-4E68-B7BF-0E463064838E}" type="slidenum">
+              <a:rPr lang="de-DE" smtClean="0"/>
+              <a:t>24</a:t>
+            </a:fld>
+            <a:endParaRPr lang="de-DE"/>
+          </a:p>
+        </p:txBody>
+      </p:sp>
+    </p:spTree>
+    <p:extLst>
+      <p:ext uri="{BB962C8B-B14F-4D97-AF65-F5344CB8AC3E}">
+        <p14:creationId xmlns:p14="http://schemas.microsoft.com/office/powerpoint/2010/main" val="242108121"/>
+      </p:ext>
+    </p:extLst>
+  </p:cSld>
+  <p:clrMapOvr>
+    <a:masterClrMapping/>
+  </p:clrMapOvr>
+</p:notes>
+</file>
+
+<file path=ppt/notesSlides/notesSlide3.xml><?xml version="1.0" encoding="utf-8"?>
+<p:notes xmlns:a="http://schemas.openxmlformats.org/drawingml/2006/main" xmlns:r="http://schemas.openxmlformats.org/officeDocument/2006/relationships" xmlns:p="http://schemas.openxmlformats.org/presentationml/2006/main">
+  <p:cSld>
+    <p:spTree>
+      <p:nvGrpSpPr>
+        <p:cNvPr id="1" name=""/>
+        <p:cNvGrpSpPr/>
+        <p:nvPr/>
+      </p:nvGrpSpPr>
+      <p:grpSpPr>
+        <a:xfrm>
+          <a:off x="0" y="0"/>
+          <a:ext cx="0" cy="0"/>
+          <a:chOff x="0" y="0"/>
+          <a:chExt cx="0" cy="0"/>
+        </a:xfrm>
+      </p:grpSpPr>
+      <p:sp>
+        <p:nvSpPr>
+          <p:cNvPr id="2" name="Folienbildplatzhalter 1"/>
+          <p:cNvSpPr>
+            <a:spLocks noGrp="1" noRot="1" noChangeAspect="1"/>
+          </p:cNvSpPr>
+          <p:nvPr>
+            <p:ph type="sldImg"/>
+          </p:nvPr>
+        </p:nvSpPr>
+        <p:spPr/>
+      </p:sp>
+      <p:sp>
+        <p:nvSpPr>
+          <p:cNvPr id="3" name="Notizenplatzhalter 2"/>
+          <p:cNvSpPr>
+            <a:spLocks noGrp="1"/>
+          </p:cNvSpPr>
+          <p:nvPr>
+            <p:ph type="body" idx="1"/>
+          </p:nvPr>
+        </p:nvSpPr>
+        <p:spPr/>
+        <p:txBody>
+          <a:bodyPr/>
+          <a:lstStyle/>
+          <a:p>
+            <a:endParaRPr lang="de-DE"/>
+          </a:p>
+        </p:txBody>
+      </p:sp>
+      <p:sp>
+        <p:nvSpPr>
+          <p:cNvPr id="4" name="Foliennummernplatzhalter 3"/>
+          <p:cNvSpPr>
+            <a:spLocks noGrp="1"/>
+          </p:cNvSpPr>
+          <p:nvPr>
+            <p:ph type="sldNum" sz="quarter" idx="10"/>
+          </p:nvPr>
+        </p:nvSpPr>
+        <p:spPr/>
+        <p:txBody>
+          <a:bodyPr/>
+          <a:lstStyle/>
+          <a:p>
+            <a:fld id="{B1F34494-F0DF-4E68-B7BF-0E463064838E}" type="slidenum">
+              <a:rPr lang="de-DE" smtClean="0"/>
+              <a:t>3</a:t>
+            </a:fld>
+            <a:endParaRPr lang="de-DE"/>
+          </a:p>
+        </p:txBody>
+      </p:sp>
+    </p:spTree>
+    <p:extLst>
+      <p:ext uri="{BB962C8B-B14F-4D97-AF65-F5344CB8AC3E}">
+        <p14:creationId xmlns:p14="http://schemas.microsoft.com/office/powerpoint/2010/main" val="3594520150"/>
+      </p:ext>
+    </p:extLst>
+  </p:cSld>
+  <p:clrMapOvr>
+    <a:masterClrMapping/>
+  </p:clrMapOvr>
+</p:notes>
+</file>
+
+<file path=ppt/notesSlides/notesSlide4.xml><?xml version="1.0" encoding="utf-8"?>
+<p:notes xmlns:a="http://schemas.openxmlformats.org/drawingml/2006/main" xmlns:r="http://schemas.openxmlformats.org/officeDocument/2006/relationships" xmlns:p="http://schemas.openxmlformats.org/presentationml/2006/main">
+  <p:cSld>
+    <p:spTree>
+      <p:nvGrpSpPr>
+        <p:cNvPr id="1" name=""/>
+        <p:cNvGrpSpPr/>
+        <p:nvPr/>
+      </p:nvGrpSpPr>
+      <p:grpSpPr>
+        <a:xfrm>
+          <a:off x="0" y="0"/>
+          <a:ext cx="0" cy="0"/>
+          <a:chOff x="0" y="0"/>
+          <a:chExt cx="0" cy="0"/>
+        </a:xfrm>
+      </p:grpSpPr>
+      <p:sp>
+        <p:nvSpPr>
+          <p:cNvPr id="2" name="Folienbildplatzhalter 1"/>
+          <p:cNvSpPr>
+            <a:spLocks noGrp="1" noRot="1" noChangeAspect="1"/>
+          </p:cNvSpPr>
+          <p:nvPr>
+            <p:ph type="sldImg"/>
+          </p:nvPr>
+        </p:nvSpPr>
+        <p:spPr/>
+      </p:sp>
+      <p:sp>
+        <p:nvSpPr>
+          <p:cNvPr id="3" name="Notizenplatzhalter 2"/>
+          <p:cNvSpPr>
+            <a:spLocks noGrp="1"/>
+          </p:cNvSpPr>
+          <p:nvPr>
+            <p:ph type="body" idx="1"/>
+          </p:nvPr>
+        </p:nvSpPr>
+        <p:spPr/>
+        <p:txBody>
+          <a:bodyPr/>
+          <a:lstStyle/>
+          <a:p>
+            <a:endParaRPr lang="de-DE"/>
+          </a:p>
+        </p:txBody>
+      </p:sp>
+      <p:sp>
+        <p:nvSpPr>
+          <p:cNvPr id="4" name="Foliennummernplatzhalter 3"/>
+          <p:cNvSpPr>
+            <a:spLocks noGrp="1"/>
+          </p:cNvSpPr>
+          <p:nvPr>
+            <p:ph type="sldNum" sz="quarter" idx="10"/>
+          </p:nvPr>
+        </p:nvSpPr>
+        <p:spPr/>
+        <p:txBody>
+          <a:bodyPr/>
+          <a:lstStyle/>
+          <a:p>
+            <a:fld id="{B1F34494-F0DF-4E68-B7BF-0E463064838E}" type="slidenum">
+              <a:rPr lang="de-DE" smtClean="0"/>
+              <a:t>4</a:t>
+            </a:fld>
+            <a:endParaRPr lang="de-DE"/>
+          </a:p>
+        </p:txBody>
+      </p:sp>
+    </p:spTree>
+    <p:extLst>
+      <p:ext uri="{BB962C8B-B14F-4D97-AF65-F5344CB8AC3E}">
+        <p14:creationId xmlns:p14="http://schemas.microsoft.com/office/powerpoint/2010/main" val="1008660275"/>
+      </p:ext>
+    </p:extLst>
+  </p:cSld>
+  <p:clrMapOvr>
+    <a:masterClrMapping/>
+  </p:clrMapOvr>
+</p:notes>
+</file>
+
+<file path=ppt/notesSlides/notesSlide5.xml><?xml version="1.0" encoding="utf-8"?>
+<p:notes xmlns:a="http://schemas.openxmlformats.org/drawingml/2006/main" xmlns:r="http://schemas.openxmlformats.org/officeDocument/2006/relationships" xmlns:p="http://schemas.openxmlformats.org/presentationml/2006/main">
+  <p:cSld>
+    <p:spTree>
+      <p:nvGrpSpPr>
+        <p:cNvPr id="1" name=""/>
+        <p:cNvGrpSpPr/>
+        <p:nvPr/>
+      </p:nvGrpSpPr>
+      <p:grpSpPr>
+        <a:xfrm>
+          <a:off x="0" y="0"/>
+          <a:ext cx="0" cy="0"/>
+          <a:chOff x="0" y="0"/>
+          <a:chExt cx="0" cy="0"/>
+        </a:xfrm>
+      </p:grpSpPr>
+      <p:sp>
+        <p:nvSpPr>
+          <p:cNvPr id="2" name="Folienbildplatzhalter 1"/>
+          <p:cNvSpPr>
+            <a:spLocks noGrp="1" noRot="1" noChangeAspect="1"/>
+          </p:cNvSpPr>
+          <p:nvPr>
+            <p:ph type="sldImg"/>
+          </p:nvPr>
+        </p:nvSpPr>
+        <p:spPr/>
+      </p:sp>
+      <p:sp>
+        <p:nvSpPr>
+          <p:cNvPr id="3" name="Notizenplatzhalter 2"/>
+          <p:cNvSpPr>
+            <a:spLocks noGrp="1"/>
+          </p:cNvSpPr>
+          <p:nvPr>
+            <p:ph type="body" idx="1"/>
+          </p:nvPr>
+        </p:nvSpPr>
+        <p:spPr/>
+        <p:txBody>
+          <a:bodyPr/>
+          <a:lstStyle/>
+          <a:p>
+            <a:endParaRPr lang="de-DE"/>
+          </a:p>
+        </p:txBody>
+      </p:sp>
+      <p:sp>
+        <p:nvSpPr>
+          <p:cNvPr id="4" name="Foliennummernplatzhalter 3"/>
+          <p:cNvSpPr>
+            <a:spLocks noGrp="1"/>
+          </p:cNvSpPr>
+          <p:nvPr>
+            <p:ph type="sldNum" sz="quarter" idx="10"/>
+          </p:nvPr>
+        </p:nvSpPr>
+        <p:spPr/>
+        <p:txBody>
+          <a:bodyPr/>
+          <a:lstStyle/>
+          <a:p>
+            <a:fld id="{B1F34494-F0DF-4E68-B7BF-0E463064838E}" type="slidenum">
+              <a:rPr lang="de-DE" smtClean="0"/>
+              <a:t>5</a:t>
+            </a:fld>
+            <a:endParaRPr lang="de-DE"/>
+          </a:p>
+        </p:txBody>
+      </p:sp>
+    </p:spTree>
+    <p:extLst>
+      <p:ext uri="{BB962C8B-B14F-4D97-AF65-F5344CB8AC3E}">
+        <p14:creationId xmlns:p14="http://schemas.microsoft.com/office/powerpoint/2010/main" val="30885200"/>
+      </p:ext>
+    </p:extLst>
+  </p:cSld>
+  <p:clrMapOvr>
+    <a:masterClrMapping/>
+  </p:clrMapOvr>
+</p:notes>
+</file>
+
+<file path=ppt/notesSlides/notesSlide6.xml><?xml version="1.0" encoding="utf-8"?>
+<p:notes xmlns:a="http://schemas.openxmlformats.org/drawingml/2006/main" xmlns:r="http://schemas.openxmlformats.org/officeDocument/2006/relationships" xmlns:p="http://schemas.openxmlformats.org/presentationml/2006/main">
+  <p:cSld>
+    <p:spTree>
+      <p:nvGrpSpPr>
+        <p:cNvPr id="1" name=""/>
+        <p:cNvGrpSpPr/>
+        <p:nvPr/>
+      </p:nvGrpSpPr>
+      <p:grpSpPr>
+        <a:xfrm>
+          <a:off x="0" y="0"/>
+          <a:ext cx="0" cy="0"/>
+          <a:chOff x="0" y="0"/>
+          <a:chExt cx="0" cy="0"/>
+        </a:xfrm>
+      </p:grpSpPr>
+      <p:sp>
+        <p:nvSpPr>
+          <p:cNvPr id="2" name="Folienbildplatzhalter 1"/>
+          <p:cNvSpPr>
+            <a:spLocks noGrp="1" noRot="1" noChangeAspect="1"/>
+          </p:cNvSpPr>
+          <p:nvPr>
+            <p:ph type="sldImg"/>
+          </p:nvPr>
+        </p:nvSpPr>
+        <p:spPr/>
+      </p:sp>
+      <p:sp>
+        <p:nvSpPr>
+          <p:cNvPr id="3" name="Notizenplatzhalter 2"/>
+          <p:cNvSpPr>
+            <a:spLocks noGrp="1"/>
+          </p:cNvSpPr>
+          <p:nvPr>
+            <p:ph type="body" idx="1"/>
+          </p:nvPr>
+        </p:nvSpPr>
+        <p:spPr/>
+        <p:txBody>
+          <a:bodyPr/>
+          <a:lstStyle/>
+          <a:p>
+            <a:endParaRPr lang="de-DE"/>
+          </a:p>
+        </p:txBody>
+      </p:sp>
+      <p:sp>
+        <p:nvSpPr>
+          <p:cNvPr id="4" name="Foliennummernplatzhalter 3"/>
+          <p:cNvSpPr>
+            <a:spLocks noGrp="1"/>
+          </p:cNvSpPr>
+          <p:nvPr>
+            <p:ph type="sldNum" sz="quarter" idx="10"/>
+          </p:nvPr>
+        </p:nvSpPr>
+        <p:spPr/>
+        <p:txBody>
+          <a:bodyPr/>
+          <a:lstStyle/>
+          <a:p>
+            <a:fld id="{B1F34494-F0DF-4E68-B7BF-0E463064838E}" type="slidenum">
+              <a:rPr lang="de-DE" smtClean="0"/>
+              <a:t>6</a:t>
+            </a:fld>
+            <a:endParaRPr lang="de-DE"/>
+          </a:p>
+        </p:txBody>
+      </p:sp>
+    </p:spTree>
+    <p:extLst>
+      <p:ext uri="{BB962C8B-B14F-4D97-AF65-F5344CB8AC3E}">
+        <p14:creationId xmlns:p14="http://schemas.microsoft.com/office/powerpoint/2010/main" val="3634700917"/>
+      </p:ext>
+    </p:extLst>
+  </p:cSld>
+  <p:clrMapOvr>
+    <a:masterClrMapping/>
+  </p:clrMapOvr>
+</p:notes>
+</file>
+
+<file path=ppt/notesSlides/notesSlide7.xml><?xml version="1.0" encoding="utf-8"?>
+<p:notes xmlns:a="http://schemas.openxmlformats.org/drawingml/2006/main" xmlns:r="http://schemas.openxmlformats.org/officeDocument/2006/relationships" xmlns:p="http://schemas.openxmlformats.org/presentationml/2006/main">
+  <p:cSld>
+    <p:spTree>
+      <p:nvGrpSpPr>
+        <p:cNvPr id="1" name=""/>
+        <p:cNvGrpSpPr/>
+        <p:nvPr/>
+      </p:nvGrpSpPr>
+      <p:grpSpPr>
+        <a:xfrm>
+          <a:off x="0" y="0"/>
+          <a:ext cx="0" cy="0"/>
+          <a:chOff x="0" y="0"/>
+          <a:chExt cx="0" cy="0"/>
+        </a:xfrm>
+      </p:grpSpPr>
+      <p:sp>
+        <p:nvSpPr>
+          <p:cNvPr id="2" name="Folienbildplatzhalter 1"/>
+          <p:cNvSpPr>
+            <a:spLocks noGrp="1" noRot="1" noChangeAspect="1"/>
+          </p:cNvSpPr>
+          <p:nvPr>
+            <p:ph type="sldImg"/>
+          </p:nvPr>
+        </p:nvSpPr>
+        <p:spPr/>
+      </p:sp>
+      <p:sp>
+        <p:nvSpPr>
+          <p:cNvPr id="3" name="Notizenplatzhalter 2"/>
+          <p:cNvSpPr>
+            <a:spLocks noGrp="1"/>
+          </p:cNvSpPr>
+          <p:nvPr>
+            <p:ph type="body" idx="1"/>
+          </p:nvPr>
+        </p:nvSpPr>
+        <p:spPr/>
+        <p:txBody>
+          <a:bodyPr/>
+          <a:lstStyle/>
+          <a:p>
             <a:pPr marL="0" marR="0" lvl="2" indent="0" algn="l" defTabSz="914400" rtl="0" eaLnBrk="1" fontAlgn="auto" latinLnBrk="0" hangingPunct="1">
               <a:lnSpc>
                 <a:spcPct val="100000"/>
@@ -614,6 +2378,174 @@
     <p:extLst>
       <p:ext uri="{BB962C8B-B14F-4D97-AF65-F5344CB8AC3E}">
         <p14:creationId xmlns:p14="http://schemas.microsoft.com/office/powerpoint/2010/main" val="1747763003"/>
+      </p:ext>
+    </p:extLst>
+  </p:cSld>
+  <p:clrMapOvr>
+    <a:masterClrMapping/>
+  </p:clrMapOvr>
+</p:notes>
+</file>
+
+<file path=ppt/notesSlides/notesSlide8.xml><?xml version="1.0" encoding="utf-8"?>
+<p:notes xmlns:a="http://schemas.openxmlformats.org/drawingml/2006/main" xmlns:r="http://schemas.openxmlformats.org/officeDocument/2006/relationships" xmlns:p="http://schemas.openxmlformats.org/presentationml/2006/main">
+  <p:cSld>
+    <p:spTree>
+      <p:nvGrpSpPr>
+        <p:cNvPr id="1" name=""/>
+        <p:cNvGrpSpPr/>
+        <p:nvPr/>
+      </p:nvGrpSpPr>
+      <p:grpSpPr>
+        <a:xfrm>
+          <a:off x="0" y="0"/>
+          <a:ext cx="0" cy="0"/>
+          <a:chOff x="0" y="0"/>
+          <a:chExt cx="0" cy="0"/>
+        </a:xfrm>
+      </p:grpSpPr>
+      <p:sp>
+        <p:nvSpPr>
+          <p:cNvPr id="2" name="Folienbildplatzhalter 1"/>
+          <p:cNvSpPr>
+            <a:spLocks noGrp="1" noRot="1" noChangeAspect="1"/>
+          </p:cNvSpPr>
+          <p:nvPr>
+            <p:ph type="sldImg"/>
+          </p:nvPr>
+        </p:nvSpPr>
+        <p:spPr/>
+      </p:sp>
+      <p:sp>
+        <p:nvSpPr>
+          <p:cNvPr id="3" name="Notizenplatzhalter 2"/>
+          <p:cNvSpPr>
+            <a:spLocks noGrp="1"/>
+          </p:cNvSpPr>
+          <p:nvPr>
+            <p:ph type="body" idx="1"/>
+          </p:nvPr>
+        </p:nvSpPr>
+        <p:spPr/>
+        <p:txBody>
+          <a:bodyPr/>
+          <a:lstStyle/>
+          <a:p>
+            <a:endParaRPr lang="de-DE"/>
+          </a:p>
+        </p:txBody>
+      </p:sp>
+      <p:sp>
+        <p:nvSpPr>
+          <p:cNvPr id="4" name="Foliennummernplatzhalter 3"/>
+          <p:cNvSpPr>
+            <a:spLocks noGrp="1"/>
+          </p:cNvSpPr>
+          <p:nvPr>
+            <p:ph type="sldNum" sz="quarter" idx="10"/>
+          </p:nvPr>
+        </p:nvSpPr>
+        <p:spPr/>
+        <p:txBody>
+          <a:bodyPr/>
+          <a:lstStyle/>
+          <a:p>
+            <a:fld id="{B1F34494-F0DF-4E68-B7BF-0E463064838E}" type="slidenum">
+              <a:rPr lang="de-DE" smtClean="0"/>
+              <a:t>8</a:t>
+            </a:fld>
+            <a:endParaRPr lang="de-DE"/>
+          </a:p>
+        </p:txBody>
+      </p:sp>
+    </p:spTree>
+    <p:extLst>
+      <p:ext uri="{BB962C8B-B14F-4D97-AF65-F5344CB8AC3E}">
+        <p14:creationId xmlns:p14="http://schemas.microsoft.com/office/powerpoint/2010/main" val="2672996209"/>
+      </p:ext>
+    </p:extLst>
+  </p:cSld>
+  <p:clrMapOvr>
+    <a:masterClrMapping/>
+  </p:clrMapOvr>
+</p:notes>
+</file>
+
+<file path=ppt/notesSlides/notesSlide9.xml><?xml version="1.0" encoding="utf-8"?>
+<p:notes xmlns:a="http://schemas.openxmlformats.org/drawingml/2006/main" xmlns:r="http://schemas.openxmlformats.org/officeDocument/2006/relationships" xmlns:p="http://schemas.openxmlformats.org/presentationml/2006/main">
+  <p:cSld>
+    <p:spTree>
+      <p:nvGrpSpPr>
+        <p:cNvPr id="1" name=""/>
+        <p:cNvGrpSpPr/>
+        <p:nvPr/>
+      </p:nvGrpSpPr>
+      <p:grpSpPr>
+        <a:xfrm>
+          <a:off x="0" y="0"/>
+          <a:ext cx="0" cy="0"/>
+          <a:chOff x="0" y="0"/>
+          <a:chExt cx="0" cy="0"/>
+        </a:xfrm>
+      </p:grpSpPr>
+      <p:sp>
+        <p:nvSpPr>
+          <p:cNvPr id="2" name="Folienbildplatzhalter 1"/>
+          <p:cNvSpPr>
+            <a:spLocks noGrp="1" noRot="1" noChangeAspect="1"/>
+          </p:cNvSpPr>
+          <p:nvPr>
+            <p:ph type="sldImg"/>
+          </p:nvPr>
+        </p:nvSpPr>
+        <p:spPr/>
+      </p:sp>
+      <p:sp>
+        <p:nvSpPr>
+          <p:cNvPr id="3" name="Notizenplatzhalter 2"/>
+          <p:cNvSpPr>
+            <a:spLocks noGrp="1"/>
+          </p:cNvSpPr>
+          <p:nvPr>
+            <p:ph type="body" idx="1"/>
+          </p:nvPr>
+        </p:nvSpPr>
+        <p:spPr/>
+        <p:txBody>
+          <a:bodyPr/>
+          <a:lstStyle/>
+          <a:p>
+            <a:endParaRPr lang="de-DE"/>
+          </a:p>
+        </p:txBody>
+      </p:sp>
+      <p:sp>
+        <p:nvSpPr>
+          <p:cNvPr id="4" name="Foliennummernplatzhalter 3"/>
+          <p:cNvSpPr>
+            <a:spLocks noGrp="1"/>
+          </p:cNvSpPr>
+          <p:nvPr>
+            <p:ph type="sldNum" sz="quarter" idx="10"/>
+          </p:nvPr>
+        </p:nvSpPr>
+        <p:spPr/>
+        <p:txBody>
+          <a:bodyPr/>
+          <a:lstStyle/>
+          <a:p>
+            <a:fld id="{B1F34494-F0DF-4E68-B7BF-0E463064838E}" type="slidenum">
+              <a:rPr lang="de-DE" smtClean="0"/>
+              <a:t>9</a:t>
+            </a:fld>
+            <a:endParaRPr lang="de-DE"/>
+          </a:p>
+        </p:txBody>
+      </p:sp>
+    </p:spTree>
+    <p:extLst>
+      <p:ext uri="{BB962C8B-B14F-4D97-AF65-F5344CB8AC3E}">
+        <p14:creationId xmlns:p14="http://schemas.microsoft.com/office/powerpoint/2010/main" val="1248965473"/>
       </p:ext>
     </p:extLst>
   </p:cSld>
@@ -4282,6 +6214,13 @@
   <p:clrMapOvr>
     <a:masterClrMapping/>
   </p:clrMapOvr>
+  <p:timing>
+    <p:tnLst>
+      <p:par>
+        <p:cTn id="1" dur="indefinite" restart="never" nodeType="tmRoot"/>
+      </p:par>
+    </p:tnLst>
+  </p:timing>
 </p:sld>
 </file>
 
@@ -4487,7 +6426,7 @@
           <p:nvPr/>
         </p:nvPicPr>
         <p:blipFill>
-          <a:blip r:embed="rId2">
+          <a:blip r:embed="rId3">
             <a:extLst>
               <a:ext uri="{28A0092B-C50C-407E-A947-70E740481C1C}">
                 <a14:useLocalDpi xmlns:a14="http://schemas.microsoft.com/office/drawing/2010/main" val="0"/>
@@ -4529,6 +6468,13 @@
   <p:clrMapOvr>
     <a:masterClrMapping/>
   </p:clrMapOvr>
+  <p:timing>
+    <p:tnLst>
+      <p:par>
+        <p:cTn id="1" dur="indefinite" restart="never" nodeType="tmRoot"/>
+      </p:par>
+    </p:tnLst>
+  </p:timing>
 </p:sld>
 </file>
 
@@ -4666,10 +6612,14 @@
             </a:r>
             <a:r>
               <a:rPr lang="en-US" dirty="0" err="1"/>
-              <a:t>Bestimmt</a:t>
-            </a:r>
-            <a:r>
-              <a:rPr lang="en-US" dirty="0"/>
+              <a:t>b</a:t>
+            </a:r>
+            <a:r>
+              <a:rPr lang="en-US" smtClean="0"/>
+              <a:t>estimmt</a:t>
+            </a:r>
+            <a:r>
+              <a:rPr lang="en-US" dirty="0" smtClean="0"/>
               <a:t> </a:t>
             </a:r>
             <a:r>
@@ -4824,7 +6774,7 @@
           <p:nvPr/>
         </p:nvPicPr>
         <p:blipFill>
-          <a:blip r:embed="rId2">
+          <a:blip r:embed="rId3">
             <a:extLst>
               <a:ext uri="{28A0092B-C50C-407E-A947-70E740481C1C}">
                 <a14:useLocalDpi xmlns:a14="http://schemas.microsoft.com/office/drawing/2010/main" val="0"/>
@@ -4866,6 +6816,13 @@
   <p:clrMapOvr>
     <a:masterClrMapping/>
   </p:clrMapOvr>
+  <p:timing>
+    <p:tnLst>
+      <p:par>
+        <p:cTn id="1" dur="indefinite" restart="never" nodeType="tmRoot"/>
+      </p:par>
+    </p:tnLst>
+  </p:timing>
 </p:sld>
 </file>
 
@@ -5058,7 +7015,7 @@
           <p:nvPr/>
         </p:nvPicPr>
         <p:blipFill>
-          <a:blip r:embed="rId2">
+          <a:blip r:embed="rId3">
             <a:extLst>
               <a:ext uri="{28A0092B-C50C-407E-A947-70E740481C1C}">
                 <a14:useLocalDpi xmlns:a14="http://schemas.microsoft.com/office/drawing/2010/main" val="0"/>
@@ -5100,6 +7057,13 @@
   <p:clrMapOvr>
     <a:masterClrMapping/>
   </p:clrMapOvr>
+  <p:timing>
+    <p:tnLst>
+      <p:par>
+        <p:cTn id="1" dur="indefinite" restart="never" nodeType="tmRoot"/>
+      </p:par>
+    </p:tnLst>
+  </p:timing>
 </p:sld>
 </file>
 
@@ -5394,7 +7358,7 @@
           <p:nvPr/>
         </p:nvPicPr>
         <p:blipFill>
-          <a:blip r:embed="rId2" cstate="print">
+          <a:blip r:embed="rId3" cstate="print">
             <a:extLst>
               <a:ext uri="{28A0092B-C50C-407E-A947-70E740481C1C}">
                 <a14:useLocalDpi xmlns:a14="http://schemas.microsoft.com/office/drawing/2010/main" val="0"/>
@@ -5436,6 +7400,13 @@
   <p:clrMapOvr>
     <a:masterClrMapping/>
   </p:clrMapOvr>
+  <p:timing>
+    <p:tnLst>
+      <p:par>
+        <p:cTn id="1" dur="indefinite" restart="never" nodeType="tmRoot"/>
+      </p:par>
+    </p:tnLst>
+  </p:timing>
 </p:sld>
 </file>
 
@@ -5644,7 +7615,7 @@
           <p:nvPr/>
         </p:nvPicPr>
         <p:blipFill>
-          <a:blip r:embed="rId2">
+          <a:blip r:embed="rId3">
             <a:extLst>
               <a:ext uri="{28A0092B-C50C-407E-A947-70E740481C1C}">
                 <a14:useLocalDpi xmlns:a14="http://schemas.microsoft.com/office/drawing/2010/main" val="0"/>
@@ -5686,6 +7657,13 @@
   <p:clrMapOvr>
     <a:masterClrMapping/>
   </p:clrMapOvr>
+  <p:timing>
+    <p:tnLst>
+      <p:par>
+        <p:cTn id="1" dur="indefinite" restart="never" nodeType="tmRoot"/>
+      </p:par>
+    </p:tnLst>
+  </p:timing>
 </p:sld>
 </file>
 
@@ -5862,7 +7840,7 @@
           <p:nvPr/>
         </p:nvPicPr>
         <p:blipFill>
-          <a:blip r:embed="rId2">
+          <a:blip r:embed="rId3">
             <a:extLst>
               <a:ext uri="{28A0092B-C50C-407E-A947-70E740481C1C}">
                 <a14:useLocalDpi xmlns:a14="http://schemas.microsoft.com/office/drawing/2010/main" val="0"/>
@@ -5904,6 +7882,13 @@
   <p:clrMapOvr>
     <a:masterClrMapping/>
   </p:clrMapOvr>
+  <p:timing>
+    <p:tnLst>
+      <p:par>
+        <p:cTn id="1" dur="indefinite" restart="never" nodeType="tmRoot"/>
+      </p:par>
+    </p:tnLst>
+  </p:timing>
 </p:sld>
 </file>
 
@@ -6118,7 +8103,7 @@
           <p:nvPr/>
         </p:nvPicPr>
         <p:blipFill>
-          <a:blip r:embed="rId2">
+          <a:blip r:embed="rId3">
             <a:extLst>
               <a:ext uri="{28A0092B-C50C-407E-A947-70E740481C1C}">
                 <a14:useLocalDpi xmlns:a14="http://schemas.microsoft.com/office/drawing/2010/main" val="0"/>
@@ -6160,6 +8145,13 @@
   <p:clrMapOvr>
     <a:masterClrMapping/>
   </p:clrMapOvr>
+  <p:timing>
+    <p:tnLst>
+      <p:par>
+        <p:cTn id="1" dur="indefinite" restart="never" nodeType="tmRoot"/>
+      </p:par>
+    </p:tnLst>
+  </p:timing>
 </p:sld>
 </file>
 
@@ -6352,7 +8344,7 @@
           <p:nvPr/>
         </p:nvPicPr>
         <p:blipFill>
-          <a:blip r:embed="rId2">
+          <a:blip r:embed="rId3">
             <a:extLst>
               <a:ext uri="{28A0092B-C50C-407E-A947-70E740481C1C}">
                 <a14:useLocalDpi xmlns:a14="http://schemas.microsoft.com/office/drawing/2010/main" val="0"/>
@@ -6394,6 +8386,13 @@
   <p:clrMapOvr>
     <a:masterClrMapping/>
   </p:clrMapOvr>
+  <p:timing>
+    <p:tnLst>
+      <p:par>
+        <p:cTn id="1" dur="indefinite" restart="never" nodeType="tmRoot"/>
+      </p:par>
+    </p:tnLst>
+  </p:timing>
 </p:sld>
 </file>
 
@@ -6663,6 +8662,13 @@
   <p:clrMapOvr>
     <a:masterClrMapping/>
   </p:clrMapOvr>
+  <p:timing>
+    <p:tnLst>
+      <p:par>
+        <p:cTn id="1" dur="indefinite" restart="never" nodeType="tmRoot"/>
+      </p:par>
+    </p:tnLst>
+  </p:timing>
 </p:sld>
 </file>
 
@@ -6796,7 +8802,7 @@
           <p:nvPr/>
         </p:nvPicPr>
         <p:blipFill>
-          <a:blip r:embed="rId2">
+          <a:blip r:embed="rId3">
             <a:extLst>
               <a:ext uri="{28A0092B-C50C-407E-A947-70E740481C1C}">
                 <a14:useLocalDpi xmlns:a14="http://schemas.microsoft.com/office/drawing/2010/main" val="0"/>
@@ -6838,6 +8844,13 @@
   <p:clrMapOvr>
     <a:masterClrMapping/>
   </p:clrMapOvr>
+  <p:timing>
+    <p:tnLst>
+      <p:par>
+        <p:cTn id="1" dur="indefinite" restart="never" nodeType="tmRoot"/>
+      </p:par>
+    </p:tnLst>
+  </p:timing>
 </p:sld>
 </file>
 
@@ -7110,6 +9123,13 @@
   <p:clrMapOvr>
     <a:masterClrMapping/>
   </p:clrMapOvr>
+  <p:timing>
+    <p:tnLst>
+      <p:par>
+        <p:cTn id="1" dur="indefinite" restart="never" nodeType="tmRoot"/>
+      </p:par>
+    </p:tnLst>
+  </p:timing>
 </p:sld>
 </file>
 
@@ -7302,6 +9322,13 @@
   <p:clrMapOvr>
     <a:masterClrMapping/>
   </p:clrMapOvr>
+  <p:timing>
+    <p:tnLst>
+      <p:par>
+        <p:cTn id="1" dur="indefinite" restart="never" nodeType="tmRoot"/>
+      </p:par>
+    </p:tnLst>
+  </p:timing>
 </p:sld>
 </file>
 
@@ -7421,7 +9448,7 @@
           <p:nvPr/>
         </p:nvPicPr>
         <p:blipFill>
-          <a:blip r:embed="rId2">
+          <a:blip r:embed="rId3">
             <a:extLst>
               <a:ext uri="{28A0092B-C50C-407E-A947-70E740481C1C}">
                 <a14:useLocalDpi xmlns:a14="http://schemas.microsoft.com/office/drawing/2010/main" val="0"/>
@@ -7463,6 +9490,13 @@
   <p:clrMapOvr>
     <a:masterClrMapping/>
   </p:clrMapOvr>
+  <p:timing>
+    <p:tnLst>
+      <p:par>
+        <p:cTn id="1" dur="indefinite" restart="never" nodeType="tmRoot"/>
+      </p:par>
+    </p:tnLst>
+  </p:timing>
 </p:sld>
 </file>
 
@@ -7611,7 +9645,7 @@
           <p:nvPr/>
         </p:nvPicPr>
         <p:blipFill>
-          <a:blip r:embed="rId2">
+          <a:blip r:embed="rId3">
             <a:extLst>
               <a:ext uri="{28A0092B-C50C-407E-A947-70E740481C1C}">
                 <a14:useLocalDpi xmlns:a14="http://schemas.microsoft.com/office/drawing/2010/main" val="0"/>
@@ -7653,6 +9687,13 @@
   <p:clrMapOvr>
     <a:masterClrMapping/>
   </p:clrMapOvr>
+  <p:timing>
+    <p:tnLst>
+      <p:par>
+        <p:cTn id="1" dur="indefinite" restart="never" nodeType="tmRoot"/>
+      </p:par>
+    </p:tnLst>
+  </p:timing>
 </p:sld>
 </file>
 
@@ -7855,7 +9896,7 @@
           <p:nvPr/>
         </p:nvPicPr>
         <p:blipFill>
-          <a:blip r:embed="rId2">
+          <a:blip r:embed="rId3">
             <a:extLst>
               <a:ext uri="{28A0092B-C50C-407E-A947-70E740481C1C}">
                 <a14:useLocalDpi xmlns:a14="http://schemas.microsoft.com/office/drawing/2010/main" val="0"/>
@@ -7897,6 +9938,13 @@
   <p:clrMapOvr>
     <a:masterClrMapping/>
   </p:clrMapOvr>
+  <p:timing>
+    <p:tnLst>
+      <p:par>
+        <p:cTn id="1" dur="indefinite" restart="never" nodeType="tmRoot"/>
+      </p:par>
+    </p:tnLst>
+  </p:timing>
 </p:sld>
 </file>
 
@@ -8149,6 +10197,13 @@
   <p:clrMapOvr>
     <a:masterClrMapping/>
   </p:clrMapOvr>
+  <p:timing>
+    <p:tnLst>
+      <p:par>
+        <p:cTn id="1" dur="indefinite" restart="never" nodeType="tmRoot"/>
+      </p:par>
+    </p:tnLst>
+  </p:timing>
 </p:sld>
 </file>
 
@@ -8235,7 +10290,7 @@
           <p:nvPr/>
         </p:nvPicPr>
         <p:blipFill>
-          <a:blip r:embed="rId2">
+          <a:blip r:embed="rId3">
             <a:extLst>
               <a:ext uri="{28A0092B-C50C-407E-A947-70E740481C1C}">
                 <a14:useLocalDpi xmlns:a14="http://schemas.microsoft.com/office/drawing/2010/main" val="0"/>
@@ -8276,7 +10331,7 @@
           <p:nvPr/>
         </p:nvPicPr>
         <p:blipFill>
-          <a:blip r:embed="rId3" cstate="print">
+          <a:blip r:embed="rId4" cstate="print">
             <a:extLst>
               <a:ext uri="{28A0092B-C50C-407E-A947-70E740481C1C}">
                 <a14:useLocalDpi xmlns:a14="http://schemas.microsoft.com/office/drawing/2010/main" val="0"/>
@@ -8317,7 +10372,7 @@
           <p:nvPr/>
         </p:nvPicPr>
         <p:blipFill>
-          <a:blip r:embed="rId4" cstate="print">
+          <a:blip r:embed="rId5" cstate="print">
             <a:extLst>
               <a:ext uri="{28A0092B-C50C-407E-A947-70E740481C1C}">
                 <a14:useLocalDpi xmlns:a14="http://schemas.microsoft.com/office/drawing/2010/main" val="0"/>
@@ -8359,6 +10414,13 @@
   <p:clrMapOvr>
     <a:masterClrMapping/>
   </p:clrMapOvr>
+  <p:timing>
+    <p:tnLst>
+      <p:par>
+        <p:cTn id="1" dur="indefinite" restart="never" nodeType="tmRoot"/>
+      </p:par>
+    </p:tnLst>
+  </p:timing>
 </p:sld>
 </file>
 
@@ -8572,6 +10634,13 @@
   <p:clrMapOvr>
     <a:masterClrMapping/>
   </p:clrMapOvr>
+  <p:timing>
+    <p:tnLst>
+      <p:par>
+        <p:cTn id="1" dur="indefinite" restart="never" nodeType="tmRoot"/>
+      </p:par>
+    </p:tnLst>
+  </p:timing>
 </p:sld>
 </file>
 
@@ -8713,7 +10782,7 @@
           <p:nvPr/>
         </p:nvPicPr>
         <p:blipFill>
-          <a:blip r:embed="rId2">
+          <a:blip r:embed="rId3">
             <a:extLst>
               <a:ext uri="{28A0092B-C50C-407E-A947-70E740481C1C}">
                 <a14:useLocalDpi xmlns:a14="http://schemas.microsoft.com/office/drawing/2010/main" val="0"/>
@@ -8755,6 +10824,13 @@
   <p:clrMapOvr>
     <a:masterClrMapping/>
   </p:clrMapOvr>
+  <p:timing>
+    <p:tnLst>
+      <p:par>
+        <p:cTn id="1" dur="indefinite" restart="never" nodeType="tmRoot"/>
+      </p:par>
+    </p:tnLst>
+  </p:timing>
 </p:sld>
 </file>
 
@@ -8931,7 +11007,7 @@
           <p:nvPr/>
         </p:nvPicPr>
         <p:blipFill>
-          <a:blip r:embed="rId2">
+          <a:blip r:embed="rId3">
             <a:extLst>
               <a:ext uri="{28A0092B-C50C-407E-A947-70E740481C1C}">
                 <a14:useLocalDpi xmlns:a14="http://schemas.microsoft.com/office/drawing/2010/main" val="0"/>
@@ -8973,6 +11049,13 @@
   <p:clrMapOvr>
     <a:masterClrMapping/>
   </p:clrMapOvr>
+  <p:timing>
+    <p:tnLst>
+      <p:par>
+        <p:cTn id="1" dur="indefinite" restart="never" nodeType="tmRoot"/>
+      </p:par>
+    </p:tnLst>
+  </p:timing>
 </p:sld>
 </file>
 
@@ -9188,6 +11271,13 @@
   <p:clrMapOvr>
     <a:masterClrMapping/>
   </p:clrMapOvr>
+  <p:timing>
+    <p:tnLst>
+      <p:par>
+        <p:cTn id="1" dur="indefinite" restart="never" nodeType="tmRoot"/>
+      </p:par>
+    </p:tnLst>
+  </p:timing>
 </p:sld>
 </file>
 
@@ -9329,6 +11419,13 @@
   <p:clrMapOvr>
     <a:masterClrMapping/>
   </p:clrMapOvr>
+  <p:timing>
+    <p:tnLst>
+      <p:par>
+        <p:cTn id="1" dur="indefinite" restart="never" nodeType="tmRoot"/>
+      </p:par>
+    </p:tnLst>
+  </p:timing>
 </p:sld>
 </file>
 
@@ -9456,6 +11553,13 @@
   <p:clrMapOvr>
     <a:masterClrMapping/>
   </p:clrMapOvr>
+  <p:timing>
+    <p:tnLst>
+      <p:par>
+        <p:cTn id="1" dur="indefinite" restart="never" nodeType="tmRoot"/>
+      </p:par>
+    </p:tnLst>
+  </p:timing>
 </p:sld>
 </file>
 
